--- a/Basic Architecture.pptx
+++ b/Basic Architecture.pptx
@@ -5,11 +5,10 @@
     <p:sldMasterId id="2147483660" r:id="rId1"/>
   </p:sldMasterIdLst>
   <p:notesMasterIdLst>
-    <p:notesMasterId r:id="rId4"/>
+    <p:notesMasterId r:id="rId3"/>
   </p:notesMasterIdLst>
   <p:sldIdLst>
-    <p:sldId id="2147479547" r:id="rId2"/>
-    <p:sldId id="2147479548" r:id="rId3"/>
+    <p:sldId id="2147479548" r:id="rId2"/>
   </p:sldIdLst>
   <p:sldSz cx="12192000" cy="6858000"/>
   <p:notesSz cx="6858000" cy="9144000"/>
@@ -491,7 +490,7 @@
           <a:p>
             <a:fld id="{5DC61A4F-D736-49E0-9495-1F6A9744AA32}" type="datetimeFigureOut">
               <a:rPr lang="en-US" smtClean="0"/>
-              <a:t>12/12/2024</a:t>
+              <a:t>1/14/2025</a:t>
             </a:fld>
             <a:endParaRPr lang="en-US"/>
           </a:p>
@@ -763,7 +762,13 @@
   <p:cSld>
     <p:spTree>
       <p:nvGrpSpPr>
-        <p:cNvPr id="1" name=""/>
+        <p:cNvPr id="1" name="">
+          <a:extLst>
+            <a:ext uri="{FF2B5EF4-FFF2-40B4-BE49-F238E27FC236}">
+              <a16:creationId xmlns:a16="http://schemas.microsoft.com/office/drawing/2014/main" id="{B43E3184-93AC-4BAA-0753-CF535FFC0B54}"/>
+            </a:ext>
+          </a:extLst>
+        </p:cNvPr>
         <p:cNvGrpSpPr/>
         <p:nvPr/>
       </p:nvGrpSpPr>
@@ -777,7 +782,13 @@
       </p:grpSpPr>
       <p:sp>
         <p:nvSpPr>
-          <p:cNvPr id="2" name="Slide Image Placeholder 1"/>
+          <p:cNvPr id="2" name="Slide Image Placeholder 1">
+            <a:extLst>
+              <a:ext uri="{FF2B5EF4-FFF2-40B4-BE49-F238E27FC236}">
+                <a16:creationId xmlns:a16="http://schemas.microsoft.com/office/drawing/2014/main" id="{7F9A0678-3BFD-36C5-3E73-A4A1BBFB515D}"/>
+              </a:ext>
+            </a:extLst>
+          </p:cNvPr>
           <p:cNvSpPr>
             <a:spLocks noGrp="1" noRot="1" noChangeAspect="1"/>
           </p:cNvSpPr>
@@ -789,7 +800,13 @@
       </p:sp>
       <p:sp>
         <p:nvSpPr>
-          <p:cNvPr id="3" name="Notes Placeholder 2"/>
+          <p:cNvPr id="3" name="Notes Placeholder 2">
+            <a:extLst>
+              <a:ext uri="{FF2B5EF4-FFF2-40B4-BE49-F238E27FC236}">
+                <a16:creationId xmlns:a16="http://schemas.microsoft.com/office/drawing/2014/main" id="{04646150-AD96-C8AE-8E2D-DC2113BD0430}"/>
+              </a:ext>
+            </a:extLst>
+          </p:cNvPr>
           <p:cNvSpPr>
             <a:spLocks noGrp="1"/>
           </p:cNvSpPr>
@@ -808,7 +825,13 @@
       </p:sp>
       <p:sp>
         <p:nvSpPr>
-          <p:cNvPr id="4" name="Header Placeholder 3"/>
+          <p:cNvPr id="4" name="Header Placeholder 3">
+            <a:extLst>
+              <a:ext uri="{FF2B5EF4-FFF2-40B4-BE49-F238E27FC236}">
+                <a16:creationId xmlns:a16="http://schemas.microsoft.com/office/drawing/2014/main" id="{057A33BE-C555-4AD2-5E71-ADDF11E2C293}"/>
+              </a:ext>
+            </a:extLst>
+          </p:cNvPr>
           <p:cNvSpPr>
             <a:spLocks noGrp="1"/>
           </p:cNvSpPr>
@@ -857,7 +880,13 @@
       </p:sp>
       <p:sp>
         <p:nvSpPr>
-          <p:cNvPr id="5" name="Footer Placeholder 4"/>
+          <p:cNvPr id="5" name="Footer Placeholder 4">
+            <a:extLst>
+              <a:ext uri="{FF2B5EF4-FFF2-40B4-BE49-F238E27FC236}">
+                <a16:creationId xmlns:a16="http://schemas.microsoft.com/office/drawing/2014/main" id="{904E39C5-1FA2-EFC9-9E23-B62B0B7C2101}"/>
+              </a:ext>
+            </a:extLst>
+          </p:cNvPr>
           <p:cNvSpPr>
             <a:spLocks noGrp="1"/>
           </p:cNvSpPr>
@@ -917,7 +946,13 @@
       </p:sp>
       <p:sp>
         <p:nvSpPr>
-          <p:cNvPr id="6" name="Date Placeholder 5"/>
+          <p:cNvPr id="6" name="Date Placeholder 5">
+            <a:extLst>
+              <a:ext uri="{FF2B5EF4-FFF2-40B4-BE49-F238E27FC236}">
+                <a16:creationId xmlns:a16="http://schemas.microsoft.com/office/drawing/2014/main" id="{F763825A-B401-D265-25AD-8D67DEC6859E}"/>
+              </a:ext>
+            </a:extLst>
+          </p:cNvPr>
           <p:cNvSpPr>
             <a:spLocks noGrp="1"/>
           </p:cNvSpPr>
@@ -979,7 +1014,7 @@
                 <a:tabLst/>
                 <a:defRPr/>
               </a:pPr>
-              <a:t>12/12/2024 6:53 PM</a:t>
+              <a:t>1/14/2025 9:56 PM</a:t>
             </a:fld>
             <a:endParaRPr kumimoji="0" lang="en-US" sz="1200" b="0" i="0" u="none" strike="noStrike" kern="1200" cap="none" spc="0" normalizeH="0" baseline="0" noProof="0">
               <a:ln>
@@ -1000,7 +1035,13 @@
       </p:sp>
       <p:sp>
         <p:nvSpPr>
-          <p:cNvPr id="7" name="Slide Number Placeholder 6"/>
+          <p:cNvPr id="7" name="Slide Number Placeholder 6">
+            <a:extLst>
+              <a:ext uri="{FF2B5EF4-FFF2-40B4-BE49-F238E27FC236}">
+                <a16:creationId xmlns:a16="http://schemas.microsoft.com/office/drawing/2014/main" id="{E19BA89F-F579-1F26-8153-EB4AAB5D6D46}"/>
+              </a:ext>
+            </a:extLst>
+          </p:cNvPr>
           <p:cNvSpPr>
             <a:spLocks noGrp="1"/>
           </p:cNvSpPr>
@@ -1063,384 +1104,6 @@
                 <a:defRPr/>
               </a:pPr>
               <a:t>1</a:t>
-            </a:fld>
-            <a:endParaRPr kumimoji="0" lang="en-US" sz="1200" b="0" i="0" u="none" strike="noStrike" kern="1200" cap="none" spc="0" normalizeH="0" baseline="0" noProof="0">
-              <a:ln>
-                <a:noFill/>
-              </a:ln>
-              <a:solidFill>
-                <a:prstClr val="black"/>
-              </a:solidFill>
-              <a:effectLst/>
-              <a:uLnTx/>
-              <a:uFillTx/>
-              <a:latin typeface="Segoe UI" pitchFamily="34" charset="0"/>
-              <a:ea typeface="+mn-ea"/>
-              <a:cs typeface="+mn-cs"/>
-            </a:endParaRPr>
-          </a:p>
-        </p:txBody>
-      </p:sp>
-    </p:spTree>
-    <p:extLst>
-      <p:ext uri="{BB962C8B-B14F-4D97-AF65-F5344CB8AC3E}">
-        <p14:creationId xmlns:p14="http://schemas.microsoft.com/office/powerpoint/2010/main" val="4174841167"/>
-      </p:ext>
-    </p:extLst>
-  </p:cSld>
-  <p:clrMapOvr>
-    <a:masterClrMapping/>
-  </p:clrMapOvr>
-</p:notes>
-</file>
-
-<file path=ppt/notesSlides/notesSlide2.xml><?xml version="1.0" encoding="utf-8"?>
-<p:notes xmlns:a="http://schemas.openxmlformats.org/drawingml/2006/main" xmlns:r="http://schemas.openxmlformats.org/officeDocument/2006/relationships" xmlns:p="http://schemas.openxmlformats.org/presentationml/2006/main">
-  <p:cSld>
-    <p:spTree>
-      <p:nvGrpSpPr>
-        <p:cNvPr id="1" name="">
-          <a:extLst>
-            <a:ext uri="{FF2B5EF4-FFF2-40B4-BE49-F238E27FC236}">
-              <a16:creationId xmlns:a16="http://schemas.microsoft.com/office/drawing/2014/main" id="{B43E3184-93AC-4BAA-0753-CF535FFC0B54}"/>
-            </a:ext>
-          </a:extLst>
-        </p:cNvPr>
-        <p:cNvGrpSpPr/>
-        <p:nvPr/>
-      </p:nvGrpSpPr>
-      <p:grpSpPr>
-        <a:xfrm>
-          <a:off x="0" y="0"/>
-          <a:ext cx="0" cy="0"/>
-          <a:chOff x="0" y="0"/>
-          <a:chExt cx="0" cy="0"/>
-        </a:xfrm>
-      </p:grpSpPr>
-      <p:sp>
-        <p:nvSpPr>
-          <p:cNvPr id="2" name="Slide Image Placeholder 1">
-            <a:extLst>
-              <a:ext uri="{FF2B5EF4-FFF2-40B4-BE49-F238E27FC236}">
-                <a16:creationId xmlns:a16="http://schemas.microsoft.com/office/drawing/2014/main" id="{7F9A0678-3BFD-36C5-3E73-A4A1BBFB515D}"/>
-              </a:ext>
-            </a:extLst>
-          </p:cNvPr>
-          <p:cNvSpPr>
-            <a:spLocks noGrp="1" noRot="1" noChangeAspect="1"/>
-          </p:cNvSpPr>
-          <p:nvPr>
-            <p:ph type="sldImg"/>
-          </p:nvPr>
-        </p:nvSpPr>
-        <p:spPr/>
-      </p:sp>
-      <p:sp>
-        <p:nvSpPr>
-          <p:cNvPr id="3" name="Notes Placeholder 2">
-            <a:extLst>
-              <a:ext uri="{FF2B5EF4-FFF2-40B4-BE49-F238E27FC236}">
-                <a16:creationId xmlns:a16="http://schemas.microsoft.com/office/drawing/2014/main" id="{04646150-AD96-C8AE-8E2D-DC2113BD0430}"/>
-              </a:ext>
-            </a:extLst>
-          </p:cNvPr>
-          <p:cNvSpPr>
-            <a:spLocks noGrp="1"/>
-          </p:cNvSpPr>
-          <p:nvPr>
-            <p:ph type="body" idx="1"/>
-          </p:nvPr>
-        </p:nvSpPr>
-        <p:spPr/>
-        <p:txBody>
-          <a:bodyPr/>
-          <a:lstStyle/>
-          <a:p>
-            <a:endParaRPr lang="en-US"/>
-          </a:p>
-        </p:txBody>
-      </p:sp>
-      <p:sp>
-        <p:nvSpPr>
-          <p:cNvPr id="4" name="Header Placeholder 3">
-            <a:extLst>
-              <a:ext uri="{FF2B5EF4-FFF2-40B4-BE49-F238E27FC236}">
-                <a16:creationId xmlns:a16="http://schemas.microsoft.com/office/drawing/2014/main" id="{057A33BE-C555-4AD2-5E71-ADDF11E2C293}"/>
-              </a:ext>
-            </a:extLst>
-          </p:cNvPr>
-          <p:cNvSpPr>
-            <a:spLocks noGrp="1"/>
-          </p:cNvSpPr>
-          <p:nvPr>
-            <p:ph type="hdr" sz="quarter"/>
-          </p:nvPr>
-        </p:nvSpPr>
-        <p:spPr/>
-        <p:txBody>
-          <a:bodyPr/>
-          <a:lstStyle/>
-          <a:p>
-            <a:pPr marL="0" marR="0" lvl="0" indent="0" algn="l" defTabSz="914367" rtl="0" eaLnBrk="1" fontAlgn="auto" latinLnBrk="0" hangingPunct="1">
-              <a:lnSpc>
-                <a:spcPct val="100000"/>
-              </a:lnSpc>
-              <a:spcBef>
-                <a:spcPts val="0"/>
-              </a:spcBef>
-              <a:spcAft>
-                <a:spcPts val="0"/>
-              </a:spcAft>
-              <a:buClrTx/>
-              <a:buSzTx/>
-              <a:buFontTx/>
-              <a:buNone/>
-              <a:tabLst/>
-              <a:defRPr/>
-            </a:pPr>
-            <a:endParaRPr kumimoji="0" lang="en-US" sz="1200" b="0" i="0" u="none" strike="noStrike" kern="1200" cap="none" spc="0" normalizeH="0" baseline="0" noProof="0">
-              <a:ln>
-                <a:noFill/>
-              </a:ln>
-              <a:solidFill>
-                <a:prstClr val="black"/>
-              </a:solidFill>
-              <a:effectLst/>
-              <a:uLnTx/>
-              <a:uFillTx/>
-              <a:latin typeface="Segoe UI" pitchFamily="34" charset="0"/>
-              <a:ea typeface="+mn-ea"/>
-              <a:cs typeface="+mn-cs"/>
-            </a:endParaRPr>
-          </a:p>
-        </p:txBody>
-      </p:sp>
-      <p:sp>
-        <p:nvSpPr>
-          <p:cNvPr id="5" name="Footer Placeholder 4">
-            <a:extLst>
-              <a:ext uri="{FF2B5EF4-FFF2-40B4-BE49-F238E27FC236}">
-                <a16:creationId xmlns:a16="http://schemas.microsoft.com/office/drawing/2014/main" id="{904E39C5-1FA2-EFC9-9E23-B62B0B7C2101}"/>
-              </a:ext>
-            </a:extLst>
-          </p:cNvPr>
-          <p:cNvSpPr>
-            <a:spLocks noGrp="1"/>
-          </p:cNvSpPr>
-          <p:nvPr>
-            <p:ph type="ftr" sz="quarter" idx="4"/>
-          </p:nvPr>
-        </p:nvSpPr>
-        <p:spPr/>
-        <p:txBody>
-          <a:bodyPr/>
-          <a:lstStyle/>
-          <a:p>
-            <a:pPr marL="571500" marR="0" lvl="0" indent="0" algn="l" defTabSz="914099" rtl="0" eaLnBrk="0" fontAlgn="auto" latinLnBrk="0" hangingPunct="0">
-              <a:lnSpc>
-                <a:spcPct val="100000"/>
-              </a:lnSpc>
-              <a:spcBef>
-                <a:spcPts val="0"/>
-              </a:spcBef>
-              <a:spcAft>
-                <a:spcPts val="0"/>
-              </a:spcAft>
-              <a:buClrTx/>
-              <a:buSzTx/>
-              <a:buFontTx/>
-              <a:buNone/>
-              <a:tabLst/>
-              <a:defRPr/>
-            </a:pPr>
-            <a:r>
-              <a:rPr kumimoji="0" lang="en-US" sz="400" b="0" i="0" u="none" strike="noStrike" kern="1200" cap="none" spc="0" normalizeH="0" baseline="0" noProof="0">
-                <a:ln>
-                  <a:noFill/>
-                </a:ln>
-                <a:gradFill>
-                  <a:gsLst>
-                    <a:gs pos="0">
-                      <a:prstClr val="black"/>
-                    </a:gs>
-                    <a:gs pos="100000">
-                      <a:prstClr val="black"/>
-                    </a:gs>
-                  </a:gsLst>
-                  <a:lin ang="5400000" scaled="0"/>
-                </a:gradFill>
-                <a:effectLst/>
-                <a:uLnTx/>
-                <a:uFillTx/>
-                <a:latin typeface="Segoe UI" pitchFamily="34" charset="0"/>
-                <a:ea typeface="Segoe UI" pitchFamily="34" charset="0"/>
-                <a:cs typeface="Segoe UI" pitchFamily="34" charset="0"/>
-              </a:rPr>
-              <a:t>© Microsoft Corporation. All rights reserved. MICROSOFT MAKES NO WARRANTIES, EXPRESS, IMPLIED OR STATUTORY, AS TO THE INFORMATION IN THIS PRESENTATION.</a:t>
-            </a:r>
-          </a:p>
-        </p:txBody>
-      </p:sp>
-      <p:sp>
-        <p:nvSpPr>
-          <p:cNvPr id="6" name="Date Placeholder 5">
-            <a:extLst>
-              <a:ext uri="{FF2B5EF4-FFF2-40B4-BE49-F238E27FC236}">
-                <a16:creationId xmlns:a16="http://schemas.microsoft.com/office/drawing/2014/main" id="{F763825A-B401-D265-25AD-8D67DEC6859E}"/>
-              </a:ext>
-            </a:extLst>
-          </p:cNvPr>
-          <p:cNvSpPr>
-            <a:spLocks noGrp="1"/>
-          </p:cNvSpPr>
-          <p:nvPr>
-            <p:ph type="dt" idx="1"/>
-          </p:nvPr>
-        </p:nvSpPr>
-        <p:spPr/>
-        <p:txBody>
-          <a:bodyPr/>
-          <a:lstStyle/>
-          <a:p>
-            <a:pPr marL="0" marR="0" lvl="0" indent="0" algn="r" defTabSz="914367" rtl="0" eaLnBrk="1" fontAlgn="auto" latinLnBrk="0" hangingPunct="1">
-              <a:lnSpc>
-                <a:spcPct val="100000"/>
-              </a:lnSpc>
-              <a:spcBef>
-                <a:spcPts val="0"/>
-              </a:spcBef>
-              <a:spcAft>
-                <a:spcPts val="0"/>
-              </a:spcAft>
-              <a:buClrTx/>
-              <a:buSzTx/>
-              <a:buFontTx/>
-              <a:buNone/>
-              <a:tabLst/>
-              <a:defRPr/>
-            </a:pPr>
-            <a:fld id="{AE102C2F-94C0-F241-B1C9-209EC2594BC4}" type="datetime8">
-              <a:rPr kumimoji="0" lang="en-US" sz="1200" b="0" i="0" u="none" strike="noStrike" kern="1200" cap="none" spc="0" normalizeH="0" baseline="0" noProof="0" smtClean="0">
-                <a:ln>
-                  <a:noFill/>
-                </a:ln>
-                <a:solidFill>
-                  <a:prstClr val="black"/>
-                </a:solidFill>
-                <a:effectLst/>
-                <a:uLnTx/>
-                <a:uFillTx/>
-                <a:latin typeface="Segoe UI" pitchFamily="34" charset="0"/>
-                <a:ea typeface="+mn-ea"/>
-                <a:cs typeface="+mn-cs"/>
-              </a:rPr>
-              <a:pPr marL="0" marR="0" lvl="0" indent="0" algn="r" defTabSz="914367" rtl="0" eaLnBrk="1" fontAlgn="auto" latinLnBrk="0" hangingPunct="1">
-                <a:lnSpc>
-                  <a:spcPct val="100000"/>
-                </a:lnSpc>
-                <a:spcBef>
-                  <a:spcPts val="0"/>
-                </a:spcBef>
-                <a:spcAft>
-                  <a:spcPts val="0"/>
-                </a:spcAft>
-                <a:buClrTx/>
-                <a:buSzTx/>
-                <a:buFontTx/>
-                <a:buNone/>
-                <a:tabLst/>
-                <a:defRPr/>
-              </a:pPr>
-              <a:t>12/12/2024 6:54 PM</a:t>
-            </a:fld>
-            <a:endParaRPr kumimoji="0" lang="en-US" sz="1200" b="0" i="0" u="none" strike="noStrike" kern="1200" cap="none" spc="0" normalizeH="0" baseline="0" noProof="0">
-              <a:ln>
-                <a:noFill/>
-              </a:ln>
-              <a:solidFill>
-                <a:prstClr val="black"/>
-              </a:solidFill>
-              <a:effectLst/>
-              <a:uLnTx/>
-              <a:uFillTx/>
-              <a:latin typeface="Segoe UI" pitchFamily="34" charset="0"/>
-              <a:ea typeface="+mn-ea"/>
-              <a:cs typeface="+mn-cs"/>
-            </a:endParaRPr>
-          </a:p>
-        </p:txBody>
-      </p:sp>
-      <p:sp>
-        <p:nvSpPr>
-          <p:cNvPr id="7" name="Slide Number Placeholder 6">
-            <a:extLst>
-              <a:ext uri="{FF2B5EF4-FFF2-40B4-BE49-F238E27FC236}">
-                <a16:creationId xmlns:a16="http://schemas.microsoft.com/office/drawing/2014/main" id="{E19BA89F-F579-1F26-8153-EB4AAB5D6D46}"/>
-              </a:ext>
-            </a:extLst>
-          </p:cNvPr>
-          <p:cNvSpPr>
-            <a:spLocks noGrp="1"/>
-          </p:cNvSpPr>
-          <p:nvPr>
-            <p:ph type="sldNum" sz="quarter" idx="5"/>
-          </p:nvPr>
-        </p:nvSpPr>
-        <p:spPr/>
-        <p:txBody>
-          <a:bodyPr/>
-          <a:lstStyle/>
-          <a:p>
-            <a:pPr marL="0" marR="0" lvl="0" indent="0" algn="r" defTabSz="914367" rtl="0" eaLnBrk="1" fontAlgn="auto" latinLnBrk="0" hangingPunct="1">
-              <a:lnSpc>
-                <a:spcPct val="100000"/>
-              </a:lnSpc>
-              <a:spcBef>
-                <a:spcPts val="0"/>
-              </a:spcBef>
-              <a:spcAft>
-                <a:spcPts val="0"/>
-              </a:spcAft>
-              <a:buClrTx/>
-              <a:buSzTx/>
-              <a:buFontTx/>
-              <a:buNone/>
-              <a:tabLst/>
-              <a:defRPr/>
-            </a:pPr>
-            <a:fld id="{B4008EB6-D09E-4580-8CD6-DDB14511944F}" type="slidenum">
-              <a:rPr kumimoji="0" lang="en-US" sz="1200" b="0" i="0" u="none" strike="noStrike" kern="1200" cap="none" spc="0" normalizeH="0" baseline="0" noProof="0" smtClean="0">
-                <a:ln>
-                  <a:noFill/>
-                </a:ln>
-                <a:solidFill>
-                  <a:prstClr val="black"/>
-                </a:solidFill>
-                <a:effectLst/>
-                <a:uLnTx/>
-                <a:uFillTx/>
-                <a:latin typeface="Segoe UI" pitchFamily="34" charset="0"/>
-                <a:ea typeface="+mn-ea"/>
-                <a:cs typeface="+mn-cs"/>
-              </a:rPr>
-              <a:pPr marL="0" marR="0" lvl="0" indent="0" algn="r" defTabSz="914367" rtl="0" eaLnBrk="1" fontAlgn="auto" latinLnBrk="0" hangingPunct="1">
-                <a:lnSpc>
-                  <a:spcPct val="100000"/>
-                </a:lnSpc>
-                <a:spcBef>
-                  <a:spcPts val="0"/>
-                </a:spcBef>
-                <a:spcAft>
-                  <a:spcPts val="0"/>
-                </a:spcAft>
-                <a:buClrTx/>
-                <a:buSzTx/>
-                <a:buFontTx/>
-                <a:buNone/>
-                <a:tabLst/>
-                <a:defRPr/>
-              </a:pPr>
-              <a:t>2</a:t>
             </a:fld>
             <a:endParaRPr kumimoji="0" lang="en-US" sz="1200" b="0" i="0" u="none" strike="noStrike" kern="1200" cap="none" spc="0" normalizeH="0" baseline="0" noProof="0">
               <a:ln>
@@ -20946,7 +20609,13 @@
   <p:cSld>
     <p:spTree>
       <p:nvGrpSpPr>
-        <p:cNvPr id="1" name=""/>
+        <p:cNvPr id="1" name="">
+          <a:extLst>
+            <a:ext uri="{FF2B5EF4-FFF2-40B4-BE49-F238E27FC236}">
+              <a16:creationId xmlns:a16="http://schemas.microsoft.com/office/drawing/2014/main" id="{B73202DE-5617-AC38-6270-3E8F51815210}"/>
+            </a:ext>
+          </a:extLst>
+        </p:cNvPr>
         <p:cNvGrpSpPr/>
         <p:nvPr/>
       </p:nvGrpSpPr>
@@ -20963,7 +20632,7 @@
           <p:cNvPr id="2" name="Title 1">
             <a:extLst>
               <a:ext uri="{FF2B5EF4-FFF2-40B4-BE49-F238E27FC236}">
-                <a16:creationId xmlns:a16="http://schemas.microsoft.com/office/drawing/2014/main" id="{B2C25BF2-3635-6DCD-306D-BC206C57628C}"/>
+                <a16:creationId xmlns:a16="http://schemas.microsoft.com/office/drawing/2014/main" id="{C93B2FA0-A53E-DABF-FAAD-25E79DB27E14}"/>
               </a:ext>
             </a:extLst>
           </p:cNvPr>
@@ -20977,7 +20646,7 @@
         <p:spPr>
           <a:xfrm>
             <a:off x="588261" y="294063"/>
-            <a:ext cx="6258365" cy="399314"/>
+            <a:ext cx="6258365" cy="430887"/>
           </a:xfrm>
         </p:spPr>
         <p:txBody>
@@ -20985,58 +20654,23 @@
           <a:lstStyle/>
           <a:p>
             <a:r>
+              <a:rPr lang="en-US" sz="2800"/>
+              <a:t>Realtime Assistant – </a:t>
+            </a:r>
+            <a:r>
               <a:rPr lang="en-US" sz="2800" dirty="0"/>
-              <a:t>Shadow Seller – Basic Architecture</a:t>
+              <a:t>Basic Architecture</a:t>
             </a:r>
             <a:endParaRPr lang="en-US" sz="1800" i="1" dirty="0"/>
           </a:p>
         </p:txBody>
       </p:sp>
-      <p:pic>
-        <p:nvPicPr>
-          <p:cNvPr id="7" name="Graphic 6">
-            <a:extLst>
-              <a:ext uri="{FF2B5EF4-FFF2-40B4-BE49-F238E27FC236}">
-                <a16:creationId xmlns:a16="http://schemas.microsoft.com/office/drawing/2014/main" id="{94301FCC-EDEB-D6A7-73DC-857BAA560511}"/>
-              </a:ext>
-            </a:extLst>
-          </p:cNvPr>
-          <p:cNvPicPr>
-            <a:picLocks noChangeAspect="1"/>
-          </p:cNvPicPr>
-          <p:nvPr/>
-        </p:nvPicPr>
-        <p:blipFill>
-          <a:blip r:embed="rId3">
-            <a:extLst>
-              <a:ext uri="{28A0092B-C50C-407E-A947-70E740481C1C}">
-                <a14:useLocalDpi xmlns:a14="http://schemas.microsoft.com/office/drawing/2010/main" val="0"/>
-              </a:ext>
-              <a:ext uri="{96DAC541-7B7A-43D3-8B79-37D633B846F1}">
-                <asvg:svgBlip xmlns:asvg="http://schemas.microsoft.com/office/drawing/2016/SVG/main" r:embed="rId4"/>
-              </a:ext>
-            </a:extLst>
-          </a:blip>
-          <a:stretch>
-            <a:fillRect/>
-          </a:stretch>
-        </p:blipFill>
-        <p:spPr>
-          <a:xfrm>
-            <a:off x="7828156" y="1906595"/>
-            <a:ext cx="731520" cy="731520"/>
-          </a:xfrm>
-          <a:prstGeom prst="rect">
-            <a:avLst/>
-          </a:prstGeom>
-        </p:spPr>
-      </p:pic>
       <p:sp>
         <p:nvSpPr>
-          <p:cNvPr id="47" name="Text Placeholder 4">
-            <a:extLst>
-              <a:ext uri="{FF2B5EF4-FFF2-40B4-BE49-F238E27FC236}">
-                <a16:creationId xmlns:a16="http://schemas.microsoft.com/office/drawing/2014/main" id="{0533F1AD-32B5-68F2-A1C0-6FFBD1791529}"/>
+          <p:cNvPr id="61" name="Text Placeholder 4">
+            <a:extLst>
+              <a:ext uri="{FF2B5EF4-FFF2-40B4-BE49-F238E27FC236}">
+                <a16:creationId xmlns:a16="http://schemas.microsoft.com/office/drawing/2014/main" id="{85659C61-75DF-37E6-38F3-F5CD1C4BD510}"/>
               </a:ext>
             </a:extLst>
           </p:cNvPr>
@@ -21047,8 +20681,8 @@
         </p:nvSpPr>
         <p:spPr>
           <a:xfrm>
-            <a:off x="7811046" y="2632793"/>
-            <a:ext cx="2363659" cy="1351139"/>
+            <a:off x="2600894" y="3779931"/>
+            <a:ext cx="1610413" cy="892552"/>
           </a:xfrm>
           <a:prstGeom prst="rect">
             <a:avLst/>
@@ -21275,3954 +20909,6 @@
               <a:defRPr/>
             </a:pPr>
             <a:r>
-              <a:rPr kumimoji="0" lang="en-US" sz="1600" b="0" i="0" u="none" strike="noStrike" kern="1200" cap="none" spc="0" normalizeH="0" baseline="0" noProof="0" dirty="0">
-                <a:ln>
-                  <a:noFill/>
-                </a:ln>
-                <a:solidFill>
-                  <a:srgbClr val="FFFFFF"/>
-                </a:solidFill>
-                <a:effectLst/>
-                <a:uLnTx/>
-                <a:uFillTx/>
-                <a:latin typeface="Segoe UI Semibold"/>
-                <a:ea typeface="+mn-ea"/>
-                <a:cs typeface="Segoe UI Semilight" panose="020B0402040204020203" pitchFamily="34" charset="0"/>
-              </a:rPr>
-              <a:t>Azure AI Search</a:t>
-            </a:r>
-          </a:p>
-          <a:p>
-            <a:pPr marL="265176" marR="0" lvl="1" indent="-128016" algn="l" defTabSz="932742" rtl="0" eaLnBrk="1" fontAlgn="auto" latinLnBrk="0" hangingPunct="1">
-              <a:lnSpc>
-                <a:spcPct val="100000"/>
-              </a:lnSpc>
-              <a:spcBef>
-                <a:spcPct val="20000"/>
-              </a:spcBef>
-              <a:spcAft>
-                <a:spcPts val="0"/>
-              </a:spcAft>
-              <a:buClrTx/>
-              <a:buSzPct val="90000"/>
-              <a:buFont typeface="Arial" panose="020B0604020202020204" pitchFamily="34" charset="0"/>
-              <a:buChar char="•"/>
-              <a:tabLst/>
-              <a:defRPr/>
-            </a:pPr>
-            <a:r>
-              <a:rPr lang="en-US" sz="1300" dirty="0">
-                <a:solidFill>
-                  <a:srgbClr val="FFFFFF"/>
-                </a:solidFill>
-                <a:latin typeface="Segoe UI"/>
-              </a:rPr>
-              <a:t>s</a:t>
-            </a:r>
-            <a:r>
-              <a:rPr kumimoji="0" lang="en-US" sz="1300" b="0" i="0" u="none" strike="noStrike" kern="1200" cap="none" spc="0" normalizeH="0" baseline="0" noProof="0" dirty="0" err="1">
-                <a:ln>
-                  <a:noFill/>
-                </a:ln>
-                <a:solidFill>
-                  <a:srgbClr val="FFFFFF"/>
-                </a:solidFill>
-                <a:effectLst/>
-                <a:uLnTx/>
-                <a:uFillTx/>
-                <a:latin typeface="Segoe UI"/>
-                <a:ea typeface="+mn-ea"/>
-                <a:cs typeface="+mn-cs"/>
-              </a:rPr>
-              <a:t>hadow_search</a:t>
-            </a:r>
-            <a:endParaRPr kumimoji="0" lang="en-US" sz="1300" b="0" i="0" u="none" strike="noStrike" kern="1200" cap="none" spc="0" normalizeH="0" baseline="0" noProof="0" dirty="0">
-              <a:ln>
-                <a:noFill/>
-              </a:ln>
-              <a:solidFill>
-                <a:srgbClr val="FFFFFF"/>
-              </a:solidFill>
-              <a:effectLst/>
-              <a:uLnTx/>
-              <a:uFillTx/>
-              <a:latin typeface="Segoe UI"/>
-              <a:ea typeface="+mn-ea"/>
-              <a:cs typeface="+mn-cs"/>
-            </a:endParaRPr>
-          </a:p>
-          <a:p>
-            <a:pPr marL="265176" marR="0" lvl="1" indent="-128016" algn="l" defTabSz="932742" rtl="0" eaLnBrk="1" fontAlgn="auto" latinLnBrk="0" hangingPunct="1">
-              <a:lnSpc>
-                <a:spcPct val="100000"/>
-              </a:lnSpc>
-              <a:spcBef>
-                <a:spcPct val="20000"/>
-              </a:spcBef>
-              <a:spcAft>
-                <a:spcPts val="0"/>
-              </a:spcAft>
-              <a:buClrTx/>
-              <a:buSzPct val="90000"/>
-              <a:buFont typeface="Arial" panose="020B0604020202020204" pitchFamily="34" charset="0"/>
-              <a:buChar char="•"/>
-              <a:tabLst/>
-              <a:defRPr/>
-            </a:pPr>
-            <a:r>
-              <a:rPr kumimoji="0" lang="en-US" sz="1300" b="0" i="0" u="none" strike="noStrike" kern="1200" cap="none" spc="0" normalizeH="0" baseline="0" noProof="0" dirty="0">
-                <a:ln>
-                  <a:noFill/>
-                </a:ln>
-                <a:solidFill>
-                  <a:srgbClr val="FFFFFF"/>
-                </a:solidFill>
-                <a:effectLst/>
-                <a:uLnTx/>
-                <a:uFillTx/>
-                <a:latin typeface="Segoe UI"/>
-                <a:ea typeface="+mn-ea"/>
-                <a:cs typeface="+mn-cs"/>
-              </a:rPr>
-              <a:t>Index of core sales methodology</a:t>
-            </a:r>
-          </a:p>
-          <a:p>
-            <a:pPr marL="265176" marR="0" lvl="1" indent="-128016" algn="l" defTabSz="932742" rtl="0" eaLnBrk="1" fontAlgn="auto" latinLnBrk="0" hangingPunct="1">
-              <a:lnSpc>
-                <a:spcPct val="100000"/>
-              </a:lnSpc>
-              <a:spcBef>
-                <a:spcPct val="20000"/>
-              </a:spcBef>
-              <a:spcAft>
-                <a:spcPts val="0"/>
-              </a:spcAft>
-              <a:buClrTx/>
-              <a:buSzPct val="90000"/>
-              <a:buFont typeface="Arial" panose="020B0604020202020204" pitchFamily="34" charset="0"/>
-              <a:buChar char="•"/>
-              <a:tabLst/>
-              <a:defRPr/>
-            </a:pPr>
-            <a:r>
-              <a:rPr lang="en-US" sz="1300" dirty="0">
-                <a:solidFill>
-                  <a:srgbClr val="FFFFFF"/>
-                </a:solidFill>
-                <a:latin typeface="Segoe UI"/>
-              </a:rPr>
-              <a:t>shadow-sales-index</a:t>
-            </a:r>
-            <a:endParaRPr kumimoji="0" lang="en-US" sz="1300" b="0" i="0" u="none" strike="noStrike" kern="1200" cap="none" spc="0" normalizeH="0" baseline="0" noProof="0" dirty="0">
-              <a:ln>
-                <a:noFill/>
-              </a:ln>
-              <a:solidFill>
-                <a:srgbClr val="FFFFFF"/>
-              </a:solidFill>
-              <a:effectLst/>
-              <a:uLnTx/>
-              <a:uFillTx/>
-              <a:latin typeface="Segoe UI"/>
-              <a:ea typeface="+mn-ea"/>
-              <a:cs typeface="+mn-cs"/>
-            </a:endParaRPr>
-          </a:p>
-          <a:p>
-            <a:pPr marL="0" marR="0" lvl="0" indent="0" algn="l" defTabSz="932742" rtl="0" eaLnBrk="1" fontAlgn="auto" latinLnBrk="0" hangingPunct="1">
-              <a:lnSpc>
-                <a:spcPct val="100000"/>
-              </a:lnSpc>
-              <a:spcBef>
-                <a:spcPts val="0"/>
-              </a:spcBef>
-              <a:spcAft>
-                <a:spcPts val="0"/>
-              </a:spcAft>
-              <a:buClrTx/>
-              <a:buSzPct val="90000"/>
-              <a:buFont typeface="Arial" panose="020B0604020202020204" pitchFamily="34" charset="0"/>
-              <a:buNone/>
-              <a:tabLst/>
-              <a:defRPr/>
-            </a:pPr>
-            <a:endParaRPr kumimoji="0" lang="en-US" sz="1200" b="0" i="0" u="none" strike="noStrike" kern="1200" cap="none" spc="0" normalizeH="0" baseline="0" noProof="0" dirty="0">
-              <a:ln>
-                <a:noFill/>
-              </a:ln>
-              <a:solidFill>
-                <a:srgbClr val="FFFFFF"/>
-              </a:solidFill>
-              <a:effectLst/>
-              <a:uLnTx/>
-              <a:uFillTx/>
-              <a:latin typeface="Segoe UI Semibold"/>
-              <a:ea typeface="+mn-ea"/>
-              <a:cs typeface="Segoe UI Semilight" panose="020B0402040204020203" pitchFamily="34" charset="0"/>
-            </a:endParaRPr>
-          </a:p>
-        </p:txBody>
-      </p:sp>
-      <p:pic>
-        <p:nvPicPr>
-          <p:cNvPr id="55" name="Graphic 54">
-            <a:extLst>
-              <a:ext uri="{FF2B5EF4-FFF2-40B4-BE49-F238E27FC236}">
-                <a16:creationId xmlns:a16="http://schemas.microsoft.com/office/drawing/2014/main" id="{D5145E03-8F58-1077-0038-C3E0BD724B75}"/>
-              </a:ext>
-            </a:extLst>
-          </p:cNvPr>
-          <p:cNvPicPr>
-            <a:picLocks noChangeAspect="1"/>
-          </p:cNvPicPr>
-          <p:nvPr/>
-        </p:nvPicPr>
-        <p:blipFill>
-          <a:blip r:embed="rId5">
-            <a:extLst>
-              <a:ext uri="{28A0092B-C50C-407E-A947-70E740481C1C}">
-                <a14:useLocalDpi xmlns:a14="http://schemas.microsoft.com/office/drawing/2010/main" val="0"/>
-              </a:ext>
-              <a:ext uri="{96DAC541-7B7A-43D3-8B79-37D633B846F1}">
-                <asvg:svgBlip xmlns:asvg="http://schemas.microsoft.com/office/drawing/2016/SVG/main" r:embed="rId6"/>
-              </a:ext>
-            </a:extLst>
-          </a:blip>
-          <a:stretch>
-            <a:fillRect/>
-          </a:stretch>
-        </p:blipFill>
-        <p:spPr>
-          <a:xfrm>
-            <a:off x="2791786" y="2993232"/>
-            <a:ext cx="731520" cy="731520"/>
-          </a:xfrm>
-          <a:prstGeom prst="rect">
-            <a:avLst/>
-          </a:prstGeom>
-        </p:spPr>
-      </p:pic>
-      <p:sp>
-        <p:nvSpPr>
-          <p:cNvPr id="61" name="Text Placeholder 4">
-            <a:extLst>
-              <a:ext uri="{FF2B5EF4-FFF2-40B4-BE49-F238E27FC236}">
-                <a16:creationId xmlns:a16="http://schemas.microsoft.com/office/drawing/2014/main" id="{3A5CB73A-5B07-993E-47FC-26C43B474057}"/>
-              </a:ext>
-            </a:extLst>
-          </p:cNvPr>
-          <p:cNvSpPr txBox="1">
-            <a:spLocks/>
-          </p:cNvSpPr>
-          <p:nvPr/>
-        </p:nvSpPr>
-        <p:spPr>
-          <a:xfrm>
-            <a:off x="2337642" y="3811305"/>
-            <a:ext cx="1815842" cy="670953"/>
-          </a:xfrm>
-          <a:prstGeom prst="rect">
-            <a:avLst/>
-          </a:prstGeom>
-        </p:spPr>
-        <p:txBody>
-          <a:bodyPr vert="horz" wrap="square" lIns="0" tIns="0" rIns="0" bIns="0" rtlCol="0" anchor="t">
-            <a:spAutoFit/>
-          </a:bodyPr>
-          <a:lstStyle>
-            <a:lvl1pPr marL="0" marR="0" indent="0" algn="l" defTabSz="932742" rtl="0" eaLnBrk="1" fontAlgn="auto" latinLnBrk="0" hangingPunct="1">
-              <a:lnSpc>
-                <a:spcPct val="100000"/>
-              </a:lnSpc>
-              <a:spcBef>
-                <a:spcPts val="0"/>
-              </a:spcBef>
-              <a:spcAft>
-                <a:spcPts val="0"/>
-              </a:spcAft>
-              <a:buClrTx/>
-              <a:buSzPct val="90000"/>
-              <a:buFont typeface="Arial" panose="020B0604020202020204" pitchFamily="34" charset="0"/>
-              <a:buNone/>
-              <a:tabLst/>
-              <a:defRPr sz="1200" kern="1200" spc="0" baseline="0">
-                <a:solidFill>
-                  <a:schemeClr val="tx1"/>
-                </a:solidFill>
-                <a:latin typeface="+mj-lt"/>
-                <a:ea typeface="+mn-ea"/>
-                <a:cs typeface="Segoe UI Semilight" panose="020B0402040204020203" pitchFamily="34" charset="0"/>
-              </a:defRPr>
-            </a:lvl1pPr>
-            <a:lvl2pPr marL="265176" marR="0" indent="-128016" algn="l" defTabSz="932742" rtl="0" eaLnBrk="1" fontAlgn="auto" latinLnBrk="0" hangingPunct="1">
-              <a:lnSpc>
-                <a:spcPct val="100000"/>
-              </a:lnSpc>
-              <a:spcBef>
-                <a:spcPct val="20000"/>
-              </a:spcBef>
-              <a:spcAft>
-                <a:spcPts val="0"/>
-              </a:spcAft>
-              <a:buClrTx/>
-              <a:buSzPct val="90000"/>
-              <a:buFont typeface="Arial" panose="020B0604020202020204" pitchFamily="34" charset="0"/>
-              <a:buChar char="•"/>
-              <a:tabLst/>
-              <a:defRPr sz="1400" kern="1200" spc="0" baseline="0">
-                <a:solidFill>
-                  <a:schemeClr val="tx1"/>
-                </a:solidFill>
-                <a:latin typeface="+mn-lt"/>
-                <a:ea typeface="+mn-ea"/>
-                <a:cs typeface="+mn-cs"/>
-              </a:defRPr>
-            </a:lvl2pPr>
-            <a:lvl3pPr marL="384048" marR="0" indent="-118872" algn="l" defTabSz="932742" rtl="0" eaLnBrk="1" fontAlgn="auto" latinLnBrk="0" hangingPunct="1">
-              <a:lnSpc>
-                <a:spcPct val="100000"/>
-              </a:lnSpc>
-              <a:spcBef>
-                <a:spcPct val="20000"/>
-              </a:spcBef>
-              <a:spcAft>
-                <a:spcPts val="0"/>
-              </a:spcAft>
-              <a:buClrTx/>
-              <a:buSzPct val="90000"/>
-              <a:buFont typeface="Arial" panose="020B0604020202020204" pitchFamily="34" charset="0"/>
-              <a:buChar char="•"/>
-              <a:tabLst/>
-              <a:defRPr sz="1200" kern="1200" spc="0" baseline="0">
-                <a:solidFill>
-                  <a:schemeClr val="tx1"/>
-                </a:solidFill>
-                <a:latin typeface="+mn-lt"/>
-                <a:ea typeface="+mn-ea"/>
-                <a:cs typeface="+mn-cs"/>
-              </a:defRPr>
-            </a:lvl3pPr>
-            <a:lvl4pPr marL="842963" marR="0" indent="-180975" algn="l" defTabSz="932742" rtl="0" eaLnBrk="1" fontAlgn="auto" latinLnBrk="0" hangingPunct="1">
-              <a:lnSpc>
-                <a:spcPct val="100000"/>
-              </a:lnSpc>
-              <a:spcBef>
-                <a:spcPct val="20000"/>
-              </a:spcBef>
-              <a:spcAft>
-                <a:spcPts val="0"/>
-              </a:spcAft>
-              <a:buClrTx/>
-              <a:buSzPct val="90000"/>
-              <a:buFont typeface="Wingdings" panose="05000000000000000000" pitchFamily="2" charset="2"/>
-              <a:buChar char=""/>
-              <a:tabLst/>
-              <a:defRPr sz="1000" kern="1200" spc="0" baseline="0">
-                <a:gradFill>
-                  <a:gsLst>
-                    <a:gs pos="1250">
-                      <a:schemeClr val="tx1"/>
-                    </a:gs>
-                    <a:gs pos="100000">
-                      <a:schemeClr val="tx1"/>
-                    </a:gs>
-                  </a:gsLst>
-                  <a:lin ang="5400000" scaled="0"/>
-                </a:gradFill>
-                <a:latin typeface="+mn-lt"/>
-                <a:ea typeface="+mn-ea"/>
-                <a:cs typeface="+mn-cs"/>
-              </a:defRPr>
-            </a:lvl4pPr>
-            <a:lvl5pPr marL="1023938" marR="0" indent="-168275" algn="l" defTabSz="932742" rtl="0" eaLnBrk="1" fontAlgn="auto" latinLnBrk="0" hangingPunct="1">
-              <a:lnSpc>
-                <a:spcPct val="100000"/>
-              </a:lnSpc>
-              <a:spcBef>
-                <a:spcPct val="20000"/>
-              </a:spcBef>
-              <a:spcAft>
-                <a:spcPts val="0"/>
-              </a:spcAft>
-              <a:buClrTx/>
-              <a:buSzPct val="90000"/>
-              <a:buFont typeface="Wingdings" panose="05000000000000000000" pitchFamily="2" charset="2"/>
-              <a:buChar char=""/>
-              <a:tabLst/>
-              <a:defRPr sz="800" kern="1200" spc="0" baseline="0">
-                <a:gradFill>
-                  <a:gsLst>
-                    <a:gs pos="1250">
-                      <a:schemeClr val="tx1"/>
-                    </a:gs>
-                    <a:gs pos="100000">
-                      <a:schemeClr val="tx1"/>
-                    </a:gs>
-                  </a:gsLst>
-                  <a:lin ang="5400000" scaled="0"/>
-                </a:gradFill>
-                <a:latin typeface="+mn-lt"/>
-                <a:ea typeface="+mn-ea"/>
-                <a:cs typeface="+mn-cs"/>
-              </a:defRPr>
-            </a:lvl5pPr>
-            <a:lvl6pPr marL="2565040" indent="-233186" algn="l" defTabSz="932742" rtl="0" eaLnBrk="1" latinLnBrk="0" hangingPunct="1">
-              <a:spcBef>
-                <a:spcPct val="20000"/>
-              </a:spcBef>
-              <a:buFont typeface="Arial" pitchFamily="34" charset="0"/>
-              <a:buChar char="•"/>
-              <a:defRPr sz="2000" kern="1200">
-                <a:solidFill>
-                  <a:schemeClr val="tx1"/>
-                </a:solidFill>
-                <a:latin typeface="+mn-lt"/>
-                <a:ea typeface="+mn-ea"/>
-                <a:cs typeface="+mn-cs"/>
-              </a:defRPr>
-            </a:lvl6pPr>
-            <a:lvl7pPr marL="3031412" indent="-233186" algn="l" defTabSz="932742" rtl="0" eaLnBrk="1" latinLnBrk="0" hangingPunct="1">
-              <a:spcBef>
-                <a:spcPct val="20000"/>
-              </a:spcBef>
-              <a:buFont typeface="Arial" pitchFamily="34" charset="0"/>
-              <a:buChar char="•"/>
-              <a:defRPr sz="2000" kern="1200">
-                <a:solidFill>
-                  <a:schemeClr val="tx1"/>
-                </a:solidFill>
-                <a:latin typeface="+mn-lt"/>
-                <a:ea typeface="+mn-ea"/>
-                <a:cs typeface="+mn-cs"/>
-              </a:defRPr>
-            </a:lvl7pPr>
-            <a:lvl8pPr marL="3497783" indent="-233186" algn="l" defTabSz="932742" rtl="0" eaLnBrk="1" latinLnBrk="0" hangingPunct="1">
-              <a:spcBef>
-                <a:spcPct val="20000"/>
-              </a:spcBef>
-              <a:buFont typeface="Arial" pitchFamily="34" charset="0"/>
-              <a:buChar char="•"/>
-              <a:defRPr sz="2000" kern="1200">
-                <a:solidFill>
-                  <a:schemeClr val="tx1"/>
-                </a:solidFill>
-                <a:latin typeface="+mn-lt"/>
-                <a:ea typeface="+mn-ea"/>
-                <a:cs typeface="+mn-cs"/>
-              </a:defRPr>
-            </a:lvl8pPr>
-            <a:lvl9pPr marL="3964155" indent="-233186" algn="l" defTabSz="932742" rtl="0" eaLnBrk="1" latinLnBrk="0" hangingPunct="1">
-              <a:spcBef>
-                <a:spcPct val="20000"/>
-              </a:spcBef>
-              <a:buFont typeface="Arial" pitchFamily="34" charset="0"/>
-              <a:buChar char="•"/>
-              <a:defRPr sz="2000" kern="1200">
-                <a:solidFill>
-                  <a:schemeClr val="tx1"/>
-                </a:solidFill>
-                <a:latin typeface="+mn-lt"/>
-                <a:ea typeface="+mn-ea"/>
-                <a:cs typeface="+mn-cs"/>
-              </a:defRPr>
-            </a:lvl9pPr>
-          </a:lstStyle>
-          <a:p>
-            <a:pPr marL="0" marR="0" lvl="0" indent="0" algn="l" defTabSz="932742" rtl="0" eaLnBrk="1" fontAlgn="auto" latinLnBrk="0" hangingPunct="1">
-              <a:lnSpc>
-                <a:spcPct val="100000"/>
-              </a:lnSpc>
-              <a:spcBef>
-                <a:spcPts val="0"/>
-              </a:spcBef>
-              <a:spcAft>
-                <a:spcPts val="0"/>
-              </a:spcAft>
-              <a:buClrTx/>
-              <a:buSzPct val="90000"/>
-              <a:buFont typeface="Arial" panose="020B0604020202020204" pitchFamily="34" charset="0"/>
-              <a:buNone/>
-              <a:tabLst/>
-              <a:defRPr/>
-            </a:pPr>
-            <a:r>
-              <a:rPr kumimoji="0" lang="en-US" sz="1600" b="0" i="0" u="none" strike="noStrike" kern="1200" cap="none" spc="0" normalizeH="0" baseline="0" noProof="0" dirty="0">
-                <a:ln>
-                  <a:noFill/>
-                </a:ln>
-                <a:solidFill>
-                  <a:srgbClr val="FFFFFF"/>
-                </a:solidFill>
-                <a:effectLst/>
-                <a:uLnTx/>
-                <a:uFillTx/>
-                <a:latin typeface="Segoe UI Semibold"/>
-                <a:ea typeface="+mn-ea"/>
-                <a:cs typeface="Segoe UI Semilight" panose="020B0402040204020203" pitchFamily="34" charset="0"/>
-              </a:rPr>
-              <a:t>Azure App Service</a:t>
-            </a:r>
-          </a:p>
-          <a:p>
-            <a:pPr marL="265176" marR="0" lvl="1" indent="-128016" algn="l" defTabSz="932742" rtl="0" eaLnBrk="1" fontAlgn="auto" latinLnBrk="0" hangingPunct="1">
-              <a:lnSpc>
-                <a:spcPct val="100000"/>
-              </a:lnSpc>
-              <a:spcBef>
-                <a:spcPct val="20000"/>
-              </a:spcBef>
-              <a:spcAft>
-                <a:spcPts val="0"/>
-              </a:spcAft>
-              <a:buClrTx/>
-              <a:buSzPct val="90000"/>
-              <a:buFont typeface="Arial" panose="020B0604020202020204" pitchFamily="34" charset="0"/>
-              <a:buChar char="•"/>
-              <a:tabLst/>
-              <a:defRPr/>
-            </a:pPr>
-            <a:r>
-              <a:rPr kumimoji="0" lang="en-US" sz="1300" b="0" i="0" u="none" strike="noStrike" kern="1200" cap="none" spc="0" normalizeH="0" baseline="0" noProof="0" dirty="0">
-                <a:ln>
-                  <a:noFill/>
-                </a:ln>
-                <a:solidFill>
-                  <a:srgbClr val="FFFFFF"/>
-                </a:solidFill>
-                <a:effectLst/>
-                <a:uLnTx/>
-                <a:uFillTx/>
-                <a:latin typeface="Segoe UI"/>
-                <a:ea typeface="+mn-ea"/>
-                <a:cs typeface="+mn-cs"/>
-              </a:rPr>
-              <a:t>Flask/React</a:t>
-            </a:r>
-            <a:endParaRPr kumimoji="0" lang="en-US" sz="1400" b="0" i="0" u="none" strike="noStrike" kern="1200" cap="none" spc="0" normalizeH="0" baseline="0" noProof="0" dirty="0">
-              <a:ln>
-                <a:noFill/>
-              </a:ln>
-              <a:solidFill>
-                <a:srgbClr val="FFFFFF"/>
-              </a:solidFill>
-              <a:effectLst/>
-              <a:uLnTx/>
-              <a:uFillTx/>
-              <a:latin typeface="Segoe UI"/>
-              <a:ea typeface="+mn-ea"/>
-              <a:cs typeface="+mn-cs"/>
-            </a:endParaRPr>
-          </a:p>
-          <a:p>
-            <a:pPr marL="0" marR="0" lvl="0" indent="0" algn="l" defTabSz="932742" rtl="0" eaLnBrk="1" fontAlgn="auto" latinLnBrk="0" hangingPunct="1">
-              <a:lnSpc>
-                <a:spcPct val="100000"/>
-              </a:lnSpc>
-              <a:spcBef>
-                <a:spcPts val="0"/>
-              </a:spcBef>
-              <a:spcAft>
-                <a:spcPts val="0"/>
-              </a:spcAft>
-              <a:buClrTx/>
-              <a:buSzPct val="90000"/>
-              <a:buFont typeface="Arial" panose="020B0604020202020204" pitchFamily="34" charset="0"/>
-              <a:buNone/>
-              <a:tabLst/>
-              <a:defRPr/>
-            </a:pPr>
-            <a:endParaRPr kumimoji="0" lang="en-US" sz="1200" b="0" i="0" u="none" strike="noStrike" kern="1200" cap="none" spc="0" normalizeH="0" baseline="0" noProof="0" dirty="0">
-              <a:ln>
-                <a:noFill/>
-              </a:ln>
-              <a:solidFill>
-                <a:srgbClr val="FFFFFF"/>
-              </a:solidFill>
-              <a:effectLst/>
-              <a:uLnTx/>
-              <a:uFillTx/>
-              <a:latin typeface="Segoe UI Semibold"/>
-              <a:ea typeface="+mn-ea"/>
-              <a:cs typeface="Segoe UI Semilight" panose="020B0402040204020203" pitchFamily="34" charset="0"/>
-            </a:endParaRPr>
-          </a:p>
-        </p:txBody>
-      </p:sp>
-      <p:grpSp>
-        <p:nvGrpSpPr>
-          <p:cNvPr id="28" name="Group 27">
-            <a:extLst>
-              <a:ext uri="{FF2B5EF4-FFF2-40B4-BE49-F238E27FC236}">
-                <a16:creationId xmlns:a16="http://schemas.microsoft.com/office/drawing/2014/main" id="{5A7D925B-EF99-1814-789E-16AA36639BBD}"/>
-              </a:ext>
-            </a:extLst>
-          </p:cNvPr>
-          <p:cNvGrpSpPr/>
-          <p:nvPr/>
-        </p:nvGrpSpPr>
-        <p:grpSpPr>
-          <a:xfrm>
-            <a:off x="2583344" y="994092"/>
-            <a:ext cx="3140279" cy="1278263"/>
-            <a:chOff x="5930125" y="220930"/>
-            <a:chExt cx="2851797" cy="1218499"/>
-          </a:xfrm>
-        </p:grpSpPr>
-        <p:pic>
-          <p:nvPicPr>
-            <p:cNvPr id="4" name="Graphic 3" descr="School boy outline">
-              <a:extLst>
-                <a:ext uri="{FF2B5EF4-FFF2-40B4-BE49-F238E27FC236}">
-                  <a16:creationId xmlns:a16="http://schemas.microsoft.com/office/drawing/2014/main" id="{6EBAB498-BB4C-0BD5-EEE7-ED6B13720302}"/>
-                </a:ext>
-              </a:extLst>
-            </p:cNvPr>
-            <p:cNvPicPr>
-              <a:picLocks noChangeAspect="1"/>
-            </p:cNvPicPr>
-            <p:nvPr/>
-          </p:nvPicPr>
-          <p:blipFill>
-            <a:blip r:embed="rId7">
-              <a:extLst>
-                <a:ext uri="{96DAC541-7B7A-43D3-8B79-37D633B846F1}">
-                  <asvg:svgBlip xmlns:asvg="http://schemas.microsoft.com/office/drawing/2016/SVG/main" r:embed="rId8"/>
-                </a:ext>
-              </a:extLst>
-            </a:blip>
-            <a:stretch>
-              <a:fillRect/>
-            </a:stretch>
-          </p:blipFill>
-          <p:spPr>
-            <a:xfrm>
-              <a:off x="5930125" y="433589"/>
-              <a:ext cx="1005840" cy="1005840"/>
-            </a:xfrm>
-            <a:prstGeom prst="rect">
-              <a:avLst/>
-            </a:prstGeom>
-          </p:spPr>
-        </p:pic>
-        <p:sp>
-          <p:nvSpPr>
-            <p:cNvPr id="9" name="Thought Bubble: Cloud 8">
-              <a:extLst>
-                <a:ext uri="{FF2B5EF4-FFF2-40B4-BE49-F238E27FC236}">
-                  <a16:creationId xmlns:a16="http://schemas.microsoft.com/office/drawing/2014/main" id="{D0114391-BD55-EF5C-0FEB-EC8344AF0B0F}"/>
-                </a:ext>
-              </a:extLst>
-            </p:cNvPr>
-            <p:cNvSpPr/>
-            <p:nvPr/>
-          </p:nvSpPr>
-          <p:spPr bwMode="auto">
-            <a:xfrm>
-              <a:off x="6780042" y="220930"/>
-              <a:ext cx="2001880" cy="720442"/>
-            </a:xfrm>
-            <a:prstGeom prst="cloudCallout">
-              <a:avLst/>
-            </a:prstGeom>
-            <a:noFill/>
-            <a:ln>
-              <a:solidFill>
-                <a:schemeClr val="tx1"/>
-              </a:solidFill>
-              <a:headEnd type="none" w="med" len="med"/>
-              <a:tailEnd type="none" w="med" len="med"/>
-            </a:ln>
-            <a:effectLst/>
-          </p:spPr>
-          <p:style>
-            <a:lnRef idx="1">
-              <a:schemeClr val="accent2"/>
-            </a:lnRef>
-            <a:fillRef idx="3">
-              <a:schemeClr val="accent2"/>
-            </a:fillRef>
-            <a:effectRef idx="2">
-              <a:schemeClr val="accent2"/>
-            </a:effectRef>
-            <a:fontRef idx="minor">
-              <a:schemeClr val="lt1"/>
-            </a:fontRef>
-          </p:style>
-          <p:txBody>
-            <a:bodyPr rot="0" spcFirstLastPara="0" vertOverflow="overflow" horzOverflow="overflow" vert="horz" wrap="square" lIns="182880" tIns="146304" rIns="182880" bIns="146304" numCol="1" spcCol="0" rtlCol="0" fromWordArt="0" anchor="t" anchorCtr="0" forceAA="0" compatLnSpc="1">
-              <a:prstTxWarp prst="textNoShape">
-                <a:avLst/>
-              </a:prstTxWarp>
-              <a:noAutofit/>
-            </a:bodyPr>
-            <a:lstStyle/>
-            <a:p>
-              <a:pPr marL="0" marR="0" lvl="0" indent="0" algn="l" defTabSz="932472" rtl="0" eaLnBrk="1" fontAlgn="base" latinLnBrk="0" hangingPunct="1">
-                <a:lnSpc>
-                  <a:spcPct val="100000"/>
-                </a:lnSpc>
-                <a:spcBef>
-                  <a:spcPct val="0"/>
-                </a:spcBef>
-                <a:spcAft>
-                  <a:spcPct val="0"/>
-                </a:spcAft>
-                <a:buClrTx/>
-                <a:buSzTx/>
-                <a:buFontTx/>
-                <a:buNone/>
-                <a:tabLst/>
-                <a:defRPr/>
-              </a:pPr>
-              <a:endParaRPr kumimoji="0" lang="en-US" sz="2400" b="0" i="0" u="none" strike="noStrike" kern="1200" cap="none" spc="0" normalizeH="0" baseline="0" noProof="0" err="1">
-                <a:ln>
-                  <a:noFill/>
-                </a:ln>
-                <a:gradFill>
-                  <a:gsLst>
-                    <a:gs pos="0">
-                      <a:srgbClr val="FFFFFF"/>
-                    </a:gs>
-                    <a:gs pos="100000">
-                      <a:srgbClr val="FFFFFF"/>
-                    </a:gs>
-                  </a:gsLst>
-                  <a:lin ang="5400000" scaled="0"/>
-                </a:gradFill>
-                <a:effectLst/>
-                <a:uLnTx/>
-                <a:uFillTx/>
-                <a:latin typeface="Segoe UI"/>
-                <a:ea typeface="Segoe UI" pitchFamily="34" charset="0"/>
-                <a:cs typeface="Segoe UI" pitchFamily="34" charset="0"/>
-              </a:endParaRPr>
-            </a:p>
-          </p:txBody>
-        </p:sp>
-        <p:sp>
-          <p:nvSpPr>
-            <p:cNvPr id="11" name="Text Placeholder 4">
-              <a:extLst>
-                <a:ext uri="{FF2B5EF4-FFF2-40B4-BE49-F238E27FC236}">
-                  <a16:creationId xmlns:a16="http://schemas.microsoft.com/office/drawing/2014/main" id="{DC6D5353-8D02-4031-348A-45E76135D953}"/>
-                </a:ext>
-              </a:extLst>
-            </p:cNvPr>
-            <p:cNvSpPr txBox="1">
-              <a:spLocks/>
-            </p:cNvSpPr>
-            <p:nvPr/>
-          </p:nvSpPr>
-          <p:spPr>
-            <a:xfrm>
-              <a:off x="6927328" y="402166"/>
-              <a:ext cx="1854594" cy="781752"/>
-            </a:xfrm>
-            <a:prstGeom prst="rect">
-              <a:avLst/>
-            </a:prstGeom>
-          </p:spPr>
-          <p:txBody>
-            <a:bodyPr vert="horz" wrap="square" lIns="0" tIns="0" rIns="0" bIns="0" rtlCol="0" anchor="t">
-              <a:spAutoFit/>
-            </a:bodyPr>
-            <a:lstStyle>
-              <a:lvl1pPr marL="0" marR="0" indent="0" algn="l" defTabSz="932742" rtl="0" eaLnBrk="1" fontAlgn="auto" latinLnBrk="0" hangingPunct="1">
-                <a:lnSpc>
-                  <a:spcPct val="100000"/>
-                </a:lnSpc>
-                <a:spcBef>
-                  <a:spcPts val="0"/>
-                </a:spcBef>
-                <a:spcAft>
-                  <a:spcPts val="0"/>
-                </a:spcAft>
-                <a:buClrTx/>
-                <a:buSzPct val="90000"/>
-                <a:buFont typeface="Arial" panose="020B0604020202020204" pitchFamily="34" charset="0"/>
-                <a:buNone/>
-                <a:tabLst/>
-                <a:defRPr sz="1200" kern="1200" spc="0" baseline="0">
-                  <a:solidFill>
-                    <a:schemeClr val="tx1"/>
-                  </a:solidFill>
-                  <a:latin typeface="+mj-lt"/>
-                  <a:ea typeface="+mn-ea"/>
-                  <a:cs typeface="Segoe UI Semilight" panose="020B0402040204020203" pitchFamily="34" charset="0"/>
-                </a:defRPr>
-              </a:lvl1pPr>
-              <a:lvl2pPr marL="265176" marR="0" indent="-128016" algn="l" defTabSz="932742" rtl="0" eaLnBrk="1" fontAlgn="auto" latinLnBrk="0" hangingPunct="1">
-                <a:lnSpc>
-                  <a:spcPct val="100000"/>
-                </a:lnSpc>
-                <a:spcBef>
-                  <a:spcPct val="20000"/>
-                </a:spcBef>
-                <a:spcAft>
-                  <a:spcPts val="0"/>
-                </a:spcAft>
-                <a:buClrTx/>
-                <a:buSzPct val="90000"/>
-                <a:buFont typeface="Arial" panose="020B0604020202020204" pitchFamily="34" charset="0"/>
-                <a:buChar char="•"/>
-                <a:tabLst/>
-                <a:defRPr sz="1400" kern="1200" spc="0" baseline="0">
-                  <a:solidFill>
-                    <a:schemeClr val="tx1"/>
-                  </a:solidFill>
-                  <a:latin typeface="+mn-lt"/>
-                  <a:ea typeface="+mn-ea"/>
-                  <a:cs typeface="+mn-cs"/>
-                </a:defRPr>
-              </a:lvl2pPr>
-              <a:lvl3pPr marL="384048" marR="0" indent="-118872" algn="l" defTabSz="932742" rtl="0" eaLnBrk="1" fontAlgn="auto" latinLnBrk="0" hangingPunct="1">
-                <a:lnSpc>
-                  <a:spcPct val="100000"/>
-                </a:lnSpc>
-                <a:spcBef>
-                  <a:spcPct val="20000"/>
-                </a:spcBef>
-                <a:spcAft>
-                  <a:spcPts val="0"/>
-                </a:spcAft>
-                <a:buClrTx/>
-                <a:buSzPct val="90000"/>
-                <a:buFont typeface="Arial" panose="020B0604020202020204" pitchFamily="34" charset="0"/>
-                <a:buChar char="•"/>
-                <a:tabLst/>
-                <a:defRPr sz="1200" kern="1200" spc="0" baseline="0">
-                  <a:solidFill>
-                    <a:schemeClr val="tx1"/>
-                  </a:solidFill>
-                  <a:latin typeface="+mn-lt"/>
-                  <a:ea typeface="+mn-ea"/>
-                  <a:cs typeface="+mn-cs"/>
-                </a:defRPr>
-              </a:lvl3pPr>
-              <a:lvl4pPr marL="842963" marR="0" indent="-180975" algn="l" defTabSz="932742" rtl="0" eaLnBrk="1" fontAlgn="auto" latinLnBrk="0" hangingPunct="1">
-                <a:lnSpc>
-                  <a:spcPct val="100000"/>
-                </a:lnSpc>
-                <a:spcBef>
-                  <a:spcPct val="20000"/>
-                </a:spcBef>
-                <a:spcAft>
-                  <a:spcPts val="0"/>
-                </a:spcAft>
-                <a:buClrTx/>
-                <a:buSzPct val="90000"/>
-                <a:buFont typeface="Wingdings" panose="05000000000000000000" pitchFamily="2" charset="2"/>
-                <a:buChar char=""/>
-                <a:tabLst/>
-                <a:defRPr sz="1000" kern="1200" spc="0" baseline="0">
-                  <a:gradFill>
-                    <a:gsLst>
-                      <a:gs pos="1250">
-                        <a:schemeClr val="tx1"/>
-                      </a:gs>
-                      <a:gs pos="100000">
-                        <a:schemeClr val="tx1"/>
-                      </a:gs>
-                    </a:gsLst>
-                    <a:lin ang="5400000" scaled="0"/>
-                  </a:gradFill>
-                  <a:latin typeface="+mn-lt"/>
-                  <a:ea typeface="+mn-ea"/>
-                  <a:cs typeface="+mn-cs"/>
-                </a:defRPr>
-              </a:lvl4pPr>
-              <a:lvl5pPr marL="1023938" marR="0" indent="-168275" algn="l" defTabSz="932742" rtl="0" eaLnBrk="1" fontAlgn="auto" latinLnBrk="0" hangingPunct="1">
-                <a:lnSpc>
-                  <a:spcPct val="100000"/>
-                </a:lnSpc>
-                <a:spcBef>
-                  <a:spcPct val="20000"/>
-                </a:spcBef>
-                <a:spcAft>
-                  <a:spcPts val="0"/>
-                </a:spcAft>
-                <a:buClrTx/>
-                <a:buSzPct val="90000"/>
-                <a:buFont typeface="Wingdings" panose="05000000000000000000" pitchFamily="2" charset="2"/>
-                <a:buChar char=""/>
-                <a:tabLst/>
-                <a:defRPr sz="800" kern="1200" spc="0" baseline="0">
-                  <a:gradFill>
-                    <a:gsLst>
-                      <a:gs pos="1250">
-                        <a:schemeClr val="tx1"/>
-                      </a:gs>
-                      <a:gs pos="100000">
-                        <a:schemeClr val="tx1"/>
-                      </a:gs>
-                    </a:gsLst>
-                    <a:lin ang="5400000" scaled="0"/>
-                  </a:gradFill>
-                  <a:latin typeface="+mn-lt"/>
-                  <a:ea typeface="+mn-ea"/>
-                  <a:cs typeface="+mn-cs"/>
-                </a:defRPr>
-              </a:lvl5pPr>
-              <a:lvl6pPr marL="2565040" indent="-233186" algn="l" defTabSz="932742" rtl="0" eaLnBrk="1" latinLnBrk="0" hangingPunct="1">
-                <a:spcBef>
-                  <a:spcPct val="20000"/>
-                </a:spcBef>
-                <a:buFont typeface="Arial" pitchFamily="34" charset="0"/>
-                <a:buChar char="•"/>
-                <a:defRPr sz="2000" kern="1200">
-                  <a:solidFill>
-                    <a:schemeClr val="tx1"/>
-                  </a:solidFill>
-                  <a:latin typeface="+mn-lt"/>
-                  <a:ea typeface="+mn-ea"/>
-                  <a:cs typeface="+mn-cs"/>
-                </a:defRPr>
-              </a:lvl6pPr>
-              <a:lvl7pPr marL="3031412" indent="-233186" algn="l" defTabSz="932742" rtl="0" eaLnBrk="1" latinLnBrk="0" hangingPunct="1">
-                <a:spcBef>
-                  <a:spcPct val="20000"/>
-                </a:spcBef>
-                <a:buFont typeface="Arial" pitchFamily="34" charset="0"/>
-                <a:buChar char="•"/>
-                <a:defRPr sz="2000" kern="1200">
-                  <a:solidFill>
-                    <a:schemeClr val="tx1"/>
-                  </a:solidFill>
-                  <a:latin typeface="+mn-lt"/>
-                  <a:ea typeface="+mn-ea"/>
-                  <a:cs typeface="+mn-cs"/>
-                </a:defRPr>
-              </a:lvl7pPr>
-              <a:lvl8pPr marL="3497783" indent="-233186" algn="l" defTabSz="932742" rtl="0" eaLnBrk="1" latinLnBrk="0" hangingPunct="1">
-                <a:spcBef>
-                  <a:spcPct val="20000"/>
-                </a:spcBef>
-                <a:buFont typeface="Arial" pitchFamily="34" charset="0"/>
-                <a:buChar char="•"/>
-                <a:defRPr sz="2000" kern="1200">
-                  <a:solidFill>
-                    <a:schemeClr val="tx1"/>
-                  </a:solidFill>
-                  <a:latin typeface="+mn-lt"/>
-                  <a:ea typeface="+mn-ea"/>
-                  <a:cs typeface="+mn-cs"/>
-                </a:defRPr>
-              </a:lvl8pPr>
-              <a:lvl9pPr marL="3964155" indent="-233186" algn="l" defTabSz="932742" rtl="0" eaLnBrk="1" latinLnBrk="0" hangingPunct="1">
-                <a:spcBef>
-                  <a:spcPct val="20000"/>
-                </a:spcBef>
-                <a:buFont typeface="Arial" pitchFamily="34" charset="0"/>
-                <a:buChar char="•"/>
-                <a:defRPr sz="2000" kern="1200">
-                  <a:solidFill>
-                    <a:schemeClr val="tx1"/>
-                  </a:solidFill>
-                  <a:latin typeface="+mn-lt"/>
-                  <a:ea typeface="+mn-ea"/>
-                  <a:cs typeface="+mn-cs"/>
-                </a:defRPr>
-              </a:lvl9pPr>
-            </a:lstStyle>
-            <a:p>
-              <a:pPr marL="137160" marR="0" lvl="1" indent="0" algn="l" defTabSz="932742" rtl="0" eaLnBrk="1" fontAlgn="auto" latinLnBrk="0" hangingPunct="1">
-                <a:lnSpc>
-                  <a:spcPct val="100000"/>
-                </a:lnSpc>
-                <a:spcBef>
-                  <a:spcPct val="20000"/>
-                </a:spcBef>
-                <a:spcAft>
-                  <a:spcPts val="0"/>
-                </a:spcAft>
-                <a:buClrTx/>
-                <a:buSzPct val="90000"/>
-                <a:buFont typeface="Arial" panose="020B0604020202020204" pitchFamily="34" charset="0"/>
-                <a:buNone/>
-                <a:tabLst/>
-                <a:defRPr/>
-              </a:pPr>
-              <a:r>
-                <a:rPr kumimoji="0" lang="en-US" sz="1100" b="0" i="1" u="none" strike="noStrike" kern="1200" cap="none" spc="0" normalizeH="0" baseline="0" noProof="0" dirty="0">
-                  <a:ln>
-                    <a:noFill/>
-                  </a:ln>
-                  <a:solidFill>
-                    <a:srgbClr val="FFFFFF"/>
-                  </a:solidFill>
-                  <a:effectLst/>
-                  <a:uLnTx/>
-                  <a:uFillTx/>
-                  <a:latin typeface="Segoe UI"/>
-                  <a:ea typeface="+mn-ea"/>
-                  <a:cs typeface="+mn-cs"/>
-                </a:rPr>
-                <a:t>Shadow help me prepare for sales strategy?</a:t>
-              </a:r>
-            </a:p>
-            <a:p>
-              <a:pPr marL="265176" marR="0" lvl="1" indent="-128016" algn="l" defTabSz="932742" rtl="0" eaLnBrk="1" fontAlgn="auto" latinLnBrk="0" hangingPunct="1">
-                <a:lnSpc>
-                  <a:spcPct val="100000"/>
-                </a:lnSpc>
-                <a:spcBef>
-                  <a:spcPct val="20000"/>
-                </a:spcBef>
-                <a:spcAft>
-                  <a:spcPts val="0"/>
-                </a:spcAft>
-                <a:buClrTx/>
-                <a:buSzPct val="90000"/>
-                <a:buFont typeface="Arial" panose="020B0604020202020204" pitchFamily="34" charset="0"/>
-                <a:buChar char="•"/>
-                <a:tabLst/>
-                <a:defRPr/>
-              </a:pPr>
-              <a:endParaRPr kumimoji="0" lang="en-US" sz="1400" b="0" i="0" u="none" strike="noStrike" kern="1200" cap="none" spc="0" normalizeH="0" baseline="0" noProof="0" dirty="0">
-                <a:ln>
-                  <a:noFill/>
-                </a:ln>
-                <a:solidFill>
-                  <a:srgbClr val="FFFFFF"/>
-                </a:solidFill>
-                <a:effectLst/>
-                <a:uLnTx/>
-                <a:uFillTx/>
-                <a:latin typeface="Segoe UI"/>
-                <a:ea typeface="+mn-ea"/>
-                <a:cs typeface="+mn-cs"/>
-              </a:endParaRPr>
-            </a:p>
-            <a:p>
-              <a:pPr marL="0" marR="0" lvl="0" indent="0" algn="l" defTabSz="932742" rtl="0" eaLnBrk="1" fontAlgn="auto" latinLnBrk="0" hangingPunct="1">
-                <a:lnSpc>
-                  <a:spcPct val="100000"/>
-                </a:lnSpc>
-                <a:spcBef>
-                  <a:spcPts val="0"/>
-                </a:spcBef>
-                <a:spcAft>
-                  <a:spcPts val="0"/>
-                </a:spcAft>
-                <a:buClrTx/>
-                <a:buSzPct val="90000"/>
-                <a:buFont typeface="Arial" panose="020B0604020202020204" pitchFamily="34" charset="0"/>
-                <a:buNone/>
-                <a:tabLst/>
-                <a:defRPr/>
-              </a:pPr>
-              <a:endParaRPr kumimoji="0" lang="en-US" sz="1200" b="0" i="0" u="none" strike="noStrike" kern="1200" cap="none" spc="0" normalizeH="0" baseline="0" noProof="0" dirty="0">
-                <a:ln>
-                  <a:noFill/>
-                </a:ln>
-                <a:solidFill>
-                  <a:srgbClr val="FFFFFF"/>
-                </a:solidFill>
-                <a:effectLst/>
-                <a:uLnTx/>
-                <a:uFillTx/>
-                <a:latin typeface="Segoe UI Semibold"/>
-                <a:ea typeface="+mn-ea"/>
-                <a:cs typeface="Segoe UI Semilight" panose="020B0402040204020203" pitchFamily="34" charset="0"/>
-              </a:endParaRPr>
-            </a:p>
-          </p:txBody>
-        </p:sp>
-      </p:grpSp>
-      <p:cxnSp>
-        <p:nvCxnSpPr>
-          <p:cNvPr id="36" name="Straight Arrow Connector 35">
-            <a:extLst>
-              <a:ext uri="{FF2B5EF4-FFF2-40B4-BE49-F238E27FC236}">
-                <a16:creationId xmlns:a16="http://schemas.microsoft.com/office/drawing/2014/main" id="{CA4CD154-6630-3E44-57C8-AE7E6C5D0E18}"/>
-              </a:ext>
-            </a:extLst>
-          </p:cNvPr>
-          <p:cNvCxnSpPr>
-            <a:cxnSpLocks/>
-          </p:cNvCxnSpPr>
-          <p:nvPr/>
-        </p:nvCxnSpPr>
-        <p:spPr>
-          <a:xfrm flipV="1">
-            <a:off x="6063916" y="2451982"/>
-            <a:ext cx="1610414" cy="748418"/>
-          </a:xfrm>
-          <a:prstGeom prst="straightConnector1">
-            <a:avLst/>
-          </a:prstGeom>
-          <a:ln w="38100">
-            <a:solidFill>
-              <a:schemeClr val="accent3">
-                <a:lumMod val="40000"/>
-                <a:lumOff val="60000"/>
-              </a:schemeClr>
-            </a:solidFill>
-            <a:headEnd type="triangle" w="med" len="med"/>
-            <a:tailEnd type="triangle" w="med" len="med"/>
-          </a:ln>
-        </p:spPr>
-        <p:style>
-          <a:lnRef idx="1">
-            <a:schemeClr val="accent1"/>
-          </a:lnRef>
-          <a:fillRef idx="0">
-            <a:schemeClr val="accent1"/>
-          </a:fillRef>
-          <a:effectRef idx="0">
-            <a:schemeClr val="accent1"/>
-          </a:effectRef>
-          <a:fontRef idx="minor">
-            <a:schemeClr val="tx1"/>
-          </a:fontRef>
-        </p:style>
-      </p:cxnSp>
-      <p:cxnSp>
-        <p:nvCxnSpPr>
-          <p:cNvPr id="67" name="Straight Arrow Connector 66">
-            <a:extLst>
-              <a:ext uri="{FF2B5EF4-FFF2-40B4-BE49-F238E27FC236}">
-                <a16:creationId xmlns:a16="http://schemas.microsoft.com/office/drawing/2014/main" id="{68471259-B3C2-FD79-73B9-F18B54C62ADA}"/>
-              </a:ext>
-            </a:extLst>
-          </p:cNvPr>
-          <p:cNvCxnSpPr>
-            <a:cxnSpLocks/>
-          </p:cNvCxnSpPr>
-          <p:nvPr/>
-        </p:nvCxnSpPr>
-        <p:spPr>
-          <a:xfrm>
-            <a:off x="6063916" y="3557337"/>
-            <a:ext cx="1610414" cy="1021210"/>
-          </a:xfrm>
-          <a:prstGeom prst="straightConnector1">
-            <a:avLst/>
-          </a:prstGeom>
-          <a:ln w="38100">
-            <a:solidFill>
-              <a:schemeClr val="accent3">
-                <a:lumMod val="40000"/>
-                <a:lumOff val="60000"/>
-              </a:schemeClr>
-            </a:solidFill>
-            <a:headEnd type="triangle" w="med" len="med"/>
-            <a:tailEnd type="triangle" w="med" len="med"/>
-          </a:ln>
-        </p:spPr>
-        <p:style>
-          <a:lnRef idx="1">
-            <a:schemeClr val="accent1"/>
-          </a:lnRef>
-          <a:fillRef idx="0">
-            <a:schemeClr val="accent1"/>
-          </a:fillRef>
-          <a:effectRef idx="0">
-            <a:schemeClr val="accent1"/>
-          </a:effectRef>
-          <a:fontRef idx="minor">
-            <a:schemeClr val="tx1"/>
-          </a:fontRef>
-        </p:style>
-      </p:cxnSp>
-      <p:cxnSp>
-        <p:nvCxnSpPr>
-          <p:cNvPr id="96" name="Straight Arrow Connector 95">
-            <a:extLst>
-              <a:ext uri="{FF2B5EF4-FFF2-40B4-BE49-F238E27FC236}">
-                <a16:creationId xmlns:a16="http://schemas.microsoft.com/office/drawing/2014/main" id="{04B00E50-DA0F-7950-0EB4-DABB0B724300}"/>
-              </a:ext>
-            </a:extLst>
-          </p:cNvPr>
-          <p:cNvCxnSpPr>
-            <a:cxnSpLocks/>
-          </p:cNvCxnSpPr>
-          <p:nvPr/>
-        </p:nvCxnSpPr>
-        <p:spPr>
-          <a:xfrm flipV="1">
-            <a:off x="3151333" y="2185674"/>
-            <a:ext cx="0" cy="720877"/>
-          </a:xfrm>
-          <a:prstGeom prst="straightConnector1">
-            <a:avLst/>
-          </a:prstGeom>
-          <a:ln w="38100">
-            <a:solidFill>
-              <a:schemeClr val="accent3">
-                <a:lumMod val="40000"/>
-                <a:lumOff val="60000"/>
-              </a:schemeClr>
-            </a:solidFill>
-            <a:headEnd type="triangle" w="med" len="med"/>
-            <a:tailEnd type="triangle" w="med" len="med"/>
-          </a:ln>
-        </p:spPr>
-        <p:style>
-          <a:lnRef idx="1">
-            <a:schemeClr val="accent1"/>
-          </a:lnRef>
-          <a:fillRef idx="0">
-            <a:schemeClr val="accent1"/>
-          </a:fillRef>
-          <a:effectRef idx="0">
-            <a:schemeClr val="accent1"/>
-          </a:effectRef>
-          <a:fontRef idx="minor">
-            <a:schemeClr val="tx1"/>
-          </a:fontRef>
-        </p:style>
-      </p:cxnSp>
-      <p:pic>
-        <p:nvPicPr>
-          <p:cNvPr id="6" name="Picture 5" descr="A black background with a black square&#10;&#10;Description automatically generated with medium confidence">
-            <a:extLst>
-              <a:ext uri="{FF2B5EF4-FFF2-40B4-BE49-F238E27FC236}">
-                <a16:creationId xmlns:a16="http://schemas.microsoft.com/office/drawing/2014/main" id="{B8512466-C5E9-8E32-6E48-6D9F42BF108A}"/>
-              </a:ext>
-            </a:extLst>
-          </p:cNvPr>
-          <p:cNvPicPr>
-            <a:picLocks noChangeAspect="1"/>
-          </p:cNvPicPr>
-          <p:nvPr/>
-        </p:nvPicPr>
-        <p:blipFill>
-          <a:blip r:embed="rId9">
-            <a:extLst>
-              <a:ext uri="{28A0092B-C50C-407E-A947-70E740481C1C}">
-                <a14:useLocalDpi xmlns:a14="http://schemas.microsoft.com/office/drawing/2010/main" val="0"/>
-              </a:ext>
-            </a:extLst>
-          </a:blip>
-          <a:stretch>
-            <a:fillRect/>
-          </a:stretch>
-        </p:blipFill>
-        <p:spPr>
-          <a:xfrm>
-            <a:off x="4936483" y="3056961"/>
-            <a:ext cx="630542" cy="638966"/>
-          </a:xfrm>
-          <a:prstGeom prst="flowChartConnector">
-            <a:avLst/>
-          </a:prstGeom>
-          <a:solidFill>
-            <a:schemeClr val="tx1"/>
-          </a:solidFill>
-        </p:spPr>
-      </p:pic>
-      <p:sp>
-        <p:nvSpPr>
-          <p:cNvPr id="13" name="Text Placeholder 4">
-            <a:extLst>
-              <a:ext uri="{FF2B5EF4-FFF2-40B4-BE49-F238E27FC236}">
-                <a16:creationId xmlns:a16="http://schemas.microsoft.com/office/drawing/2014/main" id="{A96EABBB-7B22-81DC-8B6C-1989CE18CF5E}"/>
-              </a:ext>
-            </a:extLst>
-          </p:cNvPr>
-          <p:cNvSpPr txBox="1">
-            <a:spLocks/>
-          </p:cNvSpPr>
-          <p:nvPr/>
-        </p:nvSpPr>
-        <p:spPr>
-          <a:xfrm>
-            <a:off x="4466564" y="3826694"/>
-            <a:ext cx="2168884" cy="1311128"/>
-          </a:xfrm>
-          <a:prstGeom prst="rect">
-            <a:avLst/>
-          </a:prstGeom>
-        </p:spPr>
-        <p:txBody>
-          <a:bodyPr vert="horz" wrap="square" lIns="0" tIns="0" rIns="0" bIns="0" rtlCol="0" anchor="t">
-            <a:spAutoFit/>
-          </a:bodyPr>
-          <a:lstStyle>
-            <a:lvl1pPr marL="0" marR="0" indent="0" algn="l" defTabSz="932742" rtl="0" eaLnBrk="1" fontAlgn="auto" latinLnBrk="0" hangingPunct="1">
-              <a:lnSpc>
-                <a:spcPct val="100000"/>
-              </a:lnSpc>
-              <a:spcBef>
-                <a:spcPts val="0"/>
-              </a:spcBef>
-              <a:spcAft>
-                <a:spcPts val="0"/>
-              </a:spcAft>
-              <a:buClrTx/>
-              <a:buSzPct val="90000"/>
-              <a:buFont typeface="Arial" panose="020B0604020202020204" pitchFamily="34" charset="0"/>
-              <a:buNone/>
-              <a:tabLst/>
-              <a:defRPr sz="1200" kern="1200" spc="0" baseline="0">
-                <a:solidFill>
-                  <a:schemeClr val="tx1"/>
-                </a:solidFill>
-                <a:latin typeface="+mj-lt"/>
-                <a:ea typeface="+mn-ea"/>
-                <a:cs typeface="Segoe UI Semilight" panose="020B0402040204020203" pitchFamily="34" charset="0"/>
-              </a:defRPr>
-            </a:lvl1pPr>
-            <a:lvl2pPr marL="265176" marR="0" indent="-128016" algn="l" defTabSz="932742" rtl="0" eaLnBrk="1" fontAlgn="auto" latinLnBrk="0" hangingPunct="1">
-              <a:lnSpc>
-                <a:spcPct val="100000"/>
-              </a:lnSpc>
-              <a:spcBef>
-                <a:spcPct val="20000"/>
-              </a:spcBef>
-              <a:spcAft>
-                <a:spcPts val="0"/>
-              </a:spcAft>
-              <a:buClrTx/>
-              <a:buSzPct val="90000"/>
-              <a:buFont typeface="Arial" panose="020B0604020202020204" pitchFamily="34" charset="0"/>
-              <a:buChar char="•"/>
-              <a:tabLst/>
-              <a:defRPr sz="1400" kern="1200" spc="0" baseline="0">
-                <a:solidFill>
-                  <a:schemeClr val="tx1"/>
-                </a:solidFill>
-                <a:latin typeface="+mn-lt"/>
-                <a:ea typeface="+mn-ea"/>
-                <a:cs typeface="+mn-cs"/>
-              </a:defRPr>
-            </a:lvl2pPr>
-            <a:lvl3pPr marL="384048" marR="0" indent="-118872" algn="l" defTabSz="932742" rtl="0" eaLnBrk="1" fontAlgn="auto" latinLnBrk="0" hangingPunct="1">
-              <a:lnSpc>
-                <a:spcPct val="100000"/>
-              </a:lnSpc>
-              <a:spcBef>
-                <a:spcPct val="20000"/>
-              </a:spcBef>
-              <a:spcAft>
-                <a:spcPts val="0"/>
-              </a:spcAft>
-              <a:buClrTx/>
-              <a:buSzPct val="90000"/>
-              <a:buFont typeface="Arial" panose="020B0604020202020204" pitchFamily="34" charset="0"/>
-              <a:buChar char="•"/>
-              <a:tabLst/>
-              <a:defRPr sz="1200" kern="1200" spc="0" baseline="0">
-                <a:solidFill>
-                  <a:schemeClr val="tx1"/>
-                </a:solidFill>
-                <a:latin typeface="+mn-lt"/>
-                <a:ea typeface="+mn-ea"/>
-                <a:cs typeface="+mn-cs"/>
-              </a:defRPr>
-            </a:lvl3pPr>
-            <a:lvl4pPr marL="842963" marR="0" indent="-180975" algn="l" defTabSz="932742" rtl="0" eaLnBrk="1" fontAlgn="auto" latinLnBrk="0" hangingPunct="1">
-              <a:lnSpc>
-                <a:spcPct val="100000"/>
-              </a:lnSpc>
-              <a:spcBef>
-                <a:spcPct val="20000"/>
-              </a:spcBef>
-              <a:spcAft>
-                <a:spcPts val="0"/>
-              </a:spcAft>
-              <a:buClrTx/>
-              <a:buSzPct val="90000"/>
-              <a:buFont typeface="Wingdings" panose="05000000000000000000" pitchFamily="2" charset="2"/>
-              <a:buChar char=""/>
-              <a:tabLst/>
-              <a:defRPr sz="1000" kern="1200" spc="0" baseline="0">
-                <a:gradFill>
-                  <a:gsLst>
-                    <a:gs pos="1250">
-                      <a:schemeClr val="tx1"/>
-                    </a:gs>
-                    <a:gs pos="100000">
-                      <a:schemeClr val="tx1"/>
-                    </a:gs>
-                  </a:gsLst>
-                  <a:lin ang="5400000" scaled="0"/>
-                </a:gradFill>
-                <a:latin typeface="+mn-lt"/>
-                <a:ea typeface="+mn-ea"/>
-                <a:cs typeface="+mn-cs"/>
-              </a:defRPr>
-            </a:lvl4pPr>
-            <a:lvl5pPr marL="1023938" marR="0" indent="-168275" algn="l" defTabSz="932742" rtl="0" eaLnBrk="1" fontAlgn="auto" latinLnBrk="0" hangingPunct="1">
-              <a:lnSpc>
-                <a:spcPct val="100000"/>
-              </a:lnSpc>
-              <a:spcBef>
-                <a:spcPct val="20000"/>
-              </a:spcBef>
-              <a:spcAft>
-                <a:spcPts val="0"/>
-              </a:spcAft>
-              <a:buClrTx/>
-              <a:buSzPct val="90000"/>
-              <a:buFont typeface="Wingdings" panose="05000000000000000000" pitchFamily="2" charset="2"/>
-              <a:buChar char=""/>
-              <a:tabLst/>
-              <a:defRPr sz="800" kern="1200" spc="0" baseline="0">
-                <a:gradFill>
-                  <a:gsLst>
-                    <a:gs pos="1250">
-                      <a:schemeClr val="tx1"/>
-                    </a:gs>
-                    <a:gs pos="100000">
-                      <a:schemeClr val="tx1"/>
-                    </a:gs>
-                  </a:gsLst>
-                  <a:lin ang="5400000" scaled="0"/>
-                </a:gradFill>
-                <a:latin typeface="+mn-lt"/>
-                <a:ea typeface="+mn-ea"/>
-                <a:cs typeface="+mn-cs"/>
-              </a:defRPr>
-            </a:lvl5pPr>
-            <a:lvl6pPr marL="2565040" indent="-233186" algn="l" defTabSz="932742" rtl="0" eaLnBrk="1" latinLnBrk="0" hangingPunct="1">
-              <a:spcBef>
-                <a:spcPct val="20000"/>
-              </a:spcBef>
-              <a:buFont typeface="Arial" pitchFamily="34" charset="0"/>
-              <a:buChar char="•"/>
-              <a:defRPr sz="2000" kern="1200">
-                <a:solidFill>
-                  <a:schemeClr val="tx1"/>
-                </a:solidFill>
-                <a:latin typeface="+mn-lt"/>
-                <a:ea typeface="+mn-ea"/>
-                <a:cs typeface="+mn-cs"/>
-              </a:defRPr>
-            </a:lvl6pPr>
-            <a:lvl7pPr marL="3031412" indent="-233186" algn="l" defTabSz="932742" rtl="0" eaLnBrk="1" latinLnBrk="0" hangingPunct="1">
-              <a:spcBef>
-                <a:spcPct val="20000"/>
-              </a:spcBef>
-              <a:buFont typeface="Arial" pitchFamily="34" charset="0"/>
-              <a:buChar char="•"/>
-              <a:defRPr sz="2000" kern="1200">
-                <a:solidFill>
-                  <a:schemeClr val="tx1"/>
-                </a:solidFill>
-                <a:latin typeface="+mn-lt"/>
-                <a:ea typeface="+mn-ea"/>
-                <a:cs typeface="+mn-cs"/>
-              </a:defRPr>
-            </a:lvl7pPr>
-            <a:lvl8pPr marL="3497783" indent="-233186" algn="l" defTabSz="932742" rtl="0" eaLnBrk="1" latinLnBrk="0" hangingPunct="1">
-              <a:spcBef>
-                <a:spcPct val="20000"/>
-              </a:spcBef>
-              <a:buFont typeface="Arial" pitchFamily="34" charset="0"/>
-              <a:buChar char="•"/>
-              <a:defRPr sz="2000" kern="1200">
-                <a:solidFill>
-                  <a:schemeClr val="tx1"/>
-                </a:solidFill>
-                <a:latin typeface="+mn-lt"/>
-                <a:ea typeface="+mn-ea"/>
-                <a:cs typeface="+mn-cs"/>
-              </a:defRPr>
-            </a:lvl8pPr>
-            <a:lvl9pPr marL="3964155" indent="-233186" algn="l" defTabSz="932742" rtl="0" eaLnBrk="1" latinLnBrk="0" hangingPunct="1">
-              <a:spcBef>
-                <a:spcPct val="20000"/>
-              </a:spcBef>
-              <a:buFont typeface="Arial" pitchFamily="34" charset="0"/>
-              <a:buChar char="•"/>
-              <a:defRPr sz="2000" kern="1200">
-                <a:solidFill>
-                  <a:schemeClr val="tx1"/>
-                </a:solidFill>
-                <a:latin typeface="+mn-lt"/>
-                <a:ea typeface="+mn-ea"/>
-                <a:cs typeface="+mn-cs"/>
-              </a:defRPr>
-            </a:lvl9pPr>
-          </a:lstStyle>
-          <a:p>
-            <a:pPr marL="0" marR="0" lvl="0" indent="0" algn="l" defTabSz="932742" rtl="0" eaLnBrk="1" fontAlgn="auto" latinLnBrk="0" hangingPunct="1">
-              <a:lnSpc>
-                <a:spcPct val="100000"/>
-              </a:lnSpc>
-              <a:spcBef>
-                <a:spcPts val="0"/>
-              </a:spcBef>
-              <a:spcAft>
-                <a:spcPts val="0"/>
-              </a:spcAft>
-              <a:buClrTx/>
-              <a:buSzPct val="90000"/>
-              <a:buFont typeface="Arial" panose="020B0604020202020204" pitchFamily="34" charset="0"/>
-              <a:buNone/>
-              <a:tabLst/>
-              <a:defRPr/>
-            </a:pPr>
-            <a:r>
-              <a:rPr kumimoji="0" lang="en-US" sz="1600" b="0" i="0" u="none" strike="noStrike" kern="1200" cap="none" spc="0" normalizeH="0" baseline="0" noProof="0" dirty="0">
-                <a:ln>
-                  <a:noFill/>
-                </a:ln>
-                <a:solidFill>
-                  <a:srgbClr val="FFFFFF"/>
-                </a:solidFill>
-                <a:effectLst/>
-                <a:uLnTx/>
-                <a:uFillTx/>
-                <a:latin typeface="Segoe UI Semibold"/>
-                <a:ea typeface="+mn-ea"/>
-                <a:cs typeface="Segoe UI Semilight" panose="020B0402040204020203" pitchFamily="34" charset="0"/>
-              </a:rPr>
-              <a:t>OpenAI Assistant</a:t>
-            </a:r>
-          </a:p>
-          <a:p>
-            <a:pPr marL="265176" marR="0" lvl="1" indent="-128016" algn="l" defTabSz="932742" rtl="0" eaLnBrk="1" fontAlgn="auto" latinLnBrk="0" hangingPunct="1">
-              <a:lnSpc>
-                <a:spcPct val="100000"/>
-              </a:lnSpc>
-              <a:spcBef>
-                <a:spcPct val="20000"/>
-              </a:spcBef>
-              <a:spcAft>
-                <a:spcPts val="0"/>
-              </a:spcAft>
-              <a:buClrTx/>
-              <a:buSzPct val="90000"/>
-              <a:buFont typeface="Arial" panose="020B0604020202020204" pitchFamily="34" charset="0"/>
-              <a:buChar char="•"/>
-              <a:tabLst/>
-              <a:defRPr/>
-            </a:pPr>
-            <a:r>
-              <a:rPr lang="en-US" sz="1300" dirty="0">
-                <a:solidFill>
-                  <a:srgbClr val="FFFFFF"/>
-                </a:solidFill>
-                <a:latin typeface="Segoe UI"/>
-              </a:rPr>
-              <a:t>Shadow Insights Assistant</a:t>
-            </a:r>
-          </a:p>
-          <a:p>
-            <a:pPr marL="265176" marR="0" lvl="1" indent="-128016" algn="l" defTabSz="932742" rtl="0" eaLnBrk="1" fontAlgn="auto" latinLnBrk="0" hangingPunct="1">
-              <a:lnSpc>
-                <a:spcPct val="100000"/>
-              </a:lnSpc>
-              <a:spcBef>
-                <a:spcPct val="20000"/>
-              </a:spcBef>
-              <a:spcAft>
-                <a:spcPts val="0"/>
-              </a:spcAft>
-              <a:buClrTx/>
-              <a:buSzPct val="90000"/>
-              <a:buFont typeface="Arial" panose="020B0604020202020204" pitchFamily="34" charset="0"/>
-              <a:buChar char="•"/>
-              <a:tabLst/>
-              <a:defRPr/>
-            </a:pPr>
-            <a:r>
-              <a:rPr kumimoji="0" lang="en-US" sz="1300" b="0" i="0" u="none" strike="noStrike" kern="1200" cap="none" spc="0" normalizeH="0" baseline="0" noProof="0" dirty="0">
-                <a:ln>
-                  <a:noFill/>
-                </a:ln>
-                <a:solidFill>
-                  <a:srgbClr val="FFFFFF"/>
-                </a:solidFill>
-                <a:effectLst/>
-                <a:uLnTx/>
-                <a:uFillTx/>
-                <a:latin typeface="Segoe UI"/>
-                <a:ea typeface="+mn-ea"/>
-                <a:cs typeface="+mn-cs"/>
-              </a:rPr>
-              <a:t>Search Functions (</a:t>
-            </a:r>
-            <a:r>
-              <a:rPr kumimoji="0" lang="en-US" sz="1300" b="0" i="0" u="none" strike="noStrike" kern="1200" cap="none" spc="0" normalizeH="0" baseline="0" noProof="0" dirty="0" err="1">
-                <a:ln>
-                  <a:noFill/>
-                </a:ln>
-                <a:solidFill>
-                  <a:srgbClr val="FFFFFF"/>
-                </a:solidFill>
-                <a:effectLst/>
-                <a:uLnTx/>
-                <a:uFillTx/>
-                <a:latin typeface="Segoe UI"/>
-                <a:ea typeface="+mn-ea"/>
-                <a:cs typeface="+mn-cs"/>
-              </a:rPr>
-              <a:t>shadow_search</a:t>
-            </a:r>
-            <a:r>
-              <a:rPr kumimoji="0" lang="en-US" sz="1300" b="0" i="0" u="none" strike="noStrike" kern="1200" cap="none" spc="0" normalizeH="0" baseline="0" noProof="0" dirty="0">
-                <a:ln>
-                  <a:noFill/>
-                </a:ln>
-                <a:solidFill>
-                  <a:srgbClr val="FFFFFF"/>
-                </a:solidFill>
-                <a:effectLst/>
-                <a:uLnTx/>
-                <a:uFillTx/>
-                <a:latin typeface="Segoe UI"/>
-                <a:ea typeface="+mn-ea"/>
-                <a:cs typeface="+mn-cs"/>
-              </a:rPr>
-              <a:t> and </a:t>
-            </a:r>
-            <a:r>
-              <a:rPr kumimoji="0" lang="en-US" sz="1300" b="0" i="0" u="none" strike="noStrike" kern="1200" cap="none" spc="0" normalizeH="0" baseline="0" noProof="0" dirty="0" err="1">
-                <a:ln>
-                  <a:noFill/>
-                </a:ln>
-                <a:solidFill>
-                  <a:srgbClr val="FFFFFF"/>
-                </a:solidFill>
-                <a:effectLst/>
-                <a:uLnTx/>
-                <a:uFillTx/>
-                <a:latin typeface="Segoe UI"/>
-                <a:ea typeface="+mn-ea"/>
-                <a:cs typeface="+mn-cs"/>
-              </a:rPr>
-              <a:t>profile_prospect</a:t>
-            </a:r>
-            <a:r>
-              <a:rPr kumimoji="0" lang="en-US" sz="1300" b="0" i="0" u="none" strike="noStrike" kern="1200" cap="none" spc="0" normalizeH="0" baseline="0" noProof="0" dirty="0">
-                <a:ln>
-                  <a:noFill/>
-                </a:ln>
-                <a:solidFill>
-                  <a:srgbClr val="FFFFFF"/>
-                </a:solidFill>
-                <a:effectLst/>
-                <a:uLnTx/>
-                <a:uFillTx/>
-                <a:latin typeface="Segoe UI"/>
-                <a:ea typeface="+mn-ea"/>
-                <a:cs typeface="+mn-cs"/>
-              </a:rPr>
-              <a:t>)</a:t>
-            </a:r>
-            <a:endParaRPr kumimoji="0" lang="en-US" sz="1400" b="0" i="0" u="none" strike="noStrike" kern="1200" cap="none" spc="0" normalizeH="0" baseline="0" noProof="0" dirty="0">
-              <a:ln>
-                <a:noFill/>
-              </a:ln>
-              <a:solidFill>
-                <a:srgbClr val="FFFFFF"/>
-              </a:solidFill>
-              <a:effectLst/>
-              <a:uLnTx/>
-              <a:uFillTx/>
-              <a:latin typeface="Segoe UI"/>
-              <a:ea typeface="+mn-ea"/>
-              <a:cs typeface="+mn-cs"/>
-            </a:endParaRPr>
-          </a:p>
-          <a:p>
-            <a:pPr marL="0" marR="0" lvl="0" indent="0" algn="l" defTabSz="932742" rtl="0" eaLnBrk="1" fontAlgn="auto" latinLnBrk="0" hangingPunct="1">
-              <a:lnSpc>
-                <a:spcPct val="100000"/>
-              </a:lnSpc>
-              <a:spcBef>
-                <a:spcPts val="0"/>
-              </a:spcBef>
-              <a:spcAft>
-                <a:spcPts val="0"/>
-              </a:spcAft>
-              <a:buClrTx/>
-              <a:buSzPct val="90000"/>
-              <a:buFont typeface="Arial" panose="020B0604020202020204" pitchFamily="34" charset="0"/>
-              <a:buNone/>
-              <a:tabLst/>
-              <a:defRPr/>
-            </a:pPr>
-            <a:endParaRPr kumimoji="0" lang="en-US" sz="1200" b="0" i="0" u="none" strike="noStrike" kern="1200" cap="none" spc="0" normalizeH="0" baseline="0" noProof="0" dirty="0">
-              <a:ln>
-                <a:noFill/>
-              </a:ln>
-              <a:solidFill>
-                <a:srgbClr val="FFFFFF"/>
-              </a:solidFill>
-              <a:effectLst/>
-              <a:uLnTx/>
-              <a:uFillTx/>
-              <a:latin typeface="Segoe UI Semibold"/>
-              <a:ea typeface="+mn-ea"/>
-              <a:cs typeface="Segoe UI Semilight" panose="020B0402040204020203" pitchFamily="34" charset="0"/>
-            </a:endParaRPr>
-          </a:p>
-        </p:txBody>
-      </p:sp>
-      <p:pic>
-        <p:nvPicPr>
-          <p:cNvPr id="22" name="Graphic 21">
-            <a:extLst>
-              <a:ext uri="{FF2B5EF4-FFF2-40B4-BE49-F238E27FC236}">
-                <a16:creationId xmlns:a16="http://schemas.microsoft.com/office/drawing/2014/main" id="{B5DAC142-F8AD-E031-366B-B79C844E20B3}"/>
-              </a:ext>
-            </a:extLst>
-          </p:cNvPr>
-          <p:cNvPicPr>
-            <a:picLocks noChangeAspect="1"/>
-          </p:cNvPicPr>
-          <p:nvPr/>
-        </p:nvPicPr>
-        <p:blipFill>
-          <a:blip r:embed="rId3">
-            <a:extLst>
-              <a:ext uri="{28A0092B-C50C-407E-A947-70E740481C1C}">
-                <a14:useLocalDpi xmlns:a14="http://schemas.microsoft.com/office/drawing/2010/main" val="0"/>
-              </a:ext>
-              <a:ext uri="{96DAC541-7B7A-43D3-8B79-37D633B846F1}">
-                <asvg:svgBlip xmlns:asvg="http://schemas.microsoft.com/office/drawing/2016/SVG/main" r:embed="rId4"/>
-              </a:ext>
-            </a:extLst>
-          </a:blip>
-          <a:stretch>
-            <a:fillRect/>
-          </a:stretch>
-        </p:blipFill>
-        <p:spPr>
-          <a:xfrm>
-            <a:off x="7828156" y="4182731"/>
-            <a:ext cx="731520" cy="731520"/>
-          </a:xfrm>
-          <a:prstGeom prst="rect">
-            <a:avLst/>
-          </a:prstGeom>
-        </p:spPr>
-      </p:pic>
-      <p:sp>
-        <p:nvSpPr>
-          <p:cNvPr id="23" name="Text Placeholder 4">
-            <a:extLst>
-              <a:ext uri="{FF2B5EF4-FFF2-40B4-BE49-F238E27FC236}">
-                <a16:creationId xmlns:a16="http://schemas.microsoft.com/office/drawing/2014/main" id="{CCFB449D-B7BC-61F0-6DF1-5A19021F2DEC}"/>
-              </a:ext>
-            </a:extLst>
-          </p:cNvPr>
-          <p:cNvSpPr txBox="1">
-            <a:spLocks/>
-          </p:cNvSpPr>
-          <p:nvPr/>
-        </p:nvSpPr>
-        <p:spPr>
-          <a:xfrm>
-            <a:off x="7811047" y="4914251"/>
-            <a:ext cx="3217900" cy="1151084"/>
-          </a:xfrm>
-          <a:prstGeom prst="rect">
-            <a:avLst/>
-          </a:prstGeom>
-        </p:spPr>
-        <p:txBody>
-          <a:bodyPr vert="horz" wrap="square" lIns="0" tIns="0" rIns="0" bIns="0" rtlCol="0" anchor="t">
-            <a:spAutoFit/>
-          </a:bodyPr>
-          <a:lstStyle>
-            <a:lvl1pPr marL="0" marR="0" indent="0" algn="l" defTabSz="932742" rtl="0" eaLnBrk="1" fontAlgn="auto" latinLnBrk="0" hangingPunct="1">
-              <a:lnSpc>
-                <a:spcPct val="100000"/>
-              </a:lnSpc>
-              <a:spcBef>
-                <a:spcPts val="0"/>
-              </a:spcBef>
-              <a:spcAft>
-                <a:spcPts val="0"/>
-              </a:spcAft>
-              <a:buClrTx/>
-              <a:buSzPct val="90000"/>
-              <a:buFont typeface="Arial" panose="020B0604020202020204" pitchFamily="34" charset="0"/>
-              <a:buNone/>
-              <a:tabLst/>
-              <a:defRPr sz="1200" kern="1200" spc="0" baseline="0">
-                <a:solidFill>
-                  <a:schemeClr val="tx1"/>
-                </a:solidFill>
-                <a:latin typeface="+mj-lt"/>
-                <a:ea typeface="+mn-ea"/>
-                <a:cs typeface="Segoe UI Semilight" panose="020B0402040204020203" pitchFamily="34" charset="0"/>
-              </a:defRPr>
-            </a:lvl1pPr>
-            <a:lvl2pPr marL="265176" marR="0" indent="-128016" algn="l" defTabSz="932742" rtl="0" eaLnBrk="1" fontAlgn="auto" latinLnBrk="0" hangingPunct="1">
-              <a:lnSpc>
-                <a:spcPct val="100000"/>
-              </a:lnSpc>
-              <a:spcBef>
-                <a:spcPct val="20000"/>
-              </a:spcBef>
-              <a:spcAft>
-                <a:spcPts val="0"/>
-              </a:spcAft>
-              <a:buClrTx/>
-              <a:buSzPct val="90000"/>
-              <a:buFont typeface="Arial" panose="020B0604020202020204" pitchFamily="34" charset="0"/>
-              <a:buChar char="•"/>
-              <a:tabLst/>
-              <a:defRPr sz="1400" kern="1200" spc="0" baseline="0">
-                <a:solidFill>
-                  <a:schemeClr val="tx1"/>
-                </a:solidFill>
-                <a:latin typeface="+mn-lt"/>
-                <a:ea typeface="+mn-ea"/>
-                <a:cs typeface="+mn-cs"/>
-              </a:defRPr>
-            </a:lvl2pPr>
-            <a:lvl3pPr marL="384048" marR="0" indent="-118872" algn="l" defTabSz="932742" rtl="0" eaLnBrk="1" fontAlgn="auto" latinLnBrk="0" hangingPunct="1">
-              <a:lnSpc>
-                <a:spcPct val="100000"/>
-              </a:lnSpc>
-              <a:spcBef>
-                <a:spcPct val="20000"/>
-              </a:spcBef>
-              <a:spcAft>
-                <a:spcPts val="0"/>
-              </a:spcAft>
-              <a:buClrTx/>
-              <a:buSzPct val="90000"/>
-              <a:buFont typeface="Arial" panose="020B0604020202020204" pitchFamily="34" charset="0"/>
-              <a:buChar char="•"/>
-              <a:tabLst/>
-              <a:defRPr sz="1200" kern="1200" spc="0" baseline="0">
-                <a:solidFill>
-                  <a:schemeClr val="tx1"/>
-                </a:solidFill>
-                <a:latin typeface="+mn-lt"/>
-                <a:ea typeface="+mn-ea"/>
-                <a:cs typeface="+mn-cs"/>
-              </a:defRPr>
-            </a:lvl3pPr>
-            <a:lvl4pPr marL="842963" marR="0" indent="-180975" algn="l" defTabSz="932742" rtl="0" eaLnBrk="1" fontAlgn="auto" latinLnBrk="0" hangingPunct="1">
-              <a:lnSpc>
-                <a:spcPct val="100000"/>
-              </a:lnSpc>
-              <a:spcBef>
-                <a:spcPct val="20000"/>
-              </a:spcBef>
-              <a:spcAft>
-                <a:spcPts val="0"/>
-              </a:spcAft>
-              <a:buClrTx/>
-              <a:buSzPct val="90000"/>
-              <a:buFont typeface="Wingdings" panose="05000000000000000000" pitchFamily="2" charset="2"/>
-              <a:buChar char=""/>
-              <a:tabLst/>
-              <a:defRPr sz="1000" kern="1200" spc="0" baseline="0">
-                <a:gradFill>
-                  <a:gsLst>
-                    <a:gs pos="1250">
-                      <a:schemeClr val="tx1"/>
-                    </a:gs>
-                    <a:gs pos="100000">
-                      <a:schemeClr val="tx1"/>
-                    </a:gs>
-                  </a:gsLst>
-                  <a:lin ang="5400000" scaled="0"/>
-                </a:gradFill>
-                <a:latin typeface="+mn-lt"/>
-                <a:ea typeface="+mn-ea"/>
-                <a:cs typeface="+mn-cs"/>
-              </a:defRPr>
-            </a:lvl4pPr>
-            <a:lvl5pPr marL="1023938" marR="0" indent="-168275" algn="l" defTabSz="932742" rtl="0" eaLnBrk="1" fontAlgn="auto" latinLnBrk="0" hangingPunct="1">
-              <a:lnSpc>
-                <a:spcPct val="100000"/>
-              </a:lnSpc>
-              <a:spcBef>
-                <a:spcPct val="20000"/>
-              </a:spcBef>
-              <a:spcAft>
-                <a:spcPts val="0"/>
-              </a:spcAft>
-              <a:buClrTx/>
-              <a:buSzPct val="90000"/>
-              <a:buFont typeface="Wingdings" panose="05000000000000000000" pitchFamily="2" charset="2"/>
-              <a:buChar char=""/>
-              <a:tabLst/>
-              <a:defRPr sz="800" kern="1200" spc="0" baseline="0">
-                <a:gradFill>
-                  <a:gsLst>
-                    <a:gs pos="1250">
-                      <a:schemeClr val="tx1"/>
-                    </a:gs>
-                    <a:gs pos="100000">
-                      <a:schemeClr val="tx1"/>
-                    </a:gs>
-                  </a:gsLst>
-                  <a:lin ang="5400000" scaled="0"/>
-                </a:gradFill>
-                <a:latin typeface="+mn-lt"/>
-                <a:ea typeface="+mn-ea"/>
-                <a:cs typeface="+mn-cs"/>
-              </a:defRPr>
-            </a:lvl5pPr>
-            <a:lvl6pPr marL="2565040" indent="-233186" algn="l" defTabSz="932742" rtl="0" eaLnBrk="1" latinLnBrk="0" hangingPunct="1">
-              <a:spcBef>
-                <a:spcPct val="20000"/>
-              </a:spcBef>
-              <a:buFont typeface="Arial" pitchFamily="34" charset="0"/>
-              <a:buChar char="•"/>
-              <a:defRPr sz="2000" kern="1200">
-                <a:solidFill>
-                  <a:schemeClr val="tx1"/>
-                </a:solidFill>
-                <a:latin typeface="+mn-lt"/>
-                <a:ea typeface="+mn-ea"/>
-                <a:cs typeface="+mn-cs"/>
-              </a:defRPr>
-            </a:lvl6pPr>
-            <a:lvl7pPr marL="3031412" indent="-233186" algn="l" defTabSz="932742" rtl="0" eaLnBrk="1" latinLnBrk="0" hangingPunct="1">
-              <a:spcBef>
-                <a:spcPct val="20000"/>
-              </a:spcBef>
-              <a:buFont typeface="Arial" pitchFamily="34" charset="0"/>
-              <a:buChar char="•"/>
-              <a:defRPr sz="2000" kern="1200">
-                <a:solidFill>
-                  <a:schemeClr val="tx1"/>
-                </a:solidFill>
-                <a:latin typeface="+mn-lt"/>
-                <a:ea typeface="+mn-ea"/>
-                <a:cs typeface="+mn-cs"/>
-              </a:defRPr>
-            </a:lvl7pPr>
-            <a:lvl8pPr marL="3497783" indent="-233186" algn="l" defTabSz="932742" rtl="0" eaLnBrk="1" latinLnBrk="0" hangingPunct="1">
-              <a:spcBef>
-                <a:spcPct val="20000"/>
-              </a:spcBef>
-              <a:buFont typeface="Arial" pitchFamily="34" charset="0"/>
-              <a:buChar char="•"/>
-              <a:defRPr sz="2000" kern="1200">
-                <a:solidFill>
-                  <a:schemeClr val="tx1"/>
-                </a:solidFill>
-                <a:latin typeface="+mn-lt"/>
-                <a:ea typeface="+mn-ea"/>
-                <a:cs typeface="+mn-cs"/>
-              </a:defRPr>
-            </a:lvl8pPr>
-            <a:lvl9pPr marL="3964155" indent="-233186" algn="l" defTabSz="932742" rtl="0" eaLnBrk="1" latinLnBrk="0" hangingPunct="1">
-              <a:spcBef>
-                <a:spcPct val="20000"/>
-              </a:spcBef>
-              <a:buFont typeface="Arial" pitchFamily="34" charset="0"/>
-              <a:buChar char="•"/>
-              <a:defRPr sz="2000" kern="1200">
-                <a:solidFill>
-                  <a:schemeClr val="tx1"/>
-                </a:solidFill>
-                <a:latin typeface="+mn-lt"/>
-                <a:ea typeface="+mn-ea"/>
-                <a:cs typeface="+mn-cs"/>
-              </a:defRPr>
-            </a:lvl9pPr>
-          </a:lstStyle>
-          <a:p>
-            <a:pPr marL="0" marR="0" lvl="0" indent="0" algn="l" defTabSz="932742" rtl="0" eaLnBrk="1" fontAlgn="auto" latinLnBrk="0" hangingPunct="1">
-              <a:lnSpc>
-                <a:spcPct val="100000"/>
-              </a:lnSpc>
-              <a:spcBef>
-                <a:spcPts val="0"/>
-              </a:spcBef>
-              <a:spcAft>
-                <a:spcPts val="0"/>
-              </a:spcAft>
-              <a:buClrTx/>
-              <a:buSzPct val="90000"/>
-              <a:buFont typeface="Arial" panose="020B0604020202020204" pitchFamily="34" charset="0"/>
-              <a:buNone/>
-              <a:tabLst/>
-              <a:defRPr/>
-            </a:pPr>
-            <a:r>
-              <a:rPr kumimoji="0" lang="en-US" sz="1600" b="0" i="0" u="none" strike="noStrike" kern="1200" cap="none" spc="0" normalizeH="0" baseline="0" noProof="0" dirty="0">
-                <a:ln>
-                  <a:noFill/>
-                </a:ln>
-                <a:solidFill>
-                  <a:srgbClr val="FFFFFF"/>
-                </a:solidFill>
-                <a:effectLst/>
-                <a:uLnTx/>
-                <a:uFillTx/>
-                <a:latin typeface="Segoe UI Semibold"/>
-                <a:ea typeface="+mn-ea"/>
-                <a:cs typeface="Segoe UI Semilight" panose="020B0402040204020203" pitchFamily="34" charset="0"/>
-              </a:rPr>
-              <a:t>Azure AI Search</a:t>
-            </a:r>
-          </a:p>
-          <a:p>
-            <a:pPr marL="265176" marR="0" lvl="1" indent="-128016" algn="l" defTabSz="932742" rtl="0" eaLnBrk="1" fontAlgn="auto" latinLnBrk="0" hangingPunct="1">
-              <a:lnSpc>
-                <a:spcPct val="100000"/>
-              </a:lnSpc>
-              <a:spcBef>
-                <a:spcPct val="20000"/>
-              </a:spcBef>
-              <a:spcAft>
-                <a:spcPts val="0"/>
-              </a:spcAft>
-              <a:buClrTx/>
-              <a:buSzPct val="90000"/>
-              <a:buFont typeface="Arial" panose="020B0604020202020204" pitchFamily="34" charset="0"/>
-              <a:buChar char="•"/>
-              <a:tabLst/>
-              <a:defRPr/>
-            </a:pPr>
-            <a:r>
-              <a:rPr lang="en-US" sz="1300" dirty="0">
-                <a:solidFill>
-                  <a:srgbClr val="FFFFFF"/>
-                </a:solidFill>
-                <a:latin typeface="Segoe UI"/>
-              </a:rPr>
-              <a:t>p</a:t>
-            </a:r>
-            <a:r>
-              <a:rPr kumimoji="0" lang="en-US" sz="1300" b="0" i="0" u="none" strike="noStrike" kern="1200" cap="none" spc="0" normalizeH="0" baseline="0" noProof="0" dirty="0" err="1">
-                <a:ln>
-                  <a:noFill/>
-                </a:ln>
-                <a:solidFill>
-                  <a:srgbClr val="FFFFFF"/>
-                </a:solidFill>
-                <a:effectLst/>
-                <a:uLnTx/>
-                <a:uFillTx/>
-                <a:latin typeface="Segoe UI"/>
-                <a:ea typeface="+mn-ea"/>
-                <a:cs typeface="+mn-cs"/>
-              </a:rPr>
-              <a:t>rofile_prospect</a:t>
-            </a:r>
-            <a:endParaRPr kumimoji="0" lang="en-US" sz="1300" b="0" i="0" u="none" strike="noStrike" kern="1200" cap="none" spc="0" normalizeH="0" baseline="0" noProof="0" dirty="0">
-              <a:ln>
-                <a:noFill/>
-              </a:ln>
-              <a:solidFill>
-                <a:srgbClr val="FFFFFF"/>
-              </a:solidFill>
-              <a:effectLst/>
-              <a:uLnTx/>
-              <a:uFillTx/>
-              <a:latin typeface="Segoe UI"/>
-              <a:ea typeface="+mn-ea"/>
-              <a:cs typeface="+mn-cs"/>
-            </a:endParaRPr>
-          </a:p>
-          <a:p>
-            <a:pPr marL="265176" marR="0" lvl="1" indent="-128016" algn="l" defTabSz="932742" rtl="0" eaLnBrk="1" fontAlgn="auto" latinLnBrk="0" hangingPunct="1">
-              <a:lnSpc>
-                <a:spcPct val="100000"/>
-              </a:lnSpc>
-              <a:spcBef>
-                <a:spcPct val="20000"/>
-              </a:spcBef>
-              <a:spcAft>
-                <a:spcPts val="0"/>
-              </a:spcAft>
-              <a:buClrTx/>
-              <a:buSzPct val="90000"/>
-              <a:buFont typeface="Arial" panose="020B0604020202020204" pitchFamily="34" charset="0"/>
-              <a:buChar char="•"/>
-              <a:tabLst/>
-              <a:defRPr/>
-            </a:pPr>
-            <a:r>
-              <a:rPr kumimoji="0" lang="en-US" sz="1300" b="0" i="0" u="none" strike="noStrike" kern="1200" cap="none" spc="0" normalizeH="0" baseline="0" noProof="0" dirty="0">
-                <a:ln>
-                  <a:noFill/>
-                </a:ln>
-                <a:solidFill>
-                  <a:srgbClr val="FFFFFF"/>
-                </a:solidFill>
-                <a:effectLst/>
-                <a:uLnTx/>
-                <a:uFillTx/>
-                <a:latin typeface="Segoe UI"/>
-                <a:ea typeface="+mn-ea"/>
-                <a:cs typeface="+mn-cs"/>
-              </a:rPr>
-              <a:t>Index of customer information</a:t>
-            </a:r>
-          </a:p>
-          <a:p>
-            <a:pPr marL="265176" marR="0" lvl="1" indent="-128016" algn="l" defTabSz="932742" rtl="0" eaLnBrk="1" fontAlgn="auto" latinLnBrk="0" hangingPunct="1">
-              <a:lnSpc>
-                <a:spcPct val="100000"/>
-              </a:lnSpc>
-              <a:spcBef>
-                <a:spcPct val="20000"/>
-              </a:spcBef>
-              <a:spcAft>
-                <a:spcPts val="0"/>
-              </a:spcAft>
-              <a:buClrTx/>
-              <a:buSzPct val="90000"/>
-              <a:buFont typeface="Arial" panose="020B0604020202020204" pitchFamily="34" charset="0"/>
-              <a:buChar char="•"/>
-              <a:tabLst/>
-              <a:defRPr/>
-            </a:pPr>
-            <a:r>
-              <a:rPr kumimoji="0" lang="en-US" sz="1300" b="0" i="0" u="none" strike="noStrike" kern="1200" cap="none" spc="0" normalizeH="0" baseline="0" noProof="0" dirty="0">
-                <a:ln>
-                  <a:noFill/>
-                </a:ln>
-                <a:solidFill>
-                  <a:srgbClr val="FFFFFF"/>
-                </a:solidFill>
-                <a:effectLst/>
-                <a:uLnTx/>
-                <a:uFillTx/>
-                <a:latin typeface="Segoe UI"/>
-                <a:ea typeface="+mn-ea"/>
-                <a:cs typeface="+mn-cs"/>
-              </a:rPr>
-              <a:t>shadow-sales-index-customer</a:t>
-            </a:r>
-          </a:p>
-          <a:p>
-            <a:pPr marL="0" marR="0" lvl="0" indent="0" algn="l" defTabSz="932742" rtl="0" eaLnBrk="1" fontAlgn="auto" latinLnBrk="0" hangingPunct="1">
-              <a:lnSpc>
-                <a:spcPct val="100000"/>
-              </a:lnSpc>
-              <a:spcBef>
-                <a:spcPts val="0"/>
-              </a:spcBef>
-              <a:spcAft>
-                <a:spcPts val="0"/>
-              </a:spcAft>
-              <a:buClrTx/>
-              <a:buSzPct val="90000"/>
-              <a:buFont typeface="Arial" panose="020B0604020202020204" pitchFamily="34" charset="0"/>
-              <a:buNone/>
-              <a:tabLst/>
-              <a:defRPr/>
-            </a:pPr>
-            <a:endParaRPr kumimoji="0" lang="en-US" sz="1200" b="0" i="0" u="none" strike="noStrike" kern="1200" cap="none" spc="0" normalizeH="0" baseline="0" noProof="0" dirty="0">
-              <a:ln>
-                <a:noFill/>
-              </a:ln>
-              <a:solidFill>
-                <a:srgbClr val="FFFFFF"/>
-              </a:solidFill>
-              <a:effectLst/>
-              <a:uLnTx/>
-              <a:uFillTx/>
-              <a:latin typeface="Segoe UI Semibold"/>
-              <a:ea typeface="+mn-ea"/>
-              <a:cs typeface="Segoe UI Semilight" panose="020B0402040204020203" pitchFamily="34" charset="0"/>
-            </a:endParaRPr>
-          </a:p>
-        </p:txBody>
-      </p:sp>
-      <p:cxnSp>
-        <p:nvCxnSpPr>
-          <p:cNvPr id="26" name="Straight Arrow Connector 25">
-            <a:extLst>
-              <a:ext uri="{FF2B5EF4-FFF2-40B4-BE49-F238E27FC236}">
-                <a16:creationId xmlns:a16="http://schemas.microsoft.com/office/drawing/2014/main" id="{A98C4DD2-4090-FACF-7FBB-411D0DA10F10}"/>
-              </a:ext>
-            </a:extLst>
-          </p:cNvPr>
-          <p:cNvCxnSpPr>
-            <a:cxnSpLocks/>
-          </p:cNvCxnSpPr>
-          <p:nvPr/>
-        </p:nvCxnSpPr>
-        <p:spPr>
-          <a:xfrm>
-            <a:off x="3704111" y="3368852"/>
-            <a:ext cx="998411" cy="0"/>
-          </a:xfrm>
-          <a:prstGeom prst="straightConnector1">
-            <a:avLst/>
-          </a:prstGeom>
-          <a:ln w="38100">
-            <a:solidFill>
-              <a:schemeClr val="accent3">
-                <a:lumMod val="40000"/>
-                <a:lumOff val="60000"/>
-              </a:schemeClr>
-            </a:solidFill>
-            <a:headEnd type="triangle" w="med" len="med"/>
-            <a:tailEnd type="triangle" w="med" len="med"/>
-          </a:ln>
-        </p:spPr>
-        <p:style>
-          <a:lnRef idx="1">
-            <a:schemeClr val="accent1"/>
-          </a:lnRef>
-          <a:fillRef idx="0">
-            <a:schemeClr val="accent1"/>
-          </a:fillRef>
-          <a:effectRef idx="0">
-            <a:schemeClr val="accent1"/>
-          </a:effectRef>
-          <a:fontRef idx="minor">
-            <a:schemeClr val="tx1"/>
-          </a:fontRef>
-        </p:style>
-      </p:cxnSp>
-      <p:cxnSp>
-        <p:nvCxnSpPr>
-          <p:cNvPr id="31" name="Straight Arrow Connector 30">
-            <a:extLst>
-              <a:ext uri="{FF2B5EF4-FFF2-40B4-BE49-F238E27FC236}">
-                <a16:creationId xmlns:a16="http://schemas.microsoft.com/office/drawing/2014/main" id="{9E6E1A18-4057-1439-2BAD-1AD227F951D6}"/>
-              </a:ext>
-            </a:extLst>
-          </p:cNvPr>
-          <p:cNvCxnSpPr>
-            <a:cxnSpLocks/>
-          </p:cNvCxnSpPr>
-          <p:nvPr/>
-        </p:nvCxnSpPr>
-        <p:spPr>
-          <a:xfrm>
-            <a:off x="3151333" y="4428083"/>
-            <a:ext cx="6213" cy="486168"/>
-          </a:xfrm>
-          <a:prstGeom prst="straightConnector1">
-            <a:avLst/>
-          </a:prstGeom>
-          <a:ln w="38100">
-            <a:solidFill>
-              <a:schemeClr val="accent3">
-                <a:lumMod val="40000"/>
-                <a:lumOff val="60000"/>
-              </a:schemeClr>
-            </a:solidFill>
-            <a:headEnd type="triangle" w="med" len="med"/>
-            <a:tailEnd type="triangle" w="med" len="med"/>
-          </a:ln>
-        </p:spPr>
-        <p:style>
-          <a:lnRef idx="1">
-            <a:schemeClr val="accent1"/>
-          </a:lnRef>
-          <a:fillRef idx="0">
-            <a:schemeClr val="accent1"/>
-          </a:fillRef>
-          <a:effectRef idx="0">
-            <a:schemeClr val="accent1"/>
-          </a:effectRef>
-          <a:fontRef idx="minor">
-            <a:schemeClr val="tx1"/>
-          </a:fontRef>
-        </p:style>
-      </p:cxnSp>
-      <p:pic>
-        <p:nvPicPr>
-          <p:cNvPr id="1026" name="Picture 2" descr="Cosmos DB - Wikipedia">
-            <a:extLst>
-              <a:ext uri="{FF2B5EF4-FFF2-40B4-BE49-F238E27FC236}">
-                <a16:creationId xmlns:a16="http://schemas.microsoft.com/office/drawing/2014/main" id="{3CAA7B20-1BDB-D66D-B1FA-7263E2D8EA4E}"/>
-              </a:ext>
-            </a:extLst>
-          </p:cNvPr>
-          <p:cNvPicPr>
-            <a:picLocks noChangeAspect="1" noChangeArrowheads="1"/>
-          </p:cNvPicPr>
-          <p:nvPr/>
-        </p:nvPicPr>
-        <p:blipFill>
-          <a:blip r:embed="rId10">
-            <a:extLst>
-              <a:ext uri="{28A0092B-C50C-407E-A947-70E740481C1C}">
-                <a14:useLocalDpi xmlns:a14="http://schemas.microsoft.com/office/drawing/2010/main" val="0"/>
-              </a:ext>
-            </a:extLst>
-          </a:blip>
-          <a:srcRect/>
-          <a:stretch>
-            <a:fillRect/>
-          </a:stretch>
-        </p:blipFill>
-        <p:spPr bwMode="auto">
-          <a:xfrm>
-            <a:off x="2337642" y="4839161"/>
-            <a:ext cx="1670507" cy="1167267"/>
-          </a:xfrm>
-          <a:prstGeom prst="rect">
-            <a:avLst/>
-          </a:prstGeom>
-          <a:noFill/>
-          <a:extLst>
-            <a:ext uri="{909E8E84-426E-40DD-AFC4-6F175D3DCCD1}">
-              <a14:hiddenFill xmlns:a14="http://schemas.microsoft.com/office/drawing/2010/main">
-                <a:solidFill>
-                  <a:srgbClr val="FFFFFF"/>
-                </a:solidFill>
-              </a14:hiddenFill>
-            </a:ext>
-          </a:extLst>
-        </p:spPr>
-      </p:pic>
-      <p:sp>
-        <p:nvSpPr>
-          <p:cNvPr id="35" name="Text Placeholder 4">
-            <a:extLst>
-              <a:ext uri="{FF2B5EF4-FFF2-40B4-BE49-F238E27FC236}">
-                <a16:creationId xmlns:a16="http://schemas.microsoft.com/office/drawing/2014/main" id="{C53B8EB2-09FD-BCA7-D923-904C5D2C18D0}"/>
-              </a:ext>
-            </a:extLst>
-          </p:cNvPr>
-          <p:cNvSpPr txBox="1">
-            <a:spLocks/>
-          </p:cNvSpPr>
-          <p:nvPr/>
-        </p:nvSpPr>
-        <p:spPr>
-          <a:xfrm>
-            <a:off x="2337642" y="6011078"/>
-            <a:ext cx="1815842" cy="689420"/>
-          </a:xfrm>
-          <a:prstGeom prst="rect">
-            <a:avLst/>
-          </a:prstGeom>
-        </p:spPr>
-        <p:txBody>
-          <a:bodyPr vert="horz" wrap="square" lIns="0" tIns="0" rIns="0" bIns="0" rtlCol="0" anchor="t">
-            <a:spAutoFit/>
-          </a:bodyPr>
-          <a:lstStyle>
-            <a:lvl1pPr marL="0" marR="0" indent="0" algn="l" defTabSz="932742" rtl="0" eaLnBrk="1" fontAlgn="auto" latinLnBrk="0" hangingPunct="1">
-              <a:lnSpc>
-                <a:spcPct val="100000"/>
-              </a:lnSpc>
-              <a:spcBef>
-                <a:spcPts val="0"/>
-              </a:spcBef>
-              <a:spcAft>
-                <a:spcPts val="0"/>
-              </a:spcAft>
-              <a:buClrTx/>
-              <a:buSzPct val="90000"/>
-              <a:buFont typeface="Arial" panose="020B0604020202020204" pitchFamily="34" charset="0"/>
-              <a:buNone/>
-              <a:tabLst/>
-              <a:defRPr sz="1200" kern="1200" spc="0" baseline="0">
-                <a:solidFill>
-                  <a:schemeClr val="tx1"/>
-                </a:solidFill>
-                <a:latin typeface="+mj-lt"/>
-                <a:ea typeface="+mn-ea"/>
-                <a:cs typeface="Segoe UI Semilight" panose="020B0402040204020203" pitchFamily="34" charset="0"/>
-              </a:defRPr>
-            </a:lvl1pPr>
-            <a:lvl2pPr marL="265176" marR="0" indent="-128016" algn="l" defTabSz="932742" rtl="0" eaLnBrk="1" fontAlgn="auto" latinLnBrk="0" hangingPunct="1">
-              <a:lnSpc>
-                <a:spcPct val="100000"/>
-              </a:lnSpc>
-              <a:spcBef>
-                <a:spcPct val="20000"/>
-              </a:spcBef>
-              <a:spcAft>
-                <a:spcPts val="0"/>
-              </a:spcAft>
-              <a:buClrTx/>
-              <a:buSzPct val="90000"/>
-              <a:buFont typeface="Arial" panose="020B0604020202020204" pitchFamily="34" charset="0"/>
-              <a:buChar char="•"/>
-              <a:tabLst/>
-              <a:defRPr sz="1400" kern="1200" spc="0" baseline="0">
-                <a:solidFill>
-                  <a:schemeClr val="tx1"/>
-                </a:solidFill>
-                <a:latin typeface="+mn-lt"/>
-                <a:ea typeface="+mn-ea"/>
-                <a:cs typeface="+mn-cs"/>
-              </a:defRPr>
-            </a:lvl2pPr>
-            <a:lvl3pPr marL="384048" marR="0" indent="-118872" algn="l" defTabSz="932742" rtl="0" eaLnBrk="1" fontAlgn="auto" latinLnBrk="0" hangingPunct="1">
-              <a:lnSpc>
-                <a:spcPct val="100000"/>
-              </a:lnSpc>
-              <a:spcBef>
-                <a:spcPct val="20000"/>
-              </a:spcBef>
-              <a:spcAft>
-                <a:spcPts val="0"/>
-              </a:spcAft>
-              <a:buClrTx/>
-              <a:buSzPct val="90000"/>
-              <a:buFont typeface="Arial" panose="020B0604020202020204" pitchFamily="34" charset="0"/>
-              <a:buChar char="•"/>
-              <a:tabLst/>
-              <a:defRPr sz="1200" kern="1200" spc="0" baseline="0">
-                <a:solidFill>
-                  <a:schemeClr val="tx1"/>
-                </a:solidFill>
-                <a:latin typeface="+mn-lt"/>
-                <a:ea typeface="+mn-ea"/>
-                <a:cs typeface="+mn-cs"/>
-              </a:defRPr>
-            </a:lvl3pPr>
-            <a:lvl4pPr marL="842963" marR="0" indent="-180975" algn="l" defTabSz="932742" rtl="0" eaLnBrk="1" fontAlgn="auto" latinLnBrk="0" hangingPunct="1">
-              <a:lnSpc>
-                <a:spcPct val="100000"/>
-              </a:lnSpc>
-              <a:spcBef>
-                <a:spcPct val="20000"/>
-              </a:spcBef>
-              <a:spcAft>
-                <a:spcPts val="0"/>
-              </a:spcAft>
-              <a:buClrTx/>
-              <a:buSzPct val="90000"/>
-              <a:buFont typeface="Wingdings" panose="05000000000000000000" pitchFamily="2" charset="2"/>
-              <a:buChar char=""/>
-              <a:tabLst/>
-              <a:defRPr sz="1000" kern="1200" spc="0" baseline="0">
-                <a:gradFill>
-                  <a:gsLst>
-                    <a:gs pos="1250">
-                      <a:schemeClr val="tx1"/>
-                    </a:gs>
-                    <a:gs pos="100000">
-                      <a:schemeClr val="tx1"/>
-                    </a:gs>
-                  </a:gsLst>
-                  <a:lin ang="5400000" scaled="0"/>
-                </a:gradFill>
-                <a:latin typeface="+mn-lt"/>
-                <a:ea typeface="+mn-ea"/>
-                <a:cs typeface="+mn-cs"/>
-              </a:defRPr>
-            </a:lvl4pPr>
-            <a:lvl5pPr marL="1023938" marR="0" indent="-168275" algn="l" defTabSz="932742" rtl="0" eaLnBrk="1" fontAlgn="auto" latinLnBrk="0" hangingPunct="1">
-              <a:lnSpc>
-                <a:spcPct val="100000"/>
-              </a:lnSpc>
-              <a:spcBef>
-                <a:spcPct val="20000"/>
-              </a:spcBef>
-              <a:spcAft>
-                <a:spcPts val="0"/>
-              </a:spcAft>
-              <a:buClrTx/>
-              <a:buSzPct val="90000"/>
-              <a:buFont typeface="Wingdings" panose="05000000000000000000" pitchFamily="2" charset="2"/>
-              <a:buChar char=""/>
-              <a:tabLst/>
-              <a:defRPr sz="800" kern="1200" spc="0" baseline="0">
-                <a:gradFill>
-                  <a:gsLst>
-                    <a:gs pos="1250">
-                      <a:schemeClr val="tx1"/>
-                    </a:gs>
-                    <a:gs pos="100000">
-                      <a:schemeClr val="tx1"/>
-                    </a:gs>
-                  </a:gsLst>
-                  <a:lin ang="5400000" scaled="0"/>
-                </a:gradFill>
-                <a:latin typeface="+mn-lt"/>
-                <a:ea typeface="+mn-ea"/>
-                <a:cs typeface="+mn-cs"/>
-              </a:defRPr>
-            </a:lvl5pPr>
-            <a:lvl6pPr marL="2565040" indent="-233186" algn="l" defTabSz="932742" rtl="0" eaLnBrk="1" latinLnBrk="0" hangingPunct="1">
-              <a:spcBef>
-                <a:spcPct val="20000"/>
-              </a:spcBef>
-              <a:buFont typeface="Arial" pitchFamily="34" charset="0"/>
-              <a:buChar char="•"/>
-              <a:defRPr sz="2000" kern="1200">
-                <a:solidFill>
-                  <a:schemeClr val="tx1"/>
-                </a:solidFill>
-                <a:latin typeface="+mn-lt"/>
-                <a:ea typeface="+mn-ea"/>
-                <a:cs typeface="+mn-cs"/>
-              </a:defRPr>
-            </a:lvl6pPr>
-            <a:lvl7pPr marL="3031412" indent="-233186" algn="l" defTabSz="932742" rtl="0" eaLnBrk="1" latinLnBrk="0" hangingPunct="1">
-              <a:spcBef>
-                <a:spcPct val="20000"/>
-              </a:spcBef>
-              <a:buFont typeface="Arial" pitchFamily="34" charset="0"/>
-              <a:buChar char="•"/>
-              <a:defRPr sz="2000" kern="1200">
-                <a:solidFill>
-                  <a:schemeClr val="tx1"/>
-                </a:solidFill>
-                <a:latin typeface="+mn-lt"/>
-                <a:ea typeface="+mn-ea"/>
-                <a:cs typeface="+mn-cs"/>
-              </a:defRPr>
-            </a:lvl7pPr>
-            <a:lvl8pPr marL="3497783" indent="-233186" algn="l" defTabSz="932742" rtl="0" eaLnBrk="1" latinLnBrk="0" hangingPunct="1">
-              <a:spcBef>
-                <a:spcPct val="20000"/>
-              </a:spcBef>
-              <a:buFont typeface="Arial" pitchFamily="34" charset="0"/>
-              <a:buChar char="•"/>
-              <a:defRPr sz="2000" kern="1200">
-                <a:solidFill>
-                  <a:schemeClr val="tx1"/>
-                </a:solidFill>
-                <a:latin typeface="+mn-lt"/>
-                <a:ea typeface="+mn-ea"/>
-                <a:cs typeface="+mn-cs"/>
-              </a:defRPr>
-            </a:lvl8pPr>
-            <a:lvl9pPr marL="3964155" indent="-233186" algn="l" defTabSz="932742" rtl="0" eaLnBrk="1" latinLnBrk="0" hangingPunct="1">
-              <a:spcBef>
-                <a:spcPct val="20000"/>
-              </a:spcBef>
-              <a:buFont typeface="Arial" pitchFamily="34" charset="0"/>
-              <a:buChar char="•"/>
-              <a:defRPr sz="2000" kern="1200">
-                <a:solidFill>
-                  <a:schemeClr val="tx1"/>
-                </a:solidFill>
-                <a:latin typeface="+mn-lt"/>
-                <a:ea typeface="+mn-ea"/>
-                <a:cs typeface="+mn-cs"/>
-              </a:defRPr>
-            </a:lvl9pPr>
-          </a:lstStyle>
-          <a:p>
-            <a:pPr marL="0" marR="0" lvl="0" indent="0" algn="l" defTabSz="932742" rtl="0" eaLnBrk="1" fontAlgn="auto" latinLnBrk="0" hangingPunct="1">
-              <a:lnSpc>
-                <a:spcPct val="100000"/>
-              </a:lnSpc>
-              <a:spcBef>
-                <a:spcPts val="0"/>
-              </a:spcBef>
-              <a:spcAft>
-                <a:spcPts val="0"/>
-              </a:spcAft>
-              <a:buClrTx/>
-              <a:buSzPct val="90000"/>
-              <a:buFont typeface="Arial" panose="020B0604020202020204" pitchFamily="34" charset="0"/>
-              <a:buNone/>
-              <a:tabLst/>
-              <a:defRPr/>
-            </a:pPr>
-            <a:r>
-              <a:rPr kumimoji="0" lang="en-US" sz="1600" b="0" i="0" u="none" strike="noStrike" kern="1200" cap="none" spc="0" normalizeH="0" baseline="0" noProof="0" dirty="0">
-                <a:ln>
-                  <a:noFill/>
-                </a:ln>
-                <a:solidFill>
-                  <a:srgbClr val="FFFFFF"/>
-                </a:solidFill>
-                <a:effectLst/>
-                <a:uLnTx/>
-                <a:uFillTx/>
-                <a:latin typeface="Segoe UI Semibold"/>
-                <a:ea typeface="+mn-ea"/>
-                <a:cs typeface="Segoe UI Semilight" panose="020B0402040204020203" pitchFamily="34" charset="0"/>
-              </a:rPr>
-              <a:t>Azure </a:t>
-            </a:r>
-            <a:r>
-              <a:rPr kumimoji="0" lang="en-US" sz="1600" b="0" i="0" u="none" strike="noStrike" kern="1200" cap="none" spc="0" normalizeH="0" baseline="0" noProof="0" dirty="0" err="1">
-                <a:ln>
-                  <a:noFill/>
-                </a:ln>
-                <a:solidFill>
-                  <a:srgbClr val="FFFFFF"/>
-                </a:solidFill>
-                <a:effectLst/>
-                <a:uLnTx/>
-                <a:uFillTx/>
-                <a:latin typeface="Segoe UI Semibold"/>
-                <a:ea typeface="+mn-ea"/>
-                <a:cs typeface="Segoe UI Semilight" panose="020B0402040204020203" pitchFamily="34" charset="0"/>
-              </a:rPr>
-              <a:t>CosmosDB</a:t>
-            </a:r>
-            <a:endParaRPr kumimoji="0" lang="en-US" sz="1600" b="0" i="0" u="none" strike="noStrike" kern="1200" cap="none" spc="0" normalizeH="0" baseline="0" noProof="0" dirty="0">
-              <a:ln>
-                <a:noFill/>
-              </a:ln>
-              <a:solidFill>
-                <a:srgbClr val="FFFFFF"/>
-              </a:solidFill>
-              <a:effectLst/>
-              <a:uLnTx/>
-              <a:uFillTx/>
-              <a:latin typeface="Segoe UI Semibold"/>
-              <a:ea typeface="+mn-ea"/>
-              <a:cs typeface="Segoe UI Semilight" panose="020B0402040204020203" pitchFamily="34" charset="0"/>
-            </a:endParaRPr>
-          </a:p>
-          <a:p>
-            <a:pPr marL="265176" marR="0" lvl="1" indent="-128016" algn="l" defTabSz="932742" rtl="0" eaLnBrk="1" fontAlgn="auto" latinLnBrk="0" hangingPunct="1">
-              <a:lnSpc>
-                <a:spcPct val="100000"/>
-              </a:lnSpc>
-              <a:spcBef>
-                <a:spcPct val="20000"/>
-              </a:spcBef>
-              <a:spcAft>
-                <a:spcPts val="0"/>
-              </a:spcAft>
-              <a:buClrTx/>
-              <a:buSzPct val="90000"/>
-              <a:buFont typeface="Arial" panose="020B0604020202020204" pitchFamily="34" charset="0"/>
-              <a:buChar char="•"/>
-              <a:tabLst/>
-              <a:defRPr/>
-            </a:pPr>
-            <a:r>
-              <a:rPr lang="en-US" sz="1300" dirty="0">
-                <a:solidFill>
-                  <a:srgbClr val="FFFFFF"/>
-                </a:solidFill>
-                <a:latin typeface="Segoe UI"/>
-              </a:rPr>
-              <a:t>Conversation history</a:t>
-            </a:r>
-            <a:endParaRPr kumimoji="0" lang="en-US" sz="1400" b="0" i="0" u="none" strike="noStrike" kern="1200" cap="none" spc="0" normalizeH="0" baseline="0" noProof="0" dirty="0">
-              <a:ln>
-                <a:noFill/>
-              </a:ln>
-              <a:solidFill>
-                <a:srgbClr val="FFFFFF"/>
-              </a:solidFill>
-              <a:effectLst/>
-              <a:uLnTx/>
-              <a:uFillTx/>
-              <a:latin typeface="Segoe UI"/>
-              <a:ea typeface="+mn-ea"/>
-              <a:cs typeface="+mn-cs"/>
-            </a:endParaRPr>
-          </a:p>
-          <a:p>
-            <a:pPr marL="0" marR="0" lvl="0" indent="0" algn="l" defTabSz="932742" rtl="0" eaLnBrk="1" fontAlgn="auto" latinLnBrk="0" hangingPunct="1">
-              <a:lnSpc>
-                <a:spcPct val="100000"/>
-              </a:lnSpc>
-              <a:spcBef>
-                <a:spcPts val="0"/>
-              </a:spcBef>
-              <a:spcAft>
-                <a:spcPts val="0"/>
-              </a:spcAft>
-              <a:buClrTx/>
-              <a:buSzPct val="90000"/>
-              <a:buFont typeface="Arial" panose="020B0604020202020204" pitchFamily="34" charset="0"/>
-              <a:buNone/>
-              <a:tabLst/>
-              <a:defRPr/>
-            </a:pPr>
-            <a:endParaRPr kumimoji="0" lang="en-US" sz="1200" b="0" i="0" u="none" strike="noStrike" kern="1200" cap="none" spc="0" normalizeH="0" baseline="0" noProof="0" dirty="0">
-              <a:ln>
-                <a:noFill/>
-              </a:ln>
-              <a:solidFill>
-                <a:srgbClr val="FFFFFF"/>
-              </a:solidFill>
-              <a:effectLst/>
-              <a:uLnTx/>
-              <a:uFillTx/>
-              <a:latin typeface="Segoe UI Semibold"/>
-              <a:ea typeface="+mn-ea"/>
-              <a:cs typeface="Segoe UI Semilight" panose="020B0402040204020203" pitchFamily="34" charset="0"/>
-            </a:endParaRPr>
-          </a:p>
-        </p:txBody>
-      </p:sp>
-      <p:pic>
-        <p:nvPicPr>
-          <p:cNvPr id="3" name="Picture 2">
-            <a:extLst>
-              <a:ext uri="{FF2B5EF4-FFF2-40B4-BE49-F238E27FC236}">
-                <a16:creationId xmlns:a16="http://schemas.microsoft.com/office/drawing/2014/main" id="{A0645FB9-8A0B-30E9-A3A3-BC512A8D76CE}"/>
-              </a:ext>
-            </a:extLst>
-          </p:cNvPr>
-          <p:cNvPicPr>
-            <a:picLocks noChangeAspect="1" noChangeArrowheads="1"/>
-          </p:cNvPicPr>
-          <p:nvPr/>
-        </p:nvPicPr>
-        <p:blipFill>
-          <a:blip r:embed="rId11">
-            <a:extLst>
-              <a:ext uri="{28A0092B-C50C-407E-A947-70E740481C1C}">
-                <a14:useLocalDpi xmlns:a14="http://schemas.microsoft.com/office/drawing/2010/main" val="0"/>
-              </a:ext>
-            </a:extLst>
-          </a:blip>
-          <a:srcRect/>
-          <a:stretch>
-            <a:fillRect/>
-          </a:stretch>
-        </p:blipFill>
-        <p:spPr bwMode="auto">
-          <a:xfrm>
-            <a:off x="622004" y="2964594"/>
-            <a:ext cx="838086" cy="838086"/>
-          </a:xfrm>
-          <a:prstGeom prst="rect">
-            <a:avLst/>
-          </a:prstGeom>
-          <a:noFill/>
-          <a:extLst>
-            <a:ext uri="{909E8E84-426E-40DD-AFC4-6F175D3DCCD1}">
-              <a14:hiddenFill xmlns:a14="http://schemas.microsoft.com/office/drawing/2010/main">
-                <a:solidFill>
-                  <a:srgbClr val="FFFFFF"/>
-                </a:solidFill>
-              </a14:hiddenFill>
-            </a:ext>
-          </a:extLst>
-        </p:spPr>
-      </p:pic>
-      <p:sp>
-        <p:nvSpPr>
-          <p:cNvPr id="5" name="Text Placeholder 4">
-            <a:extLst>
-              <a:ext uri="{FF2B5EF4-FFF2-40B4-BE49-F238E27FC236}">
-                <a16:creationId xmlns:a16="http://schemas.microsoft.com/office/drawing/2014/main" id="{956D0031-7EED-02F7-454B-09C539E3A7C3}"/>
-              </a:ext>
-            </a:extLst>
-          </p:cNvPr>
-          <p:cNvSpPr txBox="1">
-            <a:spLocks/>
-          </p:cNvSpPr>
-          <p:nvPr/>
-        </p:nvSpPr>
-        <p:spPr>
-          <a:xfrm>
-            <a:off x="348999" y="3811305"/>
-            <a:ext cx="1815842" cy="1169551"/>
-          </a:xfrm>
-          <a:prstGeom prst="rect">
-            <a:avLst/>
-          </a:prstGeom>
-        </p:spPr>
-        <p:txBody>
-          <a:bodyPr vert="horz" wrap="square" lIns="0" tIns="0" rIns="0" bIns="0" rtlCol="0" anchor="t">
-            <a:spAutoFit/>
-          </a:bodyPr>
-          <a:lstStyle>
-            <a:lvl1pPr marL="0" marR="0" indent="0" algn="l" defTabSz="932742" rtl="0" eaLnBrk="1" fontAlgn="auto" latinLnBrk="0" hangingPunct="1">
-              <a:lnSpc>
-                <a:spcPct val="100000"/>
-              </a:lnSpc>
-              <a:spcBef>
-                <a:spcPts val="0"/>
-              </a:spcBef>
-              <a:spcAft>
-                <a:spcPts val="0"/>
-              </a:spcAft>
-              <a:buClrTx/>
-              <a:buSzPct val="90000"/>
-              <a:buFont typeface="Arial" panose="020B0604020202020204" pitchFamily="34" charset="0"/>
-              <a:buNone/>
-              <a:tabLst/>
-              <a:defRPr sz="1200" kern="1200" spc="0" baseline="0">
-                <a:solidFill>
-                  <a:schemeClr val="tx1"/>
-                </a:solidFill>
-                <a:latin typeface="+mj-lt"/>
-                <a:ea typeface="+mn-ea"/>
-                <a:cs typeface="Segoe UI Semilight" panose="020B0402040204020203" pitchFamily="34" charset="0"/>
-              </a:defRPr>
-            </a:lvl1pPr>
-            <a:lvl2pPr marL="265176" marR="0" indent="-128016" algn="l" defTabSz="932742" rtl="0" eaLnBrk="1" fontAlgn="auto" latinLnBrk="0" hangingPunct="1">
-              <a:lnSpc>
-                <a:spcPct val="100000"/>
-              </a:lnSpc>
-              <a:spcBef>
-                <a:spcPct val="20000"/>
-              </a:spcBef>
-              <a:spcAft>
-                <a:spcPts val="0"/>
-              </a:spcAft>
-              <a:buClrTx/>
-              <a:buSzPct val="90000"/>
-              <a:buFont typeface="Arial" panose="020B0604020202020204" pitchFamily="34" charset="0"/>
-              <a:buChar char="•"/>
-              <a:tabLst/>
-              <a:defRPr sz="1400" kern="1200" spc="0" baseline="0">
-                <a:solidFill>
-                  <a:schemeClr val="tx1"/>
-                </a:solidFill>
-                <a:latin typeface="+mn-lt"/>
-                <a:ea typeface="+mn-ea"/>
-                <a:cs typeface="+mn-cs"/>
-              </a:defRPr>
-            </a:lvl2pPr>
-            <a:lvl3pPr marL="384048" marR="0" indent="-118872" algn="l" defTabSz="932742" rtl="0" eaLnBrk="1" fontAlgn="auto" latinLnBrk="0" hangingPunct="1">
-              <a:lnSpc>
-                <a:spcPct val="100000"/>
-              </a:lnSpc>
-              <a:spcBef>
-                <a:spcPct val="20000"/>
-              </a:spcBef>
-              <a:spcAft>
-                <a:spcPts val="0"/>
-              </a:spcAft>
-              <a:buClrTx/>
-              <a:buSzPct val="90000"/>
-              <a:buFont typeface="Arial" panose="020B0604020202020204" pitchFamily="34" charset="0"/>
-              <a:buChar char="•"/>
-              <a:tabLst/>
-              <a:defRPr sz="1200" kern="1200" spc="0" baseline="0">
-                <a:solidFill>
-                  <a:schemeClr val="tx1"/>
-                </a:solidFill>
-                <a:latin typeface="+mn-lt"/>
-                <a:ea typeface="+mn-ea"/>
-                <a:cs typeface="+mn-cs"/>
-              </a:defRPr>
-            </a:lvl3pPr>
-            <a:lvl4pPr marL="842963" marR="0" indent="-180975" algn="l" defTabSz="932742" rtl="0" eaLnBrk="1" fontAlgn="auto" latinLnBrk="0" hangingPunct="1">
-              <a:lnSpc>
-                <a:spcPct val="100000"/>
-              </a:lnSpc>
-              <a:spcBef>
-                <a:spcPct val="20000"/>
-              </a:spcBef>
-              <a:spcAft>
-                <a:spcPts val="0"/>
-              </a:spcAft>
-              <a:buClrTx/>
-              <a:buSzPct val="90000"/>
-              <a:buFont typeface="Wingdings" panose="05000000000000000000" pitchFamily="2" charset="2"/>
-              <a:buChar char=""/>
-              <a:tabLst/>
-              <a:defRPr sz="1000" kern="1200" spc="0" baseline="0">
-                <a:gradFill>
-                  <a:gsLst>
-                    <a:gs pos="1250">
-                      <a:schemeClr val="tx1"/>
-                    </a:gs>
-                    <a:gs pos="100000">
-                      <a:schemeClr val="tx1"/>
-                    </a:gs>
-                  </a:gsLst>
-                  <a:lin ang="5400000" scaled="0"/>
-                </a:gradFill>
-                <a:latin typeface="+mn-lt"/>
-                <a:ea typeface="+mn-ea"/>
-                <a:cs typeface="+mn-cs"/>
-              </a:defRPr>
-            </a:lvl4pPr>
-            <a:lvl5pPr marL="1023938" marR="0" indent="-168275" algn="l" defTabSz="932742" rtl="0" eaLnBrk="1" fontAlgn="auto" latinLnBrk="0" hangingPunct="1">
-              <a:lnSpc>
-                <a:spcPct val="100000"/>
-              </a:lnSpc>
-              <a:spcBef>
-                <a:spcPct val="20000"/>
-              </a:spcBef>
-              <a:spcAft>
-                <a:spcPts val="0"/>
-              </a:spcAft>
-              <a:buClrTx/>
-              <a:buSzPct val="90000"/>
-              <a:buFont typeface="Wingdings" panose="05000000000000000000" pitchFamily="2" charset="2"/>
-              <a:buChar char=""/>
-              <a:tabLst/>
-              <a:defRPr sz="800" kern="1200" spc="0" baseline="0">
-                <a:gradFill>
-                  <a:gsLst>
-                    <a:gs pos="1250">
-                      <a:schemeClr val="tx1"/>
-                    </a:gs>
-                    <a:gs pos="100000">
-                      <a:schemeClr val="tx1"/>
-                    </a:gs>
-                  </a:gsLst>
-                  <a:lin ang="5400000" scaled="0"/>
-                </a:gradFill>
-                <a:latin typeface="+mn-lt"/>
-                <a:ea typeface="+mn-ea"/>
-                <a:cs typeface="+mn-cs"/>
-              </a:defRPr>
-            </a:lvl5pPr>
-            <a:lvl6pPr marL="2565040" indent="-233186" algn="l" defTabSz="932742" rtl="0" eaLnBrk="1" latinLnBrk="0" hangingPunct="1">
-              <a:spcBef>
-                <a:spcPct val="20000"/>
-              </a:spcBef>
-              <a:buFont typeface="Arial" pitchFamily="34" charset="0"/>
-              <a:buChar char="•"/>
-              <a:defRPr sz="2000" kern="1200">
-                <a:solidFill>
-                  <a:schemeClr val="tx1"/>
-                </a:solidFill>
-                <a:latin typeface="+mn-lt"/>
-                <a:ea typeface="+mn-ea"/>
-                <a:cs typeface="+mn-cs"/>
-              </a:defRPr>
-            </a:lvl6pPr>
-            <a:lvl7pPr marL="3031412" indent="-233186" algn="l" defTabSz="932742" rtl="0" eaLnBrk="1" latinLnBrk="0" hangingPunct="1">
-              <a:spcBef>
-                <a:spcPct val="20000"/>
-              </a:spcBef>
-              <a:buFont typeface="Arial" pitchFamily="34" charset="0"/>
-              <a:buChar char="•"/>
-              <a:defRPr sz="2000" kern="1200">
-                <a:solidFill>
-                  <a:schemeClr val="tx1"/>
-                </a:solidFill>
-                <a:latin typeface="+mn-lt"/>
-                <a:ea typeface="+mn-ea"/>
-                <a:cs typeface="+mn-cs"/>
-              </a:defRPr>
-            </a:lvl7pPr>
-            <a:lvl8pPr marL="3497783" indent="-233186" algn="l" defTabSz="932742" rtl="0" eaLnBrk="1" latinLnBrk="0" hangingPunct="1">
-              <a:spcBef>
-                <a:spcPct val="20000"/>
-              </a:spcBef>
-              <a:buFont typeface="Arial" pitchFamily="34" charset="0"/>
-              <a:buChar char="•"/>
-              <a:defRPr sz="2000" kern="1200">
-                <a:solidFill>
-                  <a:schemeClr val="tx1"/>
-                </a:solidFill>
-                <a:latin typeface="+mn-lt"/>
-                <a:ea typeface="+mn-ea"/>
-                <a:cs typeface="+mn-cs"/>
-              </a:defRPr>
-            </a:lvl8pPr>
-            <a:lvl9pPr marL="3964155" indent="-233186" algn="l" defTabSz="932742" rtl="0" eaLnBrk="1" latinLnBrk="0" hangingPunct="1">
-              <a:spcBef>
-                <a:spcPct val="20000"/>
-              </a:spcBef>
-              <a:buFont typeface="Arial" pitchFamily="34" charset="0"/>
-              <a:buChar char="•"/>
-              <a:defRPr sz="2000" kern="1200">
-                <a:solidFill>
-                  <a:schemeClr val="tx1"/>
-                </a:solidFill>
-                <a:latin typeface="+mn-lt"/>
-                <a:ea typeface="+mn-ea"/>
-                <a:cs typeface="+mn-cs"/>
-              </a:defRPr>
-            </a:lvl9pPr>
-          </a:lstStyle>
-          <a:p>
-            <a:pPr marL="0" marR="0" lvl="0" indent="0" algn="l" defTabSz="932742" rtl="0" eaLnBrk="1" fontAlgn="auto" latinLnBrk="0" hangingPunct="1">
-              <a:lnSpc>
-                <a:spcPct val="100000"/>
-              </a:lnSpc>
-              <a:spcBef>
-                <a:spcPts val="0"/>
-              </a:spcBef>
-              <a:spcAft>
-                <a:spcPts val="0"/>
-              </a:spcAft>
-              <a:buClrTx/>
-              <a:buSzPct val="90000"/>
-              <a:buFont typeface="Arial" panose="020B0604020202020204" pitchFamily="34" charset="0"/>
-              <a:buNone/>
-              <a:tabLst/>
-              <a:defRPr/>
-            </a:pPr>
-            <a:r>
-              <a:rPr kumimoji="0" lang="en-US" sz="1600" b="0" i="0" u="none" strike="noStrike" kern="1200" cap="none" spc="0" normalizeH="0" baseline="0" noProof="0" dirty="0">
-                <a:ln>
-                  <a:noFill/>
-                </a:ln>
-                <a:solidFill>
-                  <a:srgbClr val="FFFFFF"/>
-                </a:solidFill>
-                <a:effectLst/>
-                <a:uLnTx/>
-                <a:uFillTx/>
-                <a:latin typeface="Segoe UI Semibold"/>
-                <a:ea typeface="+mn-ea"/>
-                <a:cs typeface="Segoe UI Semilight" panose="020B0402040204020203" pitchFamily="34" charset="0"/>
-              </a:rPr>
-              <a:t>Entra ID</a:t>
-            </a:r>
-          </a:p>
-          <a:p>
-            <a:pPr marL="265176" marR="0" lvl="1" indent="-128016" algn="l" defTabSz="932742" rtl="0" eaLnBrk="1" fontAlgn="auto" latinLnBrk="0" hangingPunct="1">
-              <a:lnSpc>
-                <a:spcPct val="100000"/>
-              </a:lnSpc>
-              <a:spcBef>
-                <a:spcPct val="20000"/>
-              </a:spcBef>
-              <a:spcAft>
-                <a:spcPts val="0"/>
-              </a:spcAft>
-              <a:buClrTx/>
-              <a:buSzPct val="90000"/>
-              <a:buFont typeface="Arial" panose="020B0604020202020204" pitchFamily="34" charset="0"/>
-              <a:buChar char="•"/>
-              <a:tabLst/>
-              <a:defRPr/>
-            </a:pPr>
-            <a:r>
-              <a:rPr lang="en-US" sz="1300" dirty="0">
-                <a:solidFill>
-                  <a:srgbClr val="FFFFFF"/>
-                </a:solidFill>
-                <a:latin typeface="Segoe UI"/>
-              </a:rPr>
-              <a:t>Authentication</a:t>
-            </a:r>
-          </a:p>
-          <a:p>
-            <a:pPr marL="265176" marR="0" lvl="1" indent="-128016" algn="l" defTabSz="932742" rtl="0" eaLnBrk="1" fontAlgn="auto" latinLnBrk="0" hangingPunct="1">
-              <a:lnSpc>
-                <a:spcPct val="100000"/>
-              </a:lnSpc>
-              <a:spcBef>
-                <a:spcPct val="20000"/>
-              </a:spcBef>
-              <a:spcAft>
-                <a:spcPts val="0"/>
-              </a:spcAft>
-              <a:buClrTx/>
-              <a:buSzPct val="90000"/>
-              <a:buFont typeface="Arial" panose="020B0604020202020204" pitchFamily="34" charset="0"/>
-              <a:buChar char="•"/>
-              <a:tabLst/>
-              <a:defRPr/>
-            </a:pPr>
-            <a:r>
-              <a:rPr kumimoji="0" lang="en-US" sz="1300" b="0" i="0" u="none" strike="noStrike" kern="1200" cap="none" spc="0" normalizeH="0" baseline="0" noProof="0" dirty="0">
-                <a:ln>
-                  <a:noFill/>
-                </a:ln>
-                <a:solidFill>
-                  <a:srgbClr val="FFFFFF"/>
-                </a:solidFill>
-                <a:effectLst/>
-                <a:uLnTx/>
-                <a:uFillTx/>
-                <a:latin typeface="Segoe UI"/>
-                <a:ea typeface="+mn-ea"/>
-                <a:cs typeface="+mn-cs"/>
-              </a:rPr>
-              <a:t>Authorization</a:t>
-            </a:r>
-          </a:p>
-          <a:p>
-            <a:pPr marL="265176" marR="0" lvl="1" indent="-128016" algn="l" defTabSz="932742" rtl="0" eaLnBrk="1" fontAlgn="auto" latinLnBrk="0" hangingPunct="1">
-              <a:lnSpc>
-                <a:spcPct val="100000"/>
-              </a:lnSpc>
-              <a:spcBef>
-                <a:spcPct val="20000"/>
-              </a:spcBef>
-              <a:spcAft>
-                <a:spcPts val="0"/>
-              </a:spcAft>
-              <a:buClrTx/>
-              <a:buSzPct val="90000"/>
-              <a:buFont typeface="Arial" panose="020B0604020202020204" pitchFamily="34" charset="0"/>
-              <a:buChar char="•"/>
-              <a:tabLst/>
-              <a:defRPr/>
-            </a:pPr>
-            <a:r>
-              <a:rPr lang="en-US" sz="1300" dirty="0">
-                <a:solidFill>
-                  <a:srgbClr val="FFFFFF"/>
-                </a:solidFill>
-                <a:latin typeface="Segoe UI"/>
-              </a:rPr>
-              <a:t>MSAL Python Library</a:t>
-            </a:r>
-            <a:endParaRPr kumimoji="0" lang="en-US" sz="1400" b="0" i="0" u="none" strike="noStrike" kern="1200" cap="none" spc="0" normalizeH="0" baseline="0" noProof="0" dirty="0">
-              <a:ln>
-                <a:noFill/>
-              </a:ln>
-              <a:solidFill>
-                <a:srgbClr val="FFFFFF"/>
-              </a:solidFill>
-              <a:effectLst/>
-              <a:uLnTx/>
-              <a:uFillTx/>
-              <a:latin typeface="Segoe UI"/>
-              <a:ea typeface="+mn-ea"/>
-              <a:cs typeface="+mn-cs"/>
-            </a:endParaRPr>
-          </a:p>
-          <a:p>
-            <a:pPr marL="0" marR="0" lvl="0" indent="0" algn="l" defTabSz="932742" rtl="0" eaLnBrk="1" fontAlgn="auto" latinLnBrk="0" hangingPunct="1">
-              <a:lnSpc>
-                <a:spcPct val="100000"/>
-              </a:lnSpc>
-              <a:spcBef>
-                <a:spcPts val="0"/>
-              </a:spcBef>
-              <a:spcAft>
-                <a:spcPts val="0"/>
-              </a:spcAft>
-              <a:buClrTx/>
-              <a:buSzPct val="90000"/>
-              <a:buFont typeface="Arial" panose="020B0604020202020204" pitchFamily="34" charset="0"/>
-              <a:buNone/>
-              <a:tabLst/>
-              <a:defRPr/>
-            </a:pPr>
-            <a:endParaRPr kumimoji="0" lang="en-US" sz="1200" b="0" i="0" u="none" strike="noStrike" kern="1200" cap="none" spc="0" normalizeH="0" baseline="0" noProof="0" dirty="0">
-              <a:ln>
-                <a:noFill/>
-              </a:ln>
-              <a:solidFill>
-                <a:srgbClr val="FFFFFF"/>
-              </a:solidFill>
-              <a:effectLst/>
-              <a:uLnTx/>
-              <a:uFillTx/>
-              <a:latin typeface="Segoe UI Semibold"/>
-              <a:ea typeface="+mn-ea"/>
-              <a:cs typeface="Segoe UI Semilight" panose="020B0402040204020203" pitchFamily="34" charset="0"/>
-            </a:endParaRPr>
-          </a:p>
-        </p:txBody>
-      </p:sp>
-      <p:cxnSp>
-        <p:nvCxnSpPr>
-          <p:cNvPr id="8" name="Straight Arrow Connector 7">
-            <a:extLst>
-              <a:ext uri="{FF2B5EF4-FFF2-40B4-BE49-F238E27FC236}">
-                <a16:creationId xmlns:a16="http://schemas.microsoft.com/office/drawing/2014/main" id="{AF99CAF8-D2F8-76E5-14FF-5E2F33F90B41}"/>
-              </a:ext>
-            </a:extLst>
-          </p:cNvPr>
-          <p:cNvCxnSpPr>
-            <a:cxnSpLocks/>
-          </p:cNvCxnSpPr>
-          <p:nvPr/>
-        </p:nvCxnSpPr>
-        <p:spPr>
-          <a:xfrm flipV="1">
-            <a:off x="1618578" y="3358746"/>
-            <a:ext cx="992403" cy="2514"/>
-          </a:xfrm>
-          <a:prstGeom prst="straightConnector1">
-            <a:avLst/>
-          </a:prstGeom>
-          <a:ln w="38100">
-            <a:solidFill>
-              <a:schemeClr val="accent3">
-                <a:lumMod val="40000"/>
-                <a:lumOff val="60000"/>
-              </a:schemeClr>
-            </a:solidFill>
-            <a:headEnd type="triangle" w="med" len="med"/>
-            <a:tailEnd type="triangle" w="med" len="med"/>
-          </a:ln>
-        </p:spPr>
-        <p:style>
-          <a:lnRef idx="1">
-            <a:schemeClr val="accent1"/>
-          </a:lnRef>
-          <a:fillRef idx="0">
-            <a:schemeClr val="accent1"/>
-          </a:fillRef>
-          <a:effectRef idx="0">
-            <a:schemeClr val="accent1"/>
-          </a:effectRef>
-          <a:fontRef idx="minor">
-            <a:schemeClr val="tx1"/>
-          </a:fontRef>
-        </p:style>
-      </p:cxnSp>
-    </p:spTree>
-    <p:extLst>
-      <p:ext uri="{BB962C8B-B14F-4D97-AF65-F5344CB8AC3E}">
-        <p14:creationId xmlns:p14="http://schemas.microsoft.com/office/powerpoint/2010/main" val="890097365"/>
-      </p:ext>
-    </p:extLst>
-  </p:cSld>
-  <p:clrMapOvr>
-    <a:masterClrMapping/>
-  </p:clrMapOvr>
-  <p:transition>
-    <p:fade/>
-  </p:transition>
-</p:sld>
-</file>
-
-<file path=ppt/slides/slide2.xml><?xml version="1.0" encoding="utf-8"?>
-<p:sld xmlns:a="http://schemas.openxmlformats.org/drawingml/2006/main" xmlns:r="http://schemas.openxmlformats.org/officeDocument/2006/relationships" xmlns:p="http://schemas.openxmlformats.org/presentationml/2006/main">
-  <p:cSld>
-    <p:spTree>
-      <p:nvGrpSpPr>
-        <p:cNvPr id="1" name="">
-          <a:extLst>
-            <a:ext uri="{FF2B5EF4-FFF2-40B4-BE49-F238E27FC236}">
-              <a16:creationId xmlns:a16="http://schemas.microsoft.com/office/drawing/2014/main" id="{B73202DE-5617-AC38-6270-3E8F51815210}"/>
-            </a:ext>
-          </a:extLst>
-        </p:cNvPr>
-        <p:cNvGrpSpPr/>
-        <p:nvPr/>
-      </p:nvGrpSpPr>
-      <p:grpSpPr>
-        <a:xfrm>
-          <a:off x="0" y="0"/>
-          <a:ext cx="0" cy="0"/>
-          <a:chOff x="0" y="0"/>
-          <a:chExt cx="0" cy="0"/>
-        </a:xfrm>
-      </p:grpSpPr>
-      <p:sp>
-        <p:nvSpPr>
-          <p:cNvPr id="2" name="Title 1">
-            <a:extLst>
-              <a:ext uri="{FF2B5EF4-FFF2-40B4-BE49-F238E27FC236}">
-                <a16:creationId xmlns:a16="http://schemas.microsoft.com/office/drawing/2014/main" id="{C93B2FA0-A53E-DABF-FAAD-25E79DB27E14}"/>
-              </a:ext>
-            </a:extLst>
-          </p:cNvPr>
-          <p:cNvSpPr>
-            <a:spLocks noGrp="1"/>
-          </p:cNvSpPr>
-          <p:nvPr>
-            <p:ph type="title"/>
-          </p:nvPr>
-        </p:nvSpPr>
-        <p:spPr>
-          <a:xfrm>
-            <a:off x="588261" y="294063"/>
-            <a:ext cx="6258365" cy="430887"/>
-          </a:xfrm>
-        </p:spPr>
-        <p:txBody>
-          <a:bodyPr/>
-          <a:lstStyle/>
-          <a:p>
-            <a:r>
-              <a:rPr lang="en-US" sz="2800"/>
-              <a:t>Realtime Assistant – </a:t>
-            </a:r>
-            <a:r>
-              <a:rPr lang="en-US" sz="2800" dirty="0"/>
-              <a:t>Basic Architecture</a:t>
-            </a:r>
-            <a:endParaRPr lang="en-US" sz="1800" i="1" dirty="0"/>
-          </a:p>
-        </p:txBody>
-      </p:sp>
-      <p:pic>
-        <p:nvPicPr>
-          <p:cNvPr id="7" name="Graphic 6">
-            <a:extLst>
-              <a:ext uri="{FF2B5EF4-FFF2-40B4-BE49-F238E27FC236}">
-                <a16:creationId xmlns:a16="http://schemas.microsoft.com/office/drawing/2014/main" id="{06CB214D-D315-04C8-48B3-9AA84431AD13}"/>
-              </a:ext>
-            </a:extLst>
-          </p:cNvPr>
-          <p:cNvPicPr>
-            <a:picLocks noChangeAspect="1"/>
-          </p:cNvPicPr>
-          <p:nvPr/>
-        </p:nvPicPr>
-        <p:blipFill>
-          <a:blip r:embed="rId3">
-            <a:extLst>
-              <a:ext uri="{28A0092B-C50C-407E-A947-70E740481C1C}">
-                <a14:useLocalDpi xmlns:a14="http://schemas.microsoft.com/office/drawing/2010/main" val="0"/>
-              </a:ext>
-              <a:ext uri="{96DAC541-7B7A-43D3-8B79-37D633B846F1}">
-                <asvg:svgBlip xmlns:asvg="http://schemas.microsoft.com/office/drawing/2016/SVG/main" r:embed="rId4"/>
-              </a:ext>
-            </a:extLst>
-          </a:blip>
-          <a:stretch>
-            <a:fillRect/>
-          </a:stretch>
-        </p:blipFill>
-        <p:spPr>
-          <a:xfrm>
-            <a:off x="7828156" y="1906595"/>
-            <a:ext cx="731520" cy="731520"/>
-          </a:xfrm>
-          <a:prstGeom prst="rect">
-            <a:avLst/>
-          </a:prstGeom>
-        </p:spPr>
-      </p:pic>
-      <p:sp>
-        <p:nvSpPr>
-          <p:cNvPr id="47" name="Text Placeholder 4">
-            <a:extLst>
-              <a:ext uri="{FF2B5EF4-FFF2-40B4-BE49-F238E27FC236}">
-                <a16:creationId xmlns:a16="http://schemas.microsoft.com/office/drawing/2014/main" id="{3BB02EC9-0C1B-0E19-68E5-05681266E78D}"/>
-              </a:ext>
-            </a:extLst>
-          </p:cNvPr>
-          <p:cNvSpPr txBox="1">
-            <a:spLocks/>
-          </p:cNvSpPr>
-          <p:nvPr/>
-        </p:nvSpPr>
-        <p:spPr>
-          <a:xfrm>
-            <a:off x="7811046" y="2632793"/>
-            <a:ext cx="2363659" cy="1351139"/>
-          </a:xfrm>
-          <a:prstGeom prst="rect">
-            <a:avLst/>
-          </a:prstGeom>
-        </p:spPr>
-        <p:txBody>
-          <a:bodyPr vert="horz" wrap="square" lIns="0" tIns="0" rIns="0" bIns="0" rtlCol="0" anchor="t">
-            <a:spAutoFit/>
-          </a:bodyPr>
-          <a:lstStyle>
-            <a:lvl1pPr marL="0" marR="0" indent="0" algn="l" defTabSz="932742" rtl="0" eaLnBrk="1" fontAlgn="auto" latinLnBrk="0" hangingPunct="1">
-              <a:lnSpc>
-                <a:spcPct val="100000"/>
-              </a:lnSpc>
-              <a:spcBef>
-                <a:spcPts val="0"/>
-              </a:spcBef>
-              <a:spcAft>
-                <a:spcPts val="0"/>
-              </a:spcAft>
-              <a:buClrTx/>
-              <a:buSzPct val="90000"/>
-              <a:buFont typeface="Arial" panose="020B0604020202020204" pitchFamily="34" charset="0"/>
-              <a:buNone/>
-              <a:tabLst/>
-              <a:defRPr sz="1200" kern="1200" spc="0" baseline="0">
-                <a:solidFill>
-                  <a:schemeClr val="tx1"/>
-                </a:solidFill>
-                <a:latin typeface="+mj-lt"/>
-                <a:ea typeface="+mn-ea"/>
-                <a:cs typeface="Segoe UI Semilight" panose="020B0402040204020203" pitchFamily="34" charset="0"/>
-              </a:defRPr>
-            </a:lvl1pPr>
-            <a:lvl2pPr marL="265176" marR="0" indent="-128016" algn="l" defTabSz="932742" rtl="0" eaLnBrk="1" fontAlgn="auto" latinLnBrk="0" hangingPunct="1">
-              <a:lnSpc>
-                <a:spcPct val="100000"/>
-              </a:lnSpc>
-              <a:spcBef>
-                <a:spcPct val="20000"/>
-              </a:spcBef>
-              <a:spcAft>
-                <a:spcPts val="0"/>
-              </a:spcAft>
-              <a:buClrTx/>
-              <a:buSzPct val="90000"/>
-              <a:buFont typeface="Arial" panose="020B0604020202020204" pitchFamily="34" charset="0"/>
-              <a:buChar char="•"/>
-              <a:tabLst/>
-              <a:defRPr sz="1400" kern="1200" spc="0" baseline="0">
-                <a:solidFill>
-                  <a:schemeClr val="tx1"/>
-                </a:solidFill>
-                <a:latin typeface="+mn-lt"/>
-                <a:ea typeface="+mn-ea"/>
-                <a:cs typeface="+mn-cs"/>
-              </a:defRPr>
-            </a:lvl2pPr>
-            <a:lvl3pPr marL="384048" marR="0" indent="-118872" algn="l" defTabSz="932742" rtl="0" eaLnBrk="1" fontAlgn="auto" latinLnBrk="0" hangingPunct="1">
-              <a:lnSpc>
-                <a:spcPct val="100000"/>
-              </a:lnSpc>
-              <a:spcBef>
-                <a:spcPct val="20000"/>
-              </a:spcBef>
-              <a:spcAft>
-                <a:spcPts val="0"/>
-              </a:spcAft>
-              <a:buClrTx/>
-              <a:buSzPct val="90000"/>
-              <a:buFont typeface="Arial" panose="020B0604020202020204" pitchFamily="34" charset="0"/>
-              <a:buChar char="•"/>
-              <a:tabLst/>
-              <a:defRPr sz="1200" kern="1200" spc="0" baseline="0">
-                <a:solidFill>
-                  <a:schemeClr val="tx1"/>
-                </a:solidFill>
-                <a:latin typeface="+mn-lt"/>
-                <a:ea typeface="+mn-ea"/>
-                <a:cs typeface="+mn-cs"/>
-              </a:defRPr>
-            </a:lvl3pPr>
-            <a:lvl4pPr marL="842963" marR="0" indent="-180975" algn="l" defTabSz="932742" rtl="0" eaLnBrk="1" fontAlgn="auto" latinLnBrk="0" hangingPunct="1">
-              <a:lnSpc>
-                <a:spcPct val="100000"/>
-              </a:lnSpc>
-              <a:spcBef>
-                <a:spcPct val="20000"/>
-              </a:spcBef>
-              <a:spcAft>
-                <a:spcPts val="0"/>
-              </a:spcAft>
-              <a:buClrTx/>
-              <a:buSzPct val="90000"/>
-              <a:buFont typeface="Wingdings" panose="05000000000000000000" pitchFamily="2" charset="2"/>
-              <a:buChar char=""/>
-              <a:tabLst/>
-              <a:defRPr sz="1000" kern="1200" spc="0" baseline="0">
-                <a:gradFill>
-                  <a:gsLst>
-                    <a:gs pos="1250">
-                      <a:schemeClr val="tx1"/>
-                    </a:gs>
-                    <a:gs pos="100000">
-                      <a:schemeClr val="tx1"/>
-                    </a:gs>
-                  </a:gsLst>
-                  <a:lin ang="5400000" scaled="0"/>
-                </a:gradFill>
-                <a:latin typeface="+mn-lt"/>
-                <a:ea typeface="+mn-ea"/>
-                <a:cs typeface="+mn-cs"/>
-              </a:defRPr>
-            </a:lvl4pPr>
-            <a:lvl5pPr marL="1023938" marR="0" indent="-168275" algn="l" defTabSz="932742" rtl="0" eaLnBrk="1" fontAlgn="auto" latinLnBrk="0" hangingPunct="1">
-              <a:lnSpc>
-                <a:spcPct val="100000"/>
-              </a:lnSpc>
-              <a:spcBef>
-                <a:spcPct val="20000"/>
-              </a:spcBef>
-              <a:spcAft>
-                <a:spcPts val="0"/>
-              </a:spcAft>
-              <a:buClrTx/>
-              <a:buSzPct val="90000"/>
-              <a:buFont typeface="Wingdings" panose="05000000000000000000" pitchFamily="2" charset="2"/>
-              <a:buChar char=""/>
-              <a:tabLst/>
-              <a:defRPr sz="800" kern="1200" spc="0" baseline="0">
-                <a:gradFill>
-                  <a:gsLst>
-                    <a:gs pos="1250">
-                      <a:schemeClr val="tx1"/>
-                    </a:gs>
-                    <a:gs pos="100000">
-                      <a:schemeClr val="tx1"/>
-                    </a:gs>
-                  </a:gsLst>
-                  <a:lin ang="5400000" scaled="0"/>
-                </a:gradFill>
-                <a:latin typeface="+mn-lt"/>
-                <a:ea typeface="+mn-ea"/>
-                <a:cs typeface="+mn-cs"/>
-              </a:defRPr>
-            </a:lvl5pPr>
-            <a:lvl6pPr marL="2565040" indent="-233186" algn="l" defTabSz="932742" rtl="0" eaLnBrk="1" latinLnBrk="0" hangingPunct="1">
-              <a:spcBef>
-                <a:spcPct val="20000"/>
-              </a:spcBef>
-              <a:buFont typeface="Arial" pitchFamily="34" charset="0"/>
-              <a:buChar char="•"/>
-              <a:defRPr sz="2000" kern="1200">
-                <a:solidFill>
-                  <a:schemeClr val="tx1"/>
-                </a:solidFill>
-                <a:latin typeface="+mn-lt"/>
-                <a:ea typeface="+mn-ea"/>
-                <a:cs typeface="+mn-cs"/>
-              </a:defRPr>
-            </a:lvl6pPr>
-            <a:lvl7pPr marL="3031412" indent="-233186" algn="l" defTabSz="932742" rtl="0" eaLnBrk="1" latinLnBrk="0" hangingPunct="1">
-              <a:spcBef>
-                <a:spcPct val="20000"/>
-              </a:spcBef>
-              <a:buFont typeface="Arial" pitchFamily="34" charset="0"/>
-              <a:buChar char="•"/>
-              <a:defRPr sz="2000" kern="1200">
-                <a:solidFill>
-                  <a:schemeClr val="tx1"/>
-                </a:solidFill>
-                <a:latin typeface="+mn-lt"/>
-                <a:ea typeface="+mn-ea"/>
-                <a:cs typeface="+mn-cs"/>
-              </a:defRPr>
-            </a:lvl7pPr>
-            <a:lvl8pPr marL="3497783" indent="-233186" algn="l" defTabSz="932742" rtl="0" eaLnBrk="1" latinLnBrk="0" hangingPunct="1">
-              <a:spcBef>
-                <a:spcPct val="20000"/>
-              </a:spcBef>
-              <a:buFont typeface="Arial" pitchFamily="34" charset="0"/>
-              <a:buChar char="•"/>
-              <a:defRPr sz="2000" kern="1200">
-                <a:solidFill>
-                  <a:schemeClr val="tx1"/>
-                </a:solidFill>
-                <a:latin typeface="+mn-lt"/>
-                <a:ea typeface="+mn-ea"/>
-                <a:cs typeface="+mn-cs"/>
-              </a:defRPr>
-            </a:lvl8pPr>
-            <a:lvl9pPr marL="3964155" indent="-233186" algn="l" defTabSz="932742" rtl="0" eaLnBrk="1" latinLnBrk="0" hangingPunct="1">
-              <a:spcBef>
-                <a:spcPct val="20000"/>
-              </a:spcBef>
-              <a:buFont typeface="Arial" pitchFamily="34" charset="0"/>
-              <a:buChar char="•"/>
-              <a:defRPr sz="2000" kern="1200">
-                <a:solidFill>
-                  <a:schemeClr val="tx1"/>
-                </a:solidFill>
-                <a:latin typeface="+mn-lt"/>
-                <a:ea typeface="+mn-ea"/>
-                <a:cs typeface="+mn-cs"/>
-              </a:defRPr>
-            </a:lvl9pPr>
-          </a:lstStyle>
-          <a:p>
-            <a:pPr marL="0" marR="0" lvl="0" indent="0" algn="l" defTabSz="932742" rtl="0" eaLnBrk="1" fontAlgn="auto" latinLnBrk="0" hangingPunct="1">
-              <a:lnSpc>
-                <a:spcPct val="100000"/>
-              </a:lnSpc>
-              <a:spcBef>
-                <a:spcPts val="0"/>
-              </a:spcBef>
-              <a:spcAft>
-                <a:spcPts val="0"/>
-              </a:spcAft>
-              <a:buClrTx/>
-              <a:buSzPct val="90000"/>
-              <a:buFont typeface="Arial" panose="020B0604020202020204" pitchFamily="34" charset="0"/>
-              <a:buNone/>
-              <a:tabLst/>
-              <a:defRPr/>
-            </a:pPr>
-            <a:r>
-              <a:rPr kumimoji="0" lang="en-US" sz="1600" b="0" i="0" u="none" strike="noStrike" kern="1200" cap="none" spc="0" normalizeH="0" baseline="0" noProof="0" dirty="0">
-                <a:ln>
-                  <a:noFill/>
-                </a:ln>
-                <a:solidFill>
-                  <a:srgbClr val="FFFFFF"/>
-                </a:solidFill>
-                <a:effectLst/>
-                <a:uLnTx/>
-                <a:uFillTx/>
-                <a:latin typeface="Segoe UI Semibold"/>
-                <a:ea typeface="+mn-ea"/>
-                <a:cs typeface="Segoe UI Semilight" panose="020B0402040204020203" pitchFamily="34" charset="0"/>
-              </a:rPr>
-              <a:t>Azure AI Search</a:t>
-            </a:r>
-          </a:p>
-          <a:p>
-            <a:pPr marL="265176" marR="0" lvl="1" indent="-128016" algn="l" defTabSz="932742" rtl="0" eaLnBrk="1" fontAlgn="auto" latinLnBrk="0" hangingPunct="1">
-              <a:lnSpc>
-                <a:spcPct val="100000"/>
-              </a:lnSpc>
-              <a:spcBef>
-                <a:spcPct val="20000"/>
-              </a:spcBef>
-              <a:spcAft>
-                <a:spcPts val="0"/>
-              </a:spcAft>
-              <a:buClrTx/>
-              <a:buSzPct val="90000"/>
-              <a:buFont typeface="Arial" panose="020B0604020202020204" pitchFamily="34" charset="0"/>
-              <a:buChar char="•"/>
-              <a:tabLst/>
-              <a:defRPr/>
-            </a:pPr>
-            <a:r>
-              <a:rPr lang="en-US" sz="1300" dirty="0">
-                <a:solidFill>
-                  <a:srgbClr val="FFFFFF"/>
-                </a:solidFill>
-                <a:latin typeface="Segoe UI"/>
-              </a:rPr>
-              <a:t>s</a:t>
-            </a:r>
-            <a:r>
-              <a:rPr kumimoji="0" lang="en-US" sz="1300" b="0" i="0" u="none" strike="noStrike" kern="1200" cap="none" spc="0" normalizeH="0" baseline="0" noProof="0" dirty="0" err="1">
-                <a:ln>
-                  <a:noFill/>
-                </a:ln>
-                <a:solidFill>
-                  <a:srgbClr val="FFFFFF"/>
-                </a:solidFill>
-                <a:effectLst/>
-                <a:uLnTx/>
-                <a:uFillTx/>
-                <a:latin typeface="Segoe UI"/>
-                <a:ea typeface="+mn-ea"/>
-                <a:cs typeface="+mn-cs"/>
-              </a:rPr>
-              <a:t>hadow_search</a:t>
-            </a:r>
-            <a:endParaRPr kumimoji="0" lang="en-US" sz="1300" b="0" i="0" u="none" strike="noStrike" kern="1200" cap="none" spc="0" normalizeH="0" baseline="0" noProof="0" dirty="0">
-              <a:ln>
-                <a:noFill/>
-              </a:ln>
-              <a:solidFill>
-                <a:srgbClr val="FFFFFF"/>
-              </a:solidFill>
-              <a:effectLst/>
-              <a:uLnTx/>
-              <a:uFillTx/>
-              <a:latin typeface="Segoe UI"/>
-              <a:ea typeface="+mn-ea"/>
-              <a:cs typeface="+mn-cs"/>
-            </a:endParaRPr>
-          </a:p>
-          <a:p>
-            <a:pPr marL="265176" marR="0" lvl="1" indent="-128016" algn="l" defTabSz="932742" rtl="0" eaLnBrk="1" fontAlgn="auto" latinLnBrk="0" hangingPunct="1">
-              <a:lnSpc>
-                <a:spcPct val="100000"/>
-              </a:lnSpc>
-              <a:spcBef>
-                <a:spcPct val="20000"/>
-              </a:spcBef>
-              <a:spcAft>
-                <a:spcPts val="0"/>
-              </a:spcAft>
-              <a:buClrTx/>
-              <a:buSzPct val="90000"/>
-              <a:buFont typeface="Arial" panose="020B0604020202020204" pitchFamily="34" charset="0"/>
-              <a:buChar char="•"/>
-              <a:tabLst/>
-              <a:defRPr/>
-            </a:pPr>
-            <a:r>
-              <a:rPr kumimoji="0" lang="en-US" sz="1300" b="0" i="0" u="none" strike="noStrike" kern="1200" cap="none" spc="0" normalizeH="0" baseline="0" noProof="0" dirty="0">
-                <a:ln>
-                  <a:noFill/>
-                </a:ln>
-                <a:solidFill>
-                  <a:srgbClr val="FFFFFF"/>
-                </a:solidFill>
-                <a:effectLst/>
-                <a:uLnTx/>
-                <a:uFillTx/>
-                <a:latin typeface="Segoe UI"/>
-                <a:ea typeface="+mn-ea"/>
-                <a:cs typeface="+mn-cs"/>
-              </a:rPr>
-              <a:t>Index of core sales methodology</a:t>
-            </a:r>
-          </a:p>
-          <a:p>
-            <a:pPr marL="265176" marR="0" lvl="1" indent="-128016" algn="l" defTabSz="932742" rtl="0" eaLnBrk="1" fontAlgn="auto" latinLnBrk="0" hangingPunct="1">
-              <a:lnSpc>
-                <a:spcPct val="100000"/>
-              </a:lnSpc>
-              <a:spcBef>
-                <a:spcPct val="20000"/>
-              </a:spcBef>
-              <a:spcAft>
-                <a:spcPts val="0"/>
-              </a:spcAft>
-              <a:buClrTx/>
-              <a:buSzPct val="90000"/>
-              <a:buFont typeface="Arial" panose="020B0604020202020204" pitchFamily="34" charset="0"/>
-              <a:buChar char="•"/>
-              <a:tabLst/>
-              <a:defRPr/>
-            </a:pPr>
-            <a:r>
-              <a:rPr lang="en-US" sz="1300" dirty="0">
-                <a:solidFill>
-                  <a:srgbClr val="FFFFFF"/>
-                </a:solidFill>
-                <a:latin typeface="Segoe UI"/>
-              </a:rPr>
-              <a:t>shadow-sales-index</a:t>
-            </a:r>
-            <a:endParaRPr kumimoji="0" lang="en-US" sz="1300" b="0" i="0" u="none" strike="noStrike" kern="1200" cap="none" spc="0" normalizeH="0" baseline="0" noProof="0" dirty="0">
-              <a:ln>
-                <a:noFill/>
-              </a:ln>
-              <a:solidFill>
-                <a:srgbClr val="FFFFFF"/>
-              </a:solidFill>
-              <a:effectLst/>
-              <a:uLnTx/>
-              <a:uFillTx/>
-              <a:latin typeface="Segoe UI"/>
-              <a:ea typeface="+mn-ea"/>
-              <a:cs typeface="+mn-cs"/>
-            </a:endParaRPr>
-          </a:p>
-          <a:p>
-            <a:pPr marL="0" marR="0" lvl="0" indent="0" algn="l" defTabSz="932742" rtl="0" eaLnBrk="1" fontAlgn="auto" latinLnBrk="0" hangingPunct="1">
-              <a:lnSpc>
-                <a:spcPct val="100000"/>
-              </a:lnSpc>
-              <a:spcBef>
-                <a:spcPts val="0"/>
-              </a:spcBef>
-              <a:spcAft>
-                <a:spcPts val="0"/>
-              </a:spcAft>
-              <a:buClrTx/>
-              <a:buSzPct val="90000"/>
-              <a:buFont typeface="Arial" panose="020B0604020202020204" pitchFamily="34" charset="0"/>
-              <a:buNone/>
-              <a:tabLst/>
-              <a:defRPr/>
-            </a:pPr>
-            <a:endParaRPr kumimoji="0" lang="en-US" sz="1200" b="0" i="0" u="none" strike="noStrike" kern="1200" cap="none" spc="0" normalizeH="0" baseline="0" noProof="0" dirty="0">
-              <a:ln>
-                <a:noFill/>
-              </a:ln>
-              <a:solidFill>
-                <a:srgbClr val="FFFFFF"/>
-              </a:solidFill>
-              <a:effectLst/>
-              <a:uLnTx/>
-              <a:uFillTx/>
-              <a:latin typeface="Segoe UI Semibold"/>
-              <a:ea typeface="+mn-ea"/>
-              <a:cs typeface="Segoe UI Semilight" panose="020B0402040204020203" pitchFamily="34" charset="0"/>
-            </a:endParaRPr>
-          </a:p>
-        </p:txBody>
-      </p:sp>
-      <p:sp>
-        <p:nvSpPr>
-          <p:cNvPr id="61" name="Text Placeholder 4">
-            <a:extLst>
-              <a:ext uri="{FF2B5EF4-FFF2-40B4-BE49-F238E27FC236}">
-                <a16:creationId xmlns:a16="http://schemas.microsoft.com/office/drawing/2014/main" id="{85659C61-75DF-37E6-38F3-F5CD1C4BD510}"/>
-              </a:ext>
-            </a:extLst>
-          </p:cNvPr>
-          <p:cNvSpPr txBox="1">
-            <a:spLocks/>
-          </p:cNvSpPr>
-          <p:nvPr/>
-        </p:nvSpPr>
-        <p:spPr>
-          <a:xfrm>
-            <a:off x="2600894" y="3779931"/>
-            <a:ext cx="1610413" cy="892552"/>
-          </a:xfrm>
-          <a:prstGeom prst="rect">
-            <a:avLst/>
-          </a:prstGeom>
-        </p:spPr>
-        <p:txBody>
-          <a:bodyPr vert="horz" wrap="square" lIns="0" tIns="0" rIns="0" bIns="0" rtlCol="0" anchor="t">
-            <a:spAutoFit/>
-          </a:bodyPr>
-          <a:lstStyle>
-            <a:lvl1pPr marL="0" marR="0" indent="0" algn="l" defTabSz="932742" rtl="0" eaLnBrk="1" fontAlgn="auto" latinLnBrk="0" hangingPunct="1">
-              <a:lnSpc>
-                <a:spcPct val="100000"/>
-              </a:lnSpc>
-              <a:spcBef>
-                <a:spcPts val="0"/>
-              </a:spcBef>
-              <a:spcAft>
-                <a:spcPts val="0"/>
-              </a:spcAft>
-              <a:buClrTx/>
-              <a:buSzPct val="90000"/>
-              <a:buFont typeface="Arial" panose="020B0604020202020204" pitchFamily="34" charset="0"/>
-              <a:buNone/>
-              <a:tabLst/>
-              <a:defRPr sz="1200" kern="1200" spc="0" baseline="0">
-                <a:solidFill>
-                  <a:schemeClr val="tx1"/>
-                </a:solidFill>
-                <a:latin typeface="+mj-lt"/>
-                <a:ea typeface="+mn-ea"/>
-                <a:cs typeface="Segoe UI Semilight" panose="020B0402040204020203" pitchFamily="34" charset="0"/>
-              </a:defRPr>
-            </a:lvl1pPr>
-            <a:lvl2pPr marL="265176" marR="0" indent="-128016" algn="l" defTabSz="932742" rtl="0" eaLnBrk="1" fontAlgn="auto" latinLnBrk="0" hangingPunct="1">
-              <a:lnSpc>
-                <a:spcPct val="100000"/>
-              </a:lnSpc>
-              <a:spcBef>
-                <a:spcPct val="20000"/>
-              </a:spcBef>
-              <a:spcAft>
-                <a:spcPts val="0"/>
-              </a:spcAft>
-              <a:buClrTx/>
-              <a:buSzPct val="90000"/>
-              <a:buFont typeface="Arial" panose="020B0604020202020204" pitchFamily="34" charset="0"/>
-              <a:buChar char="•"/>
-              <a:tabLst/>
-              <a:defRPr sz="1400" kern="1200" spc="0" baseline="0">
-                <a:solidFill>
-                  <a:schemeClr val="tx1"/>
-                </a:solidFill>
-                <a:latin typeface="+mn-lt"/>
-                <a:ea typeface="+mn-ea"/>
-                <a:cs typeface="+mn-cs"/>
-              </a:defRPr>
-            </a:lvl2pPr>
-            <a:lvl3pPr marL="384048" marR="0" indent="-118872" algn="l" defTabSz="932742" rtl="0" eaLnBrk="1" fontAlgn="auto" latinLnBrk="0" hangingPunct="1">
-              <a:lnSpc>
-                <a:spcPct val="100000"/>
-              </a:lnSpc>
-              <a:spcBef>
-                <a:spcPct val="20000"/>
-              </a:spcBef>
-              <a:spcAft>
-                <a:spcPts val="0"/>
-              </a:spcAft>
-              <a:buClrTx/>
-              <a:buSzPct val="90000"/>
-              <a:buFont typeface="Arial" panose="020B0604020202020204" pitchFamily="34" charset="0"/>
-              <a:buChar char="•"/>
-              <a:tabLst/>
-              <a:defRPr sz="1200" kern="1200" spc="0" baseline="0">
-                <a:solidFill>
-                  <a:schemeClr val="tx1"/>
-                </a:solidFill>
-                <a:latin typeface="+mn-lt"/>
-                <a:ea typeface="+mn-ea"/>
-                <a:cs typeface="+mn-cs"/>
-              </a:defRPr>
-            </a:lvl3pPr>
-            <a:lvl4pPr marL="842963" marR="0" indent="-180975" algn="l" defTabSz="932742" rtl="0" eaLnBrk="1" fontAlgn="auto" latinLnBrk="0" hangingPunct="1">
-              <a:lnSpc>
-                <a:spcPct val="100000"/>
-              </a:lnSpc>
-              <a:spcBef>
-                <a:spcPct val="20000"/>
-              </a:spcBef>
-              <a:spcAft>
-                <a:spcPts val="0"/>
-              </a:spcAft>
-              <a:buClrTx/>
-              <a:buSzPct val="90000"/>
-              <a:buFont typeface="Wingdings" panose="05000000000000000000" pitchFamily="2" charset="2"/>
-              <a:buChar char=""/>
-              <a:tabLst/>
-              <a:defRPr sz="1000" kern="1200" spc="0" baseline="0">
-                <a:gradFill>
-                  <a:gsLst>
-                    <a:gs pos="1250">
-                      <a:schemeClr val="tx1"/>
-                    </a:gs>
-                    <a:gs pos="100000">
-                      <a:schemeClr val="tx1"/>
-                    </a:gs>
-                  </a:gsLst>
-                  <a:lin ang="5400000" scaled="0"/>
-                </a:gradFill>
-                <a:latin typeface="+mn-lt"/>
-                <a:ea typeface="+mn-ea"/>
-                <a:cs typeface="+mn-cs"/>
-              </a:defRPr>
-            </a:lvl4pPr>
-            <a:lvl5pPr marL="1023938" marR="0" indent="-168275" algn="l" defTabSz="932742" rtl="0" eaLnBrk="1" fontAlgn="auto" latinLnBrk="0" hangingPunct="1">
-              <a:lnSpc>
-                <a:spcPct val="100000"/>
-              </a:lnSpc>
-              <a:spcBef>
-                <a:spcPct val="20000"/>
-              </a:spcBef>
-              <a:spcAft>
-                <a:spcPts val="0"/>
-              </a:spcAft>
-              <a:buClrTx/>
-              <a:buSzPct val="90000"/>
-              <a:buFont typeface="Wingdings" panose="05000000000000000000" pitchFamily="2" charset="2"/>
-              <a:buChar char=""/>
-              <a:tabLst/>
-              <a:defRPr sz="800" kern="1200" spc="0" baseline="0">
-                <a:gradFill>
-                  <a:gsLst>
-                    <a:gs pos="1250">
-                      <a:schemeClr val="tx1"/>
-                    </a:gs>
-                    <a:gs pos="100000">
-                      <a:schemeClr val="tx1"/>
-                    </a:gs>
-                  </a:gsLst>
-                  <a:lin ang="5400000" scaled="0"/>
-                </a:gradFill>
-                <a:latin typeface="+mn-lt"/>
-                <a:ea typeface="+mn-ea"/>
-                <a:cs typeface="+mn-cs"/>
-              </a:defRPr>
-            </a:lvl5pPr>
-            <a:lvl6pPr marL="2565040" indent="-233186" algn="l" defTabSz="932742" rtl="0" eaLnBrk="1" latinLnBrk="0" hangingPunct="1">
-              <a:spcBef>
-                <a:spcPct val="20000"/>
-              </a:spcBef>
-              <a:buFont typeface="Arial" pitchFamily="34" charset="0"/>
-              <a:buChar char="•"/>
-              <a:defRPr sz="2000" kern="1200">
-                <a:solidFill>
-                  <a:schemeClr val="tx1"/>
-                </a:solidFill>
-                <a:latin typeface="+mn-lt"/>
-                <a:ea typeface="+mn-ea"/>
-                <a:cs typeface="+mn-cs"/>
-              </a:defRPr>
-            </a:lvl6pPr>
-            <a:lvl7pPr marL="3031412" indent="-233186" algn="l" defTabSz="932742" rtl="0" eaLnBrk="1" latinLnBrk="0" hangingPunct="1">
-              <a:spcBef>
-                <a:spcPct val="20000"/>
-              </a:spcBef>
-              <a:buFont typeface="Arial" pitchFamily="34" charset="0"/>
-              <a:buChar char="•"/>
-              <a:defRPr sz="2000" kern="1200">
-                <a:solidFill>
-                  <a:schemeClr val="tx1"/>
-                </a:solidFill>
-                <a:latin typeface="+mn-lt"/>
-                <a:ea typeface="+mn-ea"/>
-                <a:cs typeface="+mn-cs"/>
-              </a:defRPr>
-            </a:lvl7pPr>
-            <a:lvl8pPr marL="3497783" indent="-233186" algn="l" defTabSz="932742" rtl="0" eaLnBrk="1" latinLnBrk="0" hangingPunct="1">
-              <a:spcBef>
-                <a:spcPct val="20000"/>
-              </a:spcBef>
-              <a:buFont typeface="Arial" pitchFamily="34" charset="0"/>
-              <a:buChar char="•"/>
-              <a:defRPr sz="2000" kern="1200">
-                <a:solidFill>
-                  <a:schemeClr val="tx1"/>
-                </a:solidFill>
-                <a:latin typeface="+mn-lt"/>
-                <a:ea typeface="+mn-ea"/>
-                <a:cs typeface="+mn-cs"/>
-              </a:defRPr>
-            </a:lvl8pPr>
-            <a:lvl9pPr marL="3964155" indent="-233186" algn="l" defTabSz="932742" rtl="0" eaLnBrk="1" latinLnBrk="0" hangingPunct="1">
-              <a:spcBef>
-                <a:spcPct val="20000"/>
-              </a:spcBef>
-              <a:buFont typeface="Arial" pitchFamily="34" charset="0"/>
-              <a:buChar char="•"/>
-              <a:defRPr sz="2000" kern="1200">
-                <a:solidFill>
-                  <a:schemeClr val="tx1"/>
-                </a:solidFill>
-                <a:latin typeface="+mn-lt"/>
-                <a:ea typeface="+mn-ea"/>
-                <a:cs typeface="+mn-cs"/>
-              </a:defRPr>
-            </a:lvl9pPr>
-          </a:lstStyle>
-          <a:p>
-            <a:pPr marL="0" marR="0" lvl="0" indent="0" algn="l" defTabSz="932742" rtl="0" eaLnBrk="1" fontAlgn="auto" latinLnBrk="0" hangingPunct="1">
-              <a:lnSpc>
-                <a:spcPct val="100000"/>
-              </a:lnSpc>
-              <a:spcBef>
-                <a:spcPts val="0"/>
-              </a:spcBef>
-              <a:spcAft>
-                <a:spcPts val="0"/>
-              </a:spcAft>
-              <a:buClrTx/>
-              <a:buSzPct val="90000"/>
-              <a:buFont typeface="Arial" panose="020B0604020202020204" pitchFamily="34" charset="0"/>
-              <a:buNone/>
-              <a:tabLst/>
-              <a:defRPr/>
-            </a:pPr>
-            <a:r>
               <a:rPr kumimoji="0" lang="en-US" sz="1600" b="0" i="0" u="none" strike="noStrike" kern="1200" cap="none" spc="0" normalizeH="0" baseline="0" noProof="0" dirty="0" err="1">
                 <a:ln>
                   <a:noFill/>
@@ -25394,10 +21080,10 @@
         </p:nvGrpSpPr>
         <p:grpSpPr>
           <a:xfrm>
-            <a:off x="397626" y="1968193"/>
-            <a:ext cx="2712643" cy="1755938"/>
+            <a:off x="397627" y="1968193"/>
+            <a:ext cx="2744828" cy="1755938"/>
             <a:chOff x="5930125" y="-234410"/>
-            <a:chExt cx="2463449" cy="1673839"/>
+            <a:chExt cx="2492677" cy="1673839"/>
           </a:xfrm>
         </p:grpSpPr>
         <p:pic>
@@ -25415,10 +21101,10 @@
             <p:nvPr/>
           </p:nvPicPr>
           <p:blipFill>
-            <a:blip r:embed="rId5">
+            <a:blip r:embed="rId3">
               <a:extLst>
                 <a:ext uri="{96DAC541-7B7A-43D3-8B79-37D633B846F1}">
-                  <asvg:svgBlip xmlns:asvg="http://schemas.microsoft.com/office/drawing/2016/SVG/main" r:embed="rId6"/>
+                  <asvg:svgBlip xmlns:asvg="http://schemas.microsoft.com/office/drawing/2016/SVG/main" r:embed="rId4"/>
                 </a:ext>
               </a:extLst>
             </a:blip>
@@ -25547,7 +21233,7 @@
           </p:nvSpPr>
           <p:spPr>
             <a:xfrm>
-              <a:off x="6505928" y="-48831"/>
+              <a:off x="6568208" y="-48831"/>
               <a:ext cx="1854594" cy="726131"/>
             </a:xfrm>
             <a:prstGeom prst="rect">
@@ -25899,1049 +21585,6 @@
       </p:grpSp>
       <p:cxnSp>
         <p:nvCxnSpPr>
-          <p:cNvPr id="36" name="Straight Arrow Connector 35">
-            <a:extLst>
-              <a:ext uri="{FF2B5EF4-FFF2-40B4-BE49-F238E27FC236}">
-                <a16:creationId xmlns:a16="http://schemas.microsoft.com/office/drawing/2014/main" id="{60B7F2D4-EA24-77D4-A2F1-F0071D30E6ED}"/>
-              </a:ext>
-            </a:extLst>
-          </p:cNvPr>
-          <p:cNvCxnSpPr>
-            <a:cxnSpLocks/>
-          </p:cNvCxnSpPr>
-          <p:nvPr/>
-        </p:nvCxnSpPr>
-        <p:spPr>
-          <a:xfrm flipV="1">
-            <a:off x="6063916" y="2451982"/>
-            <a:ext cx="1610414" cy="748418"/>
-          </a:xfrm>
-          <a:prstGeom prst="straightConnector1">
-            <a:avLst/>
-          </a:prstGeom>
-          <a:ln w="38100">
-            <a:solidFill>
-              <a:schemeClr val="accent3">
-                <a:lumMod val="40000"/>
-                <a:lumOff val="60000"/>
-              </a:schemeClr>
-            </a:solidFill>
-            <a:headEnd type="triangle" w="med" len="med"/>
-            <a:tailEnd type="triangle" w="med" len="med"/>
-          </a:ln>
-        </p:spPr>
-        <p:style>
-          <a:lnRef idx="1">
-            <a:schemeClr val="accent1"/>
-          </a:lnRef>
-          <a:fillRef idx="0">
-            <a:schemeClr val="accent1"/>
-          </a:fillRef>
-          <a:effectRef idx="0">
-            <a:schemeClr val="accent1"/>
-          </a:effectRef>
-          <a:fontRef idx="minor">
-            <a:schemeClr val="tx1"/>
-          </a:fontRef>
-        </p:style>
-      </p:cxnSp>
-      <p:cxnSp>
-        <p:nvCxnSpPr>
-          <p:cNvPr id="67" name="Straight Arrow Connector 66">
-            <a:extLst>
-              <a:ext uri="{FF2B5EF4-FFF2-40B4-BE49-F238E27FC236}">
-                <a16:creationId xmlns:a16="http://schemas.microsoft.com/office/drawing/2014/main" id="{F3FA2BAA-0C46-BC55-7E47-A2F291B3715C}"/>
-              </a:ext>
-            </a:extLst>
-          </p:cNvPr>
-          <p:cNvCxnSpPr>
-            <a:cxnSpLocks/>
-          </p:cNvCxnSpPr>
-          <p:nvPr/>
-        </p:nvCxnSpPr>
-        <p:spPr>
-          <a:xfrm>
-            <a:off x="6063916" y="3557337"/>
-            <a:ext cx="1610414" cy="1021210"/>
-          </a:xfrm>
-          <a:prstGeom prst="straightConnector1">
-            <a:avLst/>
-          </a:prstGeom>
-          <a:ln w="38100">
-            <a:solidFill>
-              <a:schemeClr val="accent3">
-                <a:lumMod val="40000"/>
-                <a:lumOff val="60000"/>
-              </a:schemeClr>
-            </a:solidFill>
-            <a:headEnd type="triangle" w="med" len="med"/>
-            <a:tailEnd type="triangle" w="med" len="med"/>
-          </a:ln>
-        </p:spPr>
-        <p:style>
-          <a:lnRef idx="1">
-            <a:schemeClr val="accent1"/>
-          </a:lnRef>
-          <a:fillRef idx="0">
-            <a:schemeClr val="accent1"/>
-          </a:fillRef>
-          <a:effectRef idx="0">
-            <a:schemeClr val="accent1"/>
-          </a:effectRef>
-          <a:fontRef idx="minor">
-            <a:schemeClr val="tx1"/>
-          </a:fontRef>
-        </p:style>
-      </p:cxnSp>
-      <p:pic>
-        <p:nvPicPr>
-          <p:cNvPr id="6" name="Picture 5" descr="A black background with a black square&#10;&#10;Description automatically generated with medium confidence">
-            <a:extLst>
-              <a:ext uri="{FF2B5EF4-FFF2-40B4-BE49-F238E27FC236}">
-                <a16:creationId xmlns:a16="http://schemas.microsoft.com/office/drawing/2014/main" id="{B45F4F33-D255-E9CF-5000-84AEA1FEABD9}"/>
-              </a:ext>
-            </a:extLst>
-          </p:cNvPr>
-          <p:cNvPicPr>
-            <a:picLocks noChangeAspect="1"/>
-          </p:cNvPicPr>
-          <p:nvPr/>
-        </p:nvPicPr>
-        <p:blipFill>
-          <a:blip r:embed="rId7">
-            <a:extLst>
-              <a:ext uri="{28A0092B-C50C-407E-A947-70E740481C1C}">
-                <a14:useLocalDpi xmlns:a14="http://schemas.microsoft.com/office/drawing/2010/main" val="0"/>
-              </a:ext>
-            </a:extLst>
-          </a:blip>
-          <a:stretch>
-            <a:fillRect/>
-          </a:stretch>
-        </p:blipFill>
-        <p:spPr>
-          <a:xfrm>
-            <a:off x="4936483" y="3056961"/>
-            <a:ext cx="630542" cy="638966"/>
-          </a:xfrm>
-          <a:prstGeom prst="flowChartConnector">
-            <a:avLst/>
-          </a:prstGeom>
-          <a:solidFill>
-            <a:schemeClr val="tx1"/>
-          </a:solidFill>
-        </p:spPr>
-      </p:pic>
-      <p:sp>
-        <p:nvSpPr>
-          <p:cNvPr id="13" name="Text Placeholder 4">
-            <a:extLst>
-              <a:ext uri="{FF2B5EF4-FFF2-40B4-BE49-F238E27FC236}">
-                <a16:creationId xmlns:a16="http://schemas.microsoft.com/office/drawing/2014/main" id="{1A41BFB6-ED8A-3377-B3B4-E552186E62E1}"/>
-              </a:ext>
-            </a:extLst>
-          </p:cNvPr>
-          <p:cNvSpPr txBox="1">
-            <a:spLocks/>
-          </p:cNvSpPr>
-          <p:nvPr/>
-        </p:nvSpPr>
-        <p:spPr>
-          <a:xfrm>
-            <a:off x="4466564" y="3826694"/>
-            <a:ext cx="2168884" cy="1311128"/>
-          </a:xfrm>
-          <a:prstGeom prst="rect">
-            <a:avLst/>
-          </a:prstGeom>
-        </p:spPr>
-        <p:txBody>
-          <a:bodyPr vert="horz" wrap="square" lIns="0" tIns="0" rIns="0" bIns="0" rtlCol="0" anchor="t">
-            <a:spAutoFit/>
-          </a:bodyPr>
-          <a:lstStyle>
-            <a:lvl1pPr marL="0" marR="0" indent="0" algn="l" defTabSz="932742" rtl="0" eaLnBrk="1" fontAlgn="auto" latinLnBrk="0" hangingPunct="1">
-              <a:lnSpc>
-                <a:spcPct val="100000"/>
-              </a:lnSpc>
-              <a:spcBef>
-                <a:spcPts val="0"/>
-              </a:spcBef>
-              <a:spcAft>
-                <a:spcPts val="0"/>
-              </a:spcAft>
-              <a:buClrTx/>
-              <a:buSzPct val="90000"/>
-              <a:buFont typeface="Arial" panose="020B0604020202020204" pitchFamily="34" charset="0"/>
-              <a:buNone/>
-              <a:tabLst/>
-              <a:defRPr sz="1200" kern="1200" spc="0" baseline="0">
-                <a:solidFill>
-                  <a:schemeClr val="tx1"/>
-                </a:solidFill>
-                <a:latin typeface="+mj-lt"/>
-                <a:ea typeface="+mn-ea"/>
-                <a:cs typeface="Segoe UI Semilight" panose="020B0402040204020203" pitchFamily="34" charset="0"/>
-              </a:defRPr>
-            </a:lvl1pPr>
-            <a:lvl2pPr marL="265176" marR="0" indent="-128016" algn="l" defTabSz="932742" rtl="0" eaLnBrk="1" fontAlgn="auto" latinLnBrk="0" hangingPunct="1">
-              <a:lnSpc>
-                <a:spcPct val="100000"/>
-              </a:lnSpc>
-              <a:spcBef>
-                <a:spcPct val="20000"/>
-              </a:spcBef>
-              <a:spcAft>
-                <a:spcPts val="0"/>
-              </a:spcAft>
-              <a:buClrTx/>
-              <a:buSzPct val="90000"/>
-              <a:buFont typeface="Arial" panose="020B0604020202020204" pitchFamily="34" charset="0"/>
-              <a:buChar char="•"/>
-              <a:tabLst/>
-              <a:defRPr sz="1400" kern="1200" spc="0" baseline="0">
-                <a:solidFill>
-                  <a:schemeClr val="tx1"/>
-                </a:solidFill>
-                <a:latin typeface="+mn-lt"/>
-                <a:ea typeface="+mn-ea"/>
-                <a:cs typeface="+mn-cs"/>
-              </a:defRPr>
-            </a:lvl2pPr>
-            <a:lvl3pPr marL="384048" marR="0" indent="-118872" algn="l" defTabSz="932742" rtl="0" eaLnBrk="1" fontAlgn="auto" latinLnBrk="0" hangingPunct="1">
-              <a:lnSpc>
-                <a:spcPct val="100000"/>
-              </a:lnSpc>
-              <a:spcBef>
-                <a:spcPct val="20000"/>
-              </a:spcBef>
-              <a:spcAft>
-                <a:spcPts val="0"/>
-              </a:spcAft>
-              <a:buClrTx/>
-              <a:buSzPct val="90000"/>
-              <a:buFont typeface="Arial" panose="020B0604020202020204" pitchFamily="34" charset="0"/>
-              <a:buChar char="•"/>
-              <a:tabLst/>
-              <a:defRPr sz="1200" kern="1200" spc="0" baseline="0">
-                <a:solidFill>
-                  <a:schemeClr val="tx1"/>
-                </a:solidFill>
-                <a:latin typeface="+mn-lt"/>
-                <a:ea typeface="+mn-ea"/>
-                <a:cs typeface="+mn-cs"/>
-              </a:defRPr>
-            </a:lvl3pPr>
-            <a:lvl4pPr marL="842963" marR="0" indent="-180975" algn="l" defTabSz="932742" rtl="0" eaLnBrk="1" fontAlgn="auto" latinLnBrk="0" hangingPunct="1">
-              <a:lnSpc>
-                <a:spcPct val="100000"/>
-              </a:lnSpc>
-              <a:spcBef>
-                <a:spcPct val="20000"/>
-              </a:spcBef>
-              <a:spcAft>
-                <a:spcPts val="0"/>
-              </a:spcAft>
-              <a:buClrTx/>
-              <a:buSzPct val="90000"/>
-              <a:buFont typeface="Wingdings" panose="05000000000000000000" pitchFamily="2" charset="2"/>
-              <a:buChar char=""/>
-              <a:tabLst/>
-              <a:defRPr sz="1000" kern="1200" spc="0" baseline="0">
-                <a:gradFill>
-                  <a:gsLst>
-                    <a:gs pos="1250">
-                      <a:schemeClr val="tx1"/>
-                    </a:gs>
-                    <a:gs pos="100000">
-                      <a:schemeClr val="tx1"/>
-                    </a:gs>
-                  </a:gsLst>
-                  <a:lin ang="5400000" scaled="0"/>
-                </a:gradFill>
-                <a:latin typeface="+mn-lt"/>
-                <a:ea typeface="+mn-ea"/>
-                <a:cs typeface="+mn-cs"/>
-              </a:defRPr>
-            </a:lvl4pPr>
-            <a:lvl5pPr marL="1023938" marR="0" indent="-168275" algn="l" defTabSz="932742" rtl="0" eaLnBrk="1" fontAlgn="auto" latinLnBrk="0" hangingPunct="1">
-              <a:lnSpc>
-                <a:spcPct val="100000"/>
-              </a:lnSpc>
-              <a:spcBef>
-                <a:spcPct val="20000"/>
-              </a:spcBef>
-              <a:spcAft>
-                <a:spcPts val="0"/>
-              </a:spcAft>
-              <a:buClrTx/>
-              <a:buSzPct val="90000"/>
-              <a:buFont typeface="Wingdings" panose="05000000000000000000" pitchFamily="2" charset="2"/>
-              <a:buChar char=""/>
-              <a:tabLst/>
-              <a:defRPr sz="800" kern="1200" spc="0" baseline="0">
-                <a:gradFill>
-                  <a:gsLst>
-                    <a:gs pos="1250">
-                      <a:schemeClr val="tx1"/>
-                    </a:gs>
-                    <a:gs pos="100000">
-                      <a:schemeClr val="tx1"/>
-                    </a:gs>
-                  </a:gsLst>
-                  <a:lin ang="5400000" scaled="0"/>
-                </a:gradFill>
-                <a:latin typeface="+mn-lt"/>
-                <a:ea typeface="+mn-ea"/>
-                <a:cs typeface="+mn-cs"/>
-              </a:defRPr>
-            </a:lvl5pPr>
-            <a:lvl6pPr marL="2565040" indent="-233186" algn="l" defTabSz="932742" rtl="0" eaLnBrk="1" latinLnBrk="0" hangingPunct="1">
-              <a:spcBef>
-                <a:spcPct val="20000"/>
-              </a:spcBef>
-              <a:buFont typeface="Arial" pitchFamily="34" charset="0"/>
-              <a:buChar char="•"/>
-              <a:defRPr sz="2000" kern="1200">
-                <a:solidFill>
-                  <a:schemeClr val="tx1"/>
-                </a:solidFill>
-                <a:latin typeface="+mn-lt"/>
-                <a:ea typeface="+mn-ea"/>
-                <a:cs typeface="+mn-cs"/>
-              </a:defRPr>
-            </a:lvl6pPr>
-            <a:lvl7pPr marL="3031412" indent="-233186" algn="l" defTabSz="932742" rtl="0" eaLnBrk="1" latinLnBrk="0" hangingPunct="1">
-              <a:spcBef>
-                <a:spcPct val="20000"/>
-              </a:spcBef>
-              <a:buFont typeface="Arial" pitchFamily="34" charset="0"/>
-              <a:buChar char="•"/>
-              <a:defRPr sz="2000" kern="1200">
-                <a:solidFill>
-                  <a:schemeClr val="tx1"/>
-                </a:solidFill>
-                <a:latin typeface="+mn-lt"/>
-                <a:ea typeface="+mn-ea"/>
-                <a:cs typeface="+mn-cs"/>
-              </a:defRPr>
-            </a:lvl7pPr>
-            <a:lvl8pPr marL="3497783" indent="-233186" algn="l" defTabSz="932742" rtl="0" eaLnBrk="1" latinLnBrk="0" hangingPunct="1">
-              <a:spcBef>
-                <a:spcPct val="20000"/>
-              </a:spcBef>
-              <a:buFont typeface="Arial" pitchFamily="34" charset="0"/>
-              <a:buChar char="•"/>
-              <a:defRPr sz="2000" kern="1200">
-                <a:solidFill>
-                  <a:schemeClr val="tx1"/>
-                </a:solidFill>
-                <a:latin typeface="+mn-lt"/>
-                <a:ea typeface="+mn-ea"/>
-                <a:cs typeface="+mn-cs"/>
-              </a:defRPr>
-            </a:lvl8pPr>
-            <a:lvl9pPr marL="3964155" indent="-233186" algn="l" defTabSz="932742" rtl="0" eaLnBrk="1" latinLnBrk="0" hangingPunct="1">
-              <a:spcBef>
-                <a:spcPct val="20000"/>
-              </a:spcBef>
-              <a:buFont typeface="Arial" pitchFamily="34" charset="0"/>
-              <a:buChar char="•"/>
-              <a:defRPr sz="2000" kern="1200">
-                <a:solidFill>
-                  <a:schemeClr val="tx1"/>
-                </a:solidFill>
-                <a:latin typeface="+mn-lt"/>
-                <a:ea typeface="+mn-ea"/>
-                <a:cs typeface="+mn-cs"/>
-              </a:defRPr>
-            </a:lvl9pPr>
-          </a:lstStyle>
-          <a:p>
-            <a:pPr marL="0" marR="0" lvl="0" indent="0" algn="l" defTabSz="932742" rtl="0" eaLnBrk="1" fontAlgn="auto" latinLnBrk="0" hangingPunct="1">
-              <a:lnSpc>
-                <a:spcPct val="100000"/>
-              </a:lnSpc>
-              <a:spcBef>
-                <a:spcPts val="0"/>
-              </a:spcBef>
-              <a:spcAft>
-                <a:spcPts val="0"/>
-              </a:spcAft>
-              <a:buClrTx/>
-              <a:buSzPct val="90000"/>
-              <a:buFont typeface="Arial" panose="020B0604020202020204" pitchFamily="34" charset="0"/>
-              <a:buNone/>
-              <a:tabLst/>
-              <a:defRPr/>
-            </a:pPr>
-            <a:r>
-              <a:rPr kumimoji="0" lang="en-US" sz="1600" b="0" i="0" u="none" strike="noStrike" kern="1200" cap="none" spc="0" normalizeH="0" baseline="0" noProof="0" dirty="0">
-                <a:ln>
-                  <a:noFill/>
-                </a:ln>
-                <a:solidFill>
-                  <a:srgbClr val="FFFFFF"/>
-                </a:solidFill>
-                <a:effectLst/>
-                <a:uLnTx/>
-                <a:uFillTx/>
-                <a:latin typeface="Segoe UI Semibold"/>
-                <a:ea typeface="+mn-ea"/>
-                <a:cs typeface="Segoe UI Semilight" panose="020B0402040204020203" pitchFamily="34" charset="0"/>
-              </a:rPr>
-              <a:t>OpenAI Realtime API</a:t>
-            </a:r>
-          </a:p>
-          <a:p>
-            <a:pPr marL="265176" marR="0" lvl="1" indent="-128016" algn="l" defTabSz="932742" rtl="0" eaLnBrk="1" fontAlgn="auto" latinLnBrk="0" hangingPunct="1">
-              <a:lnSpc>
-                <a:spcPct val="100000"/>
-              </a:lnSpc>
-              <a:spcBef>
-                <a:spcPct val="20000"/>
-              </a:spcBef>
-              <a:spcAft>
-                <a:spcPts val="0"/>
-              </a:spcAft>
-              <a:buClrTx/>
-              <a:buSzPct val="90000"/>
-              <a:buFont typeface="Arial" panose="020B0604020202020204" pitchFamily="34" charset="0"/>
-              <a:buChar char="•"/>
-              <a:tabLst/>
-              <a:defRPr/>
-            </a:pPr>
-            <a:r>
-              <a:rPr lang="en-US" sz="1300" dirty="0">
-                <a:solidFill>
-                  <a:srgbClr val="FFFFFF"/>
-                </a:solidFill>
-                <a:latin typeface="Segoe UI"/>
-              </a:rPr>
-              <a:t>Shadow Insights Assistant</a:t>
-            </a:r>
-          </a:p>
-          <a:p>
-            <a:pPr marL="265176" marR="0" lvl="1" indent="-128016" algn="l" defTabSz="932742" rtl="0" eaLnBrk="1" fontAlgn="auto" latinLnBrk="0" hangingPunct="1">
-              <a:lnSpc>
-                <a:spcPct val="100000"/>
-              </a:lnSpc>
-              <a:spcBef>
-                <a:spcPct val="20000"/>
-              </a:spcBef>
-              <a:spcAft>
-                <a:spcPts val="0"/>
-              </a:spcAft>
-              <a:buClrTx/>
-              <a:buSzPct val="90000"/>
-              <a:buFont typeface="Arial" panose="020B0604020202020204" pitchFamily="34" charset="0"/>
-              <a:buChar char="•"/>
-              <a:tabLst/>
-              <a:defRPr/>
-            </a:pPr>
-            <a:r>
-              <a:rPr kumimoji="0" lang="en-US" sz="1300" b="0" i="0" u="none" strike="noStrike" kern="1200" cap="none" spc="0" normalizeH="0" baseline="0" noProof="0" dirty="0">
-                <a:ln>
-                  <a:noFill/>
-                </a:ln>
-                <a:solidFill>
-                  <a:srgbClr val="FFFFFF"/>
-                </a:solidFill>
-                <a:effectLst/>
-                <a:uLnTx/>
-                <a:uFillTx/>
-                <a:latin typeface="Segoe UI"/>
-                <a:ea typeface="+mn-ea"/>
-                <a:cs typeface="+mn-cs"/>
-              </a:rPr>
-              <a:t>Search Functions (</a:t>
-            </a:r>
-            <a:r>
-              <a:rPr kumimoji="0" lang="en-US" sz="1300" b="0" i="0" u="none" strike="noStrike" kern="1200" cap="none" spc="0" normalizeH="0" baseline="0" noProof="0" dirty="0" err="1">
-                <a:ln>
-                  <a:noFill/>
-                </a:ln>
-                <a:solidFill>
-                  <a:srgbClr val="FFFFFF"/>
-                </a:solidFill>
-                <a:effectLst/>
-                <a:uLnTx/>
-                <a:uFillTx/>
-                <a:latin typeface="Segoe UI"/>
-                <a:ea typeface="+mn-ea"/>
-                <a:cs typeface="+mn-cs"/>
-              </a:rPr>
-              <a:t>shadow_search</a:t>
-            </a:r>
-            <a:r>
-              <a:rPr kumimoji="0" lang="en-US" sz="1300" b="0" i="0" u="none" strike="noStrike" kern="1200" cap="none" spc="0" normalizeH="0" baseline="0" noProof="0" dirty="0">
-                <a:ln>
-                  <a:noFill/>
-                </a:ln>
-                <a:solidFill>
-                  <a:srgbClr val="FFFFFF"/>
-                </a:solidFill>
-                <a:effectLst/>
-                <a:uLnTx/>
-                <a:uFillTx/>
-                <a:latin typeface="Segoe UI"/>
-                <a:ea typeface="+mn-ea"/>
-                <a:cs typeface="+mn-cs"/>
-              </a:rPr>
-              <a:t> and </a:t>
-            </a:r>
-            <a:r>
-              <a:rPr kumimoji="0" lang="en-US" sz="1300" b="0" i="0" u="none" strike="noStrike" kern="1200" cap="none" spc="0" normalizeH="0" baseline="0" noProof="0" dirty="0" err="1">
-                <a:ln>
-                  <a:noFill/>
-                </a:ln>
-                <a:solidFill>
-                  <a:srgbClr val="FFFFFF"/>
-                </a:solidFill>
-                <a:effectLst/>
-                <a:uLnTx/>
-                <a:uFillTx/>
-                <a:latin typeface="Segoe UI"/>
-                <a:ea typeface="+mn-ea"/>
-                <a:cs typeface="+mn-cs"/>
-              </a:rPr>
-              <a:t>profile_prospect</a:t>
-            </a:r>
-            <a:r>
-              <a:rPr kumimoji="0" lang="en-US" sz="1300" b="0" i="0" u="none" strike="noStrike" kern="1200" cap="none" spc="0" normalizeH="0" baseline="0" noProof="0" dirty="0">
-                <a:ln>
-                  <a:noFill/>
-                </a:ln>
-                <a:solidFill>
-                  <a:srgbClr val="FFFFFF"/>
-                </a:solidFill>
-                <a:effectLst/>
-                <a:uLnTx/>
-                <a:uFillTx/>
-                <a:latin typeface="Segoe UI"/>
-                <a:ea typeface="+mn-ea"/>
-                <a:cs typeface="+mn-cs"/>
-              </a:rPr>
-              <a:t>)</a:t>
-            </a:r>
-            <a:endParaRPr kumimoji="0" lang="en-US" sz="1400" b="0" i="0" u="none" strike="noStrike" kern="1200" cap="none" spc="0" normalizeH="0" baseline="0" noProof="0" dirty="0">
-              <a:ln>
-                <a:noFill/>
-              </a:ln>
-              <a:solidFill>
-                <a:srgbClr val="FFFFFF"/>
-              </a:solidFill>
-              <a:effectLst/>
-              <a:uLnTx/>
-              <a:uFillTx/>
-              <a:latin typeface="Segoe UI"/>
-              <a:ea typeface="+mn-ea"/>
-              <a:cs typeface="+mn-cs"/>
-            </a:endParaRPr>
-          </a:p>
-          <a:p>
-            <a:pPr marL="0" marR="0" lvl="0" indent="0" algn="l" defTabSz="932742" rtl="0" eaLnBrk="1" fontAlgn="auto" latinLnBrk="0" hangingPunct="1">
-              <a:lnSpc>
-                <a:spcPct val="100000"/>
-              </a:lnSpc>
-              <a:spcBef>
-                <a:spcPts val="0"/>
-              </a:spcBef>
-              <a:spcAft>
-                <a:spcPts val="0"/>
-              </a:spcAft>
-              <a:buClrTx/>
-              <a:buSzPct val="90000"/>
-              <a:buFont typeface="Arial" panose="020B0604020202020204" pitchFamily="34" charset="0"/>
-              <a:buNone/>
-              <a:tabLst/>
-              <a:defRPr/>
-            </a:pPr>
-            <a:endParaRPr kumimoji="0" lang="en-US" sz="1200" b="0" i="0" u="none" strike="noStrike" kern="1200" cap="none" spc="0" normalizeH="0" baseline="0" noProof="0" dirty="0">
-              <a:ln>
-                <a:noFill/>
-              </a:ln>
-              <a:solidFill>
-                <a:srgbClr val="FFFFFF"/>
-              </a:solidFill>
-              <a:effectLst/>
-              <a:uLnTx/>
-              <a:uFillTx/>
-              <a:latin typeface="Segoe UI Semibold"/>
-              <a:ea typeface="+mn-ea"/>
-              <a:cs typeface="Segoe UI Semilight" panose="020B0402040204020203" pitchFamily="34" charset="0"/>
-            </a:endParaRPr>
-          </a:p>
-        </p:txBody>
-      </p:sp>
-      <p:pic>
-        <p:nvPicPr>
-          <p:cNvPr id="22" name="Graphic 21">
-            <a:extLst>
-              <a:ext uri="{FF2B5EF4-FFF2-40B4-BE49-F238E27FC236}">
-                <a16:creationId xmlns:a16="http://schemas.microsoft.com/office/drawing/2014/main" id="{6C8C6A1B-7188-C267-EAFA-571AEB64A30F}"/>
-              </a:ext>
-            </a:extLst>
-          </p:cNvPr>
-          <p:cNvPicPr>
-            <a:picLocks noChangeAspect="1"/>
-          </p:cNvPicPr>
-          <p:nvPr/>
-        </p:nvPicPr>
-        <p:blipFill>
-          <a:blip r:embed="rId3">
-            <a:extLst>
-              <a:ext uri="{28A0092B-C50C-407E-A947-70E740481C1C}">
-                <a14:useLocalDpi xmlns:a14="http://schemas.microsoft.com/office/drawing/2010/main" val="0"/>
-              </a:ext>
-              <a:ext uri="{96DAC541-7B7A-43D3-8B79-37D633B846F1}">
-                <asvg:svgBlip xmlns:asvg="http://schemas.microsoft.com/office/drawing/2016/SVG/main" r:embed="rId4"/>
-              </a:ext>
-            </a:extLst>
-          </a:blip>
-          <a:stretch>
-            <a:fillRect/>
-          </a:stretch>
-        </p:blipFill>
-        <p:spPr>
-          <a:xfrm>
-            <a:off x="7828156" y="4182731"/>
-            <a:ext cx="731520" cy="731520"/>
-          </a:xfrm>
-          <a:prstGeom prst="rect">
-            <a:avLst/>
-          </a:prstGeom>
-        </p:spPr>
-      </p:pic>
-      <p:sp>
-        <p:nvSpPr>
-          <p:cNvPr id="23" name="Text Placeholder 4">
-            <a:extLst>
-              <a:ext uri="{FF2B5EF4-FFF2-40B4-BE49-F238E27FC236}">
-                <a16:creationId xmlns:a16="http://schemas.microsoft.com/office/drawing/2014/main" id="{BC33B712-90BE-5C97-6579-2CB953E79715}"/>
-              </a:ext>
-            </a:extLst>
-          </p:cNvPr>
-          <p:cNvSpPr txBox="1">
-            <a:spLocks/>
-          </p:cNvSpPr>
-          <p:nvPr/>
-        </p:nvSpPr>
-        <p:spPr>
-          <a:xfrm>
-            <a:off x="7811047" y="4914251"/>
-            <a:ext cx="3217900" cy="1151084"/>
-          </a:xfrm>
-          <a:prstGeom prst="rect">
-            <a:avLst/>
-          </a:prstGeom>
-        </p:spPr>
-        <p:txBody>
-          <a:bodyPr vert="horz" wrap="square" lIns="0" tIns="0" rIns="0" bIns="0" rtlCol="0" anchor="t">
-            <a:spAutoFit/>
-          </a:bodyPr>
-          <a:lstStyle>
-            <a:lvl1pPr marL="0" marR="0" indent="0" algn="l" defTabSz="932742" rtl="0" eaLnBrk="1" fontAlgn="auto" latinLnBrk="0" hangingPunct="1">
-              <a:lnSpc>
-                <a:spcPct val="100000"/>
-              </a:lnSpc>
-              <a:spcBef>
-                <a:spcPts val="0"/>
-              </a:spcBef>
-              <a:spcAft>
-                <a:spcPts val="0"/>
-              </a:spcAft>
-              <a:buClrTx/>
-              <a:buSzPct val="90000"/>
-              <a:buFont typeface="Arial" panose="020B0604020202020204" pitchFamily="34" charset="0"/>
-              <a:buNone/>
-              <a:tabLst/>
-              <a:defRPr sz="1200" kern="1200" spc="0" baseline="0">
-                <a:solidFill>
-                  <a:schemeClr val="tx1"/>
-                </a:solidFill>
-                <a:latin typeface="+mj-lt"/>
-                <a:ea typeface="+mn-ea"/>
-                <a:cs typeface="Segoe UI Semilight" panose="020B0402040204020203" pitchFamily="34" charset="0"/>
-              </a:defRPr>
-            </a:lvl1pPr>
-            <a:lvl2pPr marL="265176" marR="0" indent="-128016" algn="l" defTabSz="932742" rtl="0" eaLnBrk="1" fontAlgn="auto" latinLnBrk="0" hangingPunct="1">
-              <a:lnSpc>
-                <a:spcPct val="100000"/>
-              </a:lnSpc>
-              <a:spcBef>
-                <a:spcPct val="20000"/>
-              </a:spcBef>
-              <a:spcAft>
-                <a:spcPts val="0"/>
-              </a:spcAft>
-              <a:buClrTx/>
-              <a:buSzPct val="90000"/>
-              <a:buFont typeface="Arial" panose="020B0604020202020204" pitchFamily="34" charset="0"/>
-              <a:buChar char="•"/>
-              <a:tabLst/>
-              <a:defRPr sz="1400" kern="1200" spc="0" baseline="0">
-                <a:solidFill>
-                  <a:schemeClr val="tx1"/>
-                </a:solidFill>
-                <a:latin typeface="+mn-lt"/>
-                <a:ea typeface="+mn-ea"/>
-                <a:cs typeface="+mn-cs"/>
-              </a:defRPr>
-            </a:lvl2pPr>
-            <a:lvl3pPr marL="384048" marR="0" indent="-118872" algn="l" defTabSz="932742" rtl="0" eaLnBrk="1" fontAlgn="auto" latinLnBrk="0" hangingPunct="1">
-              <a:lnSpc>
-                <a:spcPct val="100000"/>
-              </a:lnSpc>
-              <a:spcBef>
-                <a:spcPct val="20000"/>
-              </a:spcBef>
-              <a:spcAft>
-                <a:spcPts val="0"/>
-              </a:spcAft>
-              <a:buClrTx/>
-              <a:buSzPct val="90000"/>
-              <a:buFont typeface="Arial" panose="020B0604020202020204" pitchFamily="34" charset="0"/>
-              <a:buChar char="•"/>
-              <a:tabLst/>
-              <a:defRPr sz="1200" kern="1200" spc="0" baseline="0">
-                <a:solidFill>
-                  <a:schemeClr val="tx1"/>
-                </a:solidFill>
-                <a:latin typeface="+mn-lt"/>
-                <a:ea typeface="+mn-ea"/>
-                <a:cs typeface="+mn-cs"/>
-              </a:defRPr>
-            </a:lvl3pPr>
-            <a:lvl4pPr marL="842963" marR="0" indent="-180975" algn="l" defTabSz="932742" rtl="0" eaLnBrk="1" fontAlgn="auto" latinLnBrk="0" hangingPunct="1">
-              <a:lnSpc>
-                <a:spcPct val="100000"/>
-              </a:lnSpc>
-              <a:spcBef>
-                <a:spcPct val="20000"/>
-              </a:spcBef>
-              <a:spcAft>
-                <a:spcPts val="0"/>
-              </a:spcAft>
-              <a:buClrTx/>
-              <a:buSzPct val="90000"/>
-              <a:buFont typeface="Wingdings" panose="05000000000000000000" pitchFamily="2" charset="2"/>
-              <a:buChar char=""/>
-              <a:tabLst/>
-              <a:defRPr sz="1000" kern="1200" spc="0" baseline="0">
-                <a:gradFill>
-                  <a:gsLst>
-                    <a:gs pos="1250">
-                      <a:schemeClr val="tx1"/>
-                    </a:gs>
-                    <a:gs pos="100000">
-                      <a:schemeClr val="tx1"/>
-                    </a:gs>
-                  </a:gsLst>
-                  <a:lin ang="5400000" scaled="0"/>
-                </a:gradFill>
-                <a:latin typeface="+mn-lt"/>
-                <a:ea typeface="+mn-ea"/>
-                <a:cs typeface="+mn-cs"/>
-              </a:defRPr>
-            </a:lvl4pPr>
-            <a:lvl5pPr marL="1023938" marR="0" indent="-168275" algn="l" defTabSz="932742" rtl="0" eaLnBrk="1" fontAlgn="auto" latinLnBrk="0" hangingPunct="1">
-              <a:lnSpc>
-                <a:spcPct val="100000"/>
-              </a:lnSpc>
-              <a:spcBef>
-                <a:spcPct val="20000"/>
-              </a:spcBef>
-              <a:spcAft>
-                <a:spcPts val="0"/>
-              </a:spcAft>
-              <a:buClrTx/>
-              <a:buSzPct val="90000"/>
-              <a:buFont typeface="Wingdings" panose="05000000000000000000" pitchFamily="2" charset="2"/>
-              <a:buChar char=""/>
-              <a:tabLst/>
-              <a:defRPr sz="800" kern="1200" spc="0" baseline="0">
-                <a:gradFill>
-                  <a:gsLst>
-                    <a:gs pos="1250">
-                      <a:schemeClr val="tx1"/>
-                    </a:gs>
-                    <a:gs pos="100000">
-                      <a:schemeClr val="tx1"/>
-                    </a:gs>
-                  </a:gsLst>
-                  <a:lin ang="5400000" scaled="0"/>
-                </a:gradFill>
-                <a:latin typeface="+mn-lt"/>
-                <a:ea typeface="+mn-ea"/>
-                <a:cs typeface="+mn-cs"/>
-              </a:defRPr>
-            </a:lvl5pPr>
-            <a:lvl6pPr marL="2565040" indent="-233186" algn="l" defTabSz="932742" rtl="0" eaLnBrk="1" latinLnBrk="0" hangingPunct="1">
-              <a:spcBef>
-                <a:spcPct val="20000"/>
-              </a:spcBef>
-              <a:buFont typeface="Arial" pitchFamily="34" charset="0"/>
-              <a:buChar char="•"/>
-              <a:defRPr sz="2000" kern="1200">
-                <a:solidFill>
-                  <a:schemeClr val="tx1"/>
-                </a:solidFill>
-                <a:latin typeface="+mn-lt"/>
-                <a:ea typeface="+mn-ea"/>
-                <a:cs typeface="+mn-cs"/>
-              </a:defRPr>
-            </a:lvl6pPr>
-            <a:lvl7pPr marL="3031412" indent="-233186" algn="l" defTabSz="932742" rtl="0" eaLnBrk="1" latinLnBrk="0" hangingPunct="1">
-              <a:spcBef>
-                <a:spcPct val="20000"/>
-              </a:spcBef>
-              <a:buFont typeface="Arial" pitchFamily="34" charset="0"/>
-              <a:buChar char="•"/>
-              <a:defRPr sz="2000" kern="1200">
-                <a:solidFill>
-                  <a:schemeClr val="tx1"/>
-                </a:solidFill>
-                <a:latin typeface="+mn-lt"/>
-                <a:ea typeface="+mn-ea"/>
-                <a:cs typeface="+mn-cs"/>
-              </a:defRPr>
-            </a:lvl7pPr>
-            <a:lvl8pPr marL="3497783" indent="-233186" algn="l" defTabSz="932742" rtl="0" eaLnBrk="1" latinLnBrk="0" hangingPunct="1">
-              <a:spcBef>
-                <a:spcPct val="20000"/>
-              </a:spcBef>
-              <a:buFont typeface="Arial" pitchFamily="34" charset="0"/>
-              <a:buChar char="•"/>
-              <a:defRPr sz="2000" kern="1200">
-                <a:solidFill>
-                  <a:schemeClr val="tx1"/>
-                </a:solidFill>
-                <a:latin typeface="+mn-lt"/>
-                <a:ea typeface="+mn-ea"/>
-                <a:cs typeface="+mn-cs"/>
-              </a:defRPr>
-            </a:lvl8pPr>
-            <a:lvl9pPr marL="3964155" indent="-233186" algn="l" defTabSz="932742" rtl="0" eaLnBrk="1" latinLnBrk="0" hangingPunct="1">
-              <a:spcBef>
-                <a:spcPct val="20000"/>
-              </a:spcBef>
-              <a:buFont typeface="Arial" pitchFamily="34" charset="0"/>
-              <a:buChar char="•"/>
-              <a:defRPr sz="2000" kern="1200">
-                <a:solidFill>
-                  <a:schemeClr val="tx1"/>
-                </a:solidFill>
-                <a:latin typeface="+mn-lt"/>
-                <a:ea typeface="+mn-ea"/>
-                <a:cs typeface="+mn-cs"/>
-              </a:defRPr>
-            </a:lvl9pPr>
-          </a:lstStyle>
-          <a:p>
-            <a:pPr marL="0" marR="0" lvl="0" indent="0" algn="l" defTabSz="932742" rtl="0" eaLnBrk="1" fontAlgn="auto" latinLnBrk="0" hangingPunct="1">
-              <a:lnSpc>
-                <a:spcPct val="100000"/>
-              </a:lnSpc>
-              <a:spcBef>
-                <a:spcPts val="0"/>
-              </a:spcBef>
-              <a:spcAft>
-                <a:spcPts val="0"/>
-              </a:spcAft>
-              <a:buClrTx/>
-              <a:buSzPct val="90000"/>
-              <a:buFont typeface="Arial" panose="020B0604020202020204" pitchFamily="34" charset="0"/>
-              <a:buNone/>
-              <a:tabLst/>
-              <a:defRPr/>
-            </a:pPr>
-            <a:r>
-              <a:rPr kumimoji="0" lang="en-US" sz="1600" b="0" i="0" u="none" strike="noStrike" kern="1200" cap="none" spc="0" normalizeH="0" baseline="0" noProof="0" dirty="0">
-                <a:ln>
-                  <a:noFill/>
-                </a:ln>
-                <a:solidFill>
-                  <a:srgbClr val="FFFFFF"/>
-                </a:solidFill>
-                <a:effectLst/>
-                <a:uLnTx/>
-                <a:uFillTx/>
-                <a:latin typeface="Segoe UI Semibold"/>
-                <a:ea typeface="+mn-ea"/>
-                <a:cs typeface="Segoe UI Semilight" panose="020B0402040204020203" pitchFamily="34" charset="0"/>
-              </a:rPr>
-              <a:t>Azure AI Search</a:t>
-            </a:r>
-          </a:p>
-          <a:p>
-            <a:pPr marL="265176" marR="0" lvl="1" indent="-128016" algn="l" defTabSz="932742" rtl="0" eaLnBrk="1" fontAlgn="auto" latinLnBrk="0" hangingPunct="1">
-              <a:lnSpc>
-                <a:spcPct val="100000"/>
-              </a:lnSpc>
-              <a:spcBef>
-                <a:spcPct val="20000"/>
-              </a:spcBef>
-              <a:spcAft>
-                <a:spcPts val="0"/>
-              </a:spcAft>
-              <a:buClrTx/>
-              <a:buSzPct val="90000"/>
-              <a:buFont typeface="Arial" panose="020B0604020202020204" pitchFamily="34" charset="0"/>
-              <a:buChar char="•"/>
-              <a:tabLst/>
-              <a:defRPr/>
-            </a:pPr>
-            <a:r>
-              <a:rPr lang="en-US" sz="1300" dirty="0">
-                <a:solidFill>
-                  <a:srgbClr val="FFFFFF"/>
-                </a:solidFill>
-                <a:latin typeface="Segoe UI"/>
-              </a:rPr>
-              <a:t>p</a:t>
-            </a:r>
-            <a:r>
-              <a:rPr kumimoji="0" lang="en-US" sz="1300" b="0" i="0" u="none" strike="noStrike" kern="1200" cap="none" spc="0" normalizeH="0" baseline="0" noProof="0" dirty="0" err="1">
-                <a:ln>
-                  <a:noFill/>
-                </a:ln>
-                <a:solidFill>
-                  <a:srgbClr val="FFFFFF"/>
-                </a:solidFill>
-                <a:effectLst/>
-                <a:uLnTx/>
-                <a:uFillTx/>
-                <a:latin typeface="Segoe UI"/>
-                <a:ea typeface="+mn-ea"/>
-                <a:cs typeface="+mn-cs"/>
-              </a:rPr>
-              <a:t>rofile_prospect</a:t>
-            </a:r>
-            <a:endParaRPr kumimoji="0" lang="en-US" sz="1300" b="0" i="0" u="none" strike="noStrike" kern="1200" cap="none" spc="0" normalizeH="0" baseline="0" noProof="0" dirty="0">
-              <a:ln>
-                <a:noFill/>
-              </a:ln>
-              <a:solidFill>
-                <a:srgbClr val="FFFFFF"/>
-              </a:solidFill>
-              <a:effectLst/>
-              <a:uLnTx/>
-              <a:uFillTx/>
-              <a:latin typeface="Segoe UI"/>
-              <a:ea typeface="+mn-ea"/>
-              <a:cs typeface="+mn-cs"/>
-            </a:endParaRPr>
-          </a:p>
-          <a:p>
-            <a:pPr marL="265176" marR="0" lvl="1" indent="-128016" algn="l" defTabSz="932742" rtl="0" eaLnBrk="1" fontAlgn="auto" latinLnBrk="0" hangingPunct="1">
-              <a:lnSpc>
-                <a:spcPct val="100000"/>
-              </a:lnSpc>
-              <a:spcBef>
-                <a:spcPct val="20000"/>
-              </a:spcBef>
-              <a:spcAft>
-                <a:spcPts val="0"/>
-              </a:spcAft>
-              <a:buClrTx/>
-              <a:buSzPct val="90000"/>
-              <a:buFont typeface="Arial" panose="020B0604020202020204" pitchFamily="34" charset="0"/>
-              <a:buChar char="•"/>
-              <a:tabLst/>
-              <a:defRPr/>
-            </a:pPr>
-            <a:r>
-              <a:rPr kumimoji="0" lang="en-US" sz="1300" b="0" i="0" u="none" strike="noStrike" kern="1200" cap="none" spc="0" normalizeH="0" baseline="0" noProof="0" dirty="0">
-                <a:ln>
-                  <a:noFill/>
-                </a:ln>
-                <a:solidFill>
-                  <a:srgbClr val="FFFFFF"/>
-                </a:solidFill>
-                <a:effectLst/>
-                <a:uLnTx/>
-                <a:uFillTx/>
-                <a:latin typeface="Segoe UI"/>
-                <a:ea typeface="+mn-ea"/>
-                <a:cs typeface="+mn-cs"/>
-              </a:rPr>
-              <a:t>Index of customer information</a:t>
-            </a:r>
-          </a:p>
-          <a:p>
-            <a:pPr marL="265176" marR="0" lvl="1" indent="-128016" algn="l" defTabSz="932742" rtl="0" eaLnBrk="1" fontAlgn="auto" latinLnBrk="0" hangingPunct="1">
-              <a:lnSpc>
-                <a:spcPct val="100000"/>
-              </a:lnSpc>
-              <a:spcBef>
-                <a:spcPct val="20000"/>
-              </a:spcBef>
-              <a:spcAft>
-                <a:spcPts val="0"/>
-              </a:spcAft>
-              <a:buClrTx/>
-              <a:buSzPct val="90000"/>
-              <a:buFont typeface="Arial" panose="020B0604020202020204" pitchFamily="34" charset="0"/>
-              <a:buChar char="•"/>
-              <a:tabLst/>
-              <a:defRPr/>
-            </a:pPr>
-            <a:r>
-              <a:rPr kumimoji="0" lang="en-US" sz="1300" b="0" i="0" u="none" strike="noStrike" kern="1200" cap="none" spc="0" normalizeH="0" baseline="0" noProof="0" dirty="0">
-                <a:ln>
-                  <a:noFill/>
-                </a:ln>
-                <a:solidFill>
-                  <a:srgbClr val="FFFFFF"/>
-                </a:solidFill>
-                <a:effectLst/>
-                <a:uLnTx/>
-                <a:uFillTx/>
-                <a:latin typeface="Segoe UI"/>
-                <a:ea typeface="+mn-ea"/>
-                <a:cs typeface="+mn-cs"/>
-              </a:rPr>
-              <a:t>shadow-sales-index-customer</a:t>
-            </a:r>
-          </a:p>
-          <a:p>
-            <a:pPr marL="0" marR="0" lvl="0" indent="0" algn="l" defTabSz="932742" rtl="0" eaLnBrk="1" fontAlgn="auto" latinLnBrk="0" hangingPunct="1">
-              <a:lnSpc>
-                <a:spcPct val="100000"/>
-              </a:lnSpc>
-              <a:spcBef>
-                <a:spcPts val="0"/>
-              </a:spcBef>
-              <a:spcAft>
-                <a:spcPts val="0"/>
-              </a:spcAft>
-              <a:buClrTx/>
-              <a:buSzPct val="90000"/>
-              <a:buFont typeface="Arial" panose="020B0604020202020204" pitchFamily="34" charset="0"/>
-              <a:buNone/>
-              <a:tabLst/>
-              <a:defRPr/>
-            </a:pPr>
-            <a:endParaRPr kumimoji="0" lang="en-US" sz="1200" b="0" i="0" u="none" strike="noStrike" kern="1200" cap="none" spc="0" normalizeH="0" baseline="0" noProof="0" dirty="0">
-              <a:ln>
-                <a:noFill/>
-              </a:ln>
-              <a:solidFill>
-                <a:srgbClr val="FFFFFF"/>
-              </a:solidFill>
-              <a:effectLst/>
-              <a:uLnTx/>
-              <a:uFillTx/>
-              <a:latin typeface="Segoe UI Semibold"/>
-              <a:ea typeface="+mn-ea"/>
-              <a:cs typeface="Segoe UI Semilight" panose="020B0402040204020203" pitchFamily="34" charset="0"/>
-            </a:endParaRPr>
-          </a:p>
-        </p:txBody>
-      </p:sp>
-      <p:cxnSp>
-        <p:nvCxnSpPr>
           <p:cNvPr id="26" name="Straight Arrow Connector 25">
             <a:extLst>
               <a:ext uri="{FF2B5EF4-FFF2-40B4-BE49-F238E27FC236}">
@@ -27051,7 +21694,7 @@
           <p:nvPr/>
         </p:nvPicPr>
         <p:blipFill>
-          <a:blip r:embed="rId8">
+          <a:blip r:embed="rId5">
             <a:extLst>
               <a:ext uri="{28A0092B-C50C-407E-A947-70E740481C1C}">
                 <a14:useLocalDpi xmlns:a14="http://schemas.microsoft.com/office/drawing/2010/main" val="0"/>
